--- a/templates/trivadis.pptx
+++ b/templates/trivadis.pptx
@@ -1,6 +1,6 @@
 
 <file path=ppt/presentation.xml><?xml version="1.0" encoding="utf-8"?>
-<p:presentation xmlns:a="http://schemas.openxmlformats.org/drawingml/2006/main" xmlns:r="http://schemas.openxmlformats.org/officeDocument/2006/relationships" xmlns:p="http://schemas.openxmlformats.org/presentationml/2006/main" saveSubsetFonts="1" autoCompressPictures="0">
+<p:presentation xmlns:a="http://schemas.openxmlformats.org/drawingml/2006/main" xmlns:r="http://schemas.openxmlformats.org/officeDocument/2006/relationships" xmlns:p="http://schemas.openxmlformats.org/presentationml/2006/main" showSpecialPlsOnTitleSld="0" saveSubsetFonts="1" autoCompressPictures="0">
   <p:sldMasterIdLst>
     <p:sldMasterId id="2147483648" r:id="rId1"/>
   </p:sldMasterIdLst>
@@ -211,7 +211,7 @@
           <a:p>
             <a:fld id="{0F9C1CCF-B725-44A7-AA57-5E433BD85C9F}" type="datetimeFigureOut">
               <a:rPr lang="en-US" smtClean="0"/>
-              <a:t>10/7/19</a:t>
+              <a:t>3/1/21</a:t>
             </a:fld>
             <a:endParaRPr lang="en-US"/>
           </a:p>
@@ -903,10 +903,10 @@
       </p:sp>
       <p:pic>
         <p:nvPicPr>
-          <p:cNvPr id="7" name="Grafik 20">
+          <p:cNvPr id="10" name="Grafik 16">
             <a:extLst>
               <a:ext uri="{FF2B5EF4-FFF2-40B4-BE49-F238E27FC236}">
-                <a16:creationId xmlns:a16="http://schemas.microsoft.com/office/drawing/2014/main" id="{B6AF2B3C-B9FB-0341-B129-7F9DAF81D7A6}"/>
+                <a16:creationId xmlns:a16="http://schemas.microsoft.com/office/drawing/2014/main" id="{4C8577FF-A172-2346-A4C6-6FFAA783B6C1}"/>
               </a:ext>
             </a:extLst>
           </p:cNvPr>
@@ -921,83 +921,8 @@
               <a:ext uri="{28A0092B-C50C-407E-A947-70E740481C1C}">
                 <a14:useLocalDpi xmlns:a14="http://schemas.microsoft.com/office/drawing/2010/main"/>
               </a:ext>
-            </a:extLst>
-          </a:blip>
-          <a:stretch>
-            <a:fillRect/>
-          </a:stretch>
-        </p:blipFill>
-        <p:spPr>
-          <a:xfrm>
-            <a:off x="499035" y="4736175"/>
-            <a:ext cx="5562600" cy="266700"/>
-          </a:xfrm>
-          <a:prstGeom prst="rect">
-            <a:avLst/>
-          </a:prstGeom>
-        </p:spPr>
-      </p:pic>
-      <p:pic>
-        <p:nvPicPr>
-          <p:cNvPr id="9" name="Grafik 24">
-            <a:extLst>
-              <a:ext uri="{FF2B5EF4-FFF2-40B4-BE49-F238E27FC236}">
-                <a16:creationId xmlns:a16="http://schemas.microsoft.com/office/drawing/2014/main" id="{B42EC0B1-617C-FC43-AB85-CD3E7BCA69B0}"/>
-              </a:ext>
-            </a:extLst>
-          </p:cNvPr>
-          <p:cNvPicPr>
-            <a:picLocks noChangeAspect="1"/>
-          </p:cNvPicPr>
-          <p:nvPr userDrawn="1"/>
-        </p:nvPicPr>
-        <p:blipFill>
-          <a:blip r:embed="rId4">
-            <a:extLst>
-              <a:ext uri="{28A0092B-C50C-407E-A947-70E740481C1C}">
-                <a14:useLocalDpi xmlns:a14="http://schemas.microsoft.com/office/drawing/2010/main"/>
-              </a:ext>
               <a:ext uri="{96DAC541-7B7A-43D3-8B79-37D633B846F1}">
-                <asvg:svgBlip xmlns:asvg="http://schemas.microsoft.com/office/drawing/2016/SVG/main" r:embed="rId5"/>
-              </a:ext>
-            </a:extLst>
-          </a:blip>
-          <a:stretch>
-            <a:fillRect/>
-          </a:stretch>
-        </p:blipFill>
-        <p:spPr>
-          <a:xfrm>
-            <a:off x="7579128" y="4711969"/>
-            <a:ext cx="1378800" cy="273992"/>
-          </a:xfrm>
-          <a:prstGeom prst="rect">
-            <a:avLst/>
-          </a:prstGeom>
-        </p:spPr>
-      </p:pic>
-      <p:pic>
-        <p:nvPicPr>
-          <p:cNvPr id="10" name="Grafik 16">
-            <a:extLst>
-              <a:ext uri="{FF2B5EF4-FFF2-40B4-BE49-F238E27FC236}">
-                <a16:creationId xmlns:a16="http://schemas.microsoft.com/office/drawing/2014/main" id="{4C8577FF-A172-2346-A4C6-6FFAA783B6C1}"/>
-              </a:ext>
-            </a:extLst>
-          </p:cNvPr>
-          <p:cNvPicPr>
-            <a:picLocks noChangeAspect="1"/>
-          </p:cNvPicPr>
-          <p:nvPr userDrawn="1"/>
-        </p:nvPicPr>
-        <p:blipFill>
-          <a:blip r:embed="rId6">
-            <a:extLst>
-              <a:ext uri="{28A0092B-C50C-407E-A947-70E740481C1C}">
-                <a14:useLocalDpi xmlns:a14="http://schemas.microsoft.com/office/drawing/2010/main"/>
-              </a:ext>
-              <a:ext uri="{96DAC541-7B7A-43D3-8B79-37D633B846F1}">
-                <asvg:svgBlip xmlns:asvg="http://schemas.microsoft.com/office/drawing/2016/SVG/main" r:embed="rId7"/>
+                <asvg:svgBlip xmlns:asvg="http://schemas.microsoft.com/office/drawing/2016/SVG/main" r:embed="rId4"/>
               </a:ext>
             </a:extLst>
           </a:blip>
@@ -1030,13 +955,13 @@
           <p:nvPr userDrawn="1"/>
         </p:nvPicPr>
         <p:blipFill>
-          <a:blip r:embed="rId8">
+          <a:blip r:embed="rId5">
             <a:extLst>
               <a:ext uri="{28A0092B-C50C-407E-A947-70E740481C1C}">
                 <a14:useLocalDpi xmlns:a14="http://schemas.microsoft.com/office/drawing/2010/main"/>
               </a:ext>
               <a:ext uri="{96DAC541-7B7A-43D3-8B79-37D633B846F1}">
-                <asvg:svgBlip xmlns:asvg="http://schemas.microsoft.com/office/drawing/2016/SVG/main" r:embed="rId9"/>
+                <asvg:svgBlip xmlns:asvg="http://schemas.microsoft.com/office/drawing/2016/SVG/main" r:embed="rId6"/>
               </a:ext>
             </a:extLst>
           </a:blip>
@@ -1056,10 +981,10 @@
       </p:pic>
       <p:sp>
         <p:nvSpPr>
-          <p:cNvPr id="12" name="Textplatzhalter 22">
+          <p:cNvPr id="18" name="Textplatzhalter 22">
             <a:extLst>
               <a:ext uri="{FF2B5EF4-FFF2-40B4-BE49-F238E27FC236}">
-                <a16:creationId xmlns:a16="http://schemas.microsoft.com/office/drawing/2014/main" id="{16AA5A72-F3B9-584E-9B49-B8E851F94DDF}"/>
+                <a16:creationId xmlns:a16="http://schemas.microsoft.com/office/drawing/2014/main" id="{7003A06A-9C64-1748-A2A8-7FE33A7BCA54}"/>
               </a:ext>
             </a:extLst>
           </p:cNvPr>
@@ -1067,17 +992,20 @@
             <a:spLocks noGrp="1"/>
           </p:cNvSpPr>
           <p:nvPr>
-            <p:ph type="body" sz="quarter" idx="20" hasCustomPrompt="1"/>
+            <p:ph type="body" sz="quarter" idx="18" hasCustomPrompt="1"/>
           </p:nvPr>
         </p:nvSpPr>
         <p:spPr>
           <a:xfrm>
-            <a:off x="3531333" y="3439779"/>
-            <a:ext cx="2195957" cy="396008"/>
+            <a:off x="389023" y="1245688"/>
+            <a:ext cx="8696654" cy="396008"/>
           </a:xfrm>
+          <a:effectLst/>
         </p:spPr>
         <p:txBody>
-          <a:bodyPr lIns="108000"/>
+          <a:bodyPr lIns="108000">
+            <a:noAutofit/>
+          </a:bodyPr>
           <a:lstStyle>
             <a:lvl1pPr marL="0" indent="0">
               <a:buNone/>
@@ -1092,31 +1020,61 @@
           <a:p>
             <a:pPr lvl="0"/>
             <a:r>
-              <a:rPr lang="de-CH" noProof="0"/>
-              <a:t>Blog</a:t>
-            </a:r>
-          </a:p>
-        </p:txBody>
-      </p:sp>
-      <p:sp>
-        <p:nvSpPr>
-          <p:cNvPr id="13" name="Textplatzhalter 22">
+              <a:rPr lang="de-CH" noProof="0" dirty="0"/>
+              <a:t>Referent(en) nur Vorname</a:t>
+            </a:r>
+          </a:p>
+        </p:txBody>
+      </p:sp>
+      <p:pic>
+        <p:nvPicPr>
+          <p:cNvPr id="15" name="Picture 14">
             <a:extLst>
               <a:ext uri="{FF2B5EF4-FFF2-40B4-BE49-F238E27FC236}">
-                <a16:creationId xmlns:a16="http://schemas.microsoft.com/office/drawing/2014/main" id="{9E97F1EA-8D8C-A94E-846A-646858F47BEB}"/>
+                <a16:creationId xmlns:a16="http://schemas.microsoft.com/office/drawing/2014/main" id="{702A07D1-F3EC-F348-A551-6FF3EFD438FD}"/>
               </a:ext>
             </a:extLst>
           </p:cNvPr>
-          <p:cNvSpPr>
-            <a:spLocks noGrp="1"/>
-          </p:cNvSpPr>
-          <p:nvPr>
-            <p:ph type="body" sz="quarter" idx="19" hasCustomPrompt="1"/>
-          </p:nvPr>
-        </p:nvSpPr>
+          <p:cNvPicPr>
+            <a:picLocks noChangeAspect="1"/>
+          </p:cNvPicPr>
+          <p:nvPr userDrawn="1"/>
+        </p:nvPicPr>
+        <p:blipFill>
+          <a:blip r:embed="rId7"/>
+          <a:stretch>
+            <a:fillRect/>
+          </a:stretch>
+        </p:blipFill>
         <p:spPr>
           <a:xfrm>
-            <a:off x="735504" y="3439779"/>
+            <a:off x="499036" y="4736175"/>
+            <a:ext cx="5046212" cy="266699"/>
+          </a:xfrm>
+          <a:prstGeom prst="rect">
+            <a:avLst/>
+          </a:prstGeom>
+        </p:spPr>
+      </p:pic>
+      <p:sp>
+        <p:nvSpPr>
+          <p:cNvPr id="16" name="Textplatzhalter 22">
+            <a:extLst>
+              <a:ext uri="{FF2B5EF4-FFF2-40B4-BE49-F238E27FC236}">
+                <a16:creationId xmlns:a16="http://schemas.microsoft.com/office/drawing/2014/main" id="{89EAFE61-06E4-3D4E-932E-1640DFE9A7E2}"/>
+              </a:ext>
+            </a:extLst>
+          </p:cNvPr>
+          <p:cNvSpPr>
+            <a:spLocks noGrp="1"/>
+          </p:cNvSpPr>
+          <p:nvPr>
+            <p:ph type="body" sz="quarter" idx="20" hasCustomPrompt="1"/>
+          </p:nvPr>
+        </p:nvSpPr>
+        <p:spPr>
+          <a:xfrm>
+            <a:off x="3531332" y="3439779"/>
             <a:ext cx="2195957" cy="396008"/>
           </a:xfrm>
         </p:spPr>
@@ -1137,17 +1095,17 @@
             <a:pPr lvl="0"/>
             <a:r>
               <a:rPr lang="de-CH" noProof="0"/>
-              <a:t>@Twitter</a:t>
-            </a:r>
-          </a:p>
-        </p:txBody>
-      </p:sp>
-      <p:sp>
-        <p:nvSpPr>
-          <p:cNvPr id="18" name="Textplatzhalter 22">
+              <a:t>Blog</a:t>
+            </a:r>
+          </a:p>
+        </p:txBody>
+      </p:sp>
+      <p:sp>
+        <p:nvSpPr>
+          <p:cNvPr id="17" name="Textplatzhalter 22">
             <a:extLst>
               <a:ext uri="{FF2B5EF4-FFF2-40B4-BE49-F238E27FC236}">
-                <a16:creationId xmlns:a16="http://schemas.microsoft.com/office/drawing/2014/main" id="{7003A06A-9C64-1748-A2A8-7FE33A7BCA54}"/>
+                <a16:creationId xmlns:a16="http://schemas.microsoft.com/office/drawing/2014/main" id="{8639980A-F29D-174D-AC99-A64D87468A16}"/>
               </a:ext>
             </a:extLst>
           </p:cNvPr>
@@ -1155,20 +1113,17 @@
             <a:spLocks noGrp="1"/>
           </p:cNvSpPr>
           <p:nvPr>
-            <p:ph type="body" sz="quarter" idx="18" hasCustomPrompt="1"/>
+            <p:ph type="body" sz="quarter" idx="19" hasCustomPrompt="1"/>
           </p:nvPr>
         </p:nvSpPr>
         <p:spPr>
           <a:xfrm>
-            <a:off x="389023" y="1245688"/>
-            <a:ext cx="8696654" cy="396008"/>
+            <a:off x="735503" y="3439779"/>
+            <a:ext cx="2195957" cy="396008"/>
           </a:xfrm>
-          <a:effectLst/>
         </p:spPr>
         <p:txBody>
-          <a:bodyPr lIns="108000">
-            <a:noAutofit/>
-          </a:bodyPr>
+          <a:bodyPr lIns="108000"/>
           <a:lstStyle>
             <a:lvl1pPr marL="0" indent="0">
               <a:buNone/>
@@ -1183,8 +1138,8 @@
           <a:p>
             <a:pPr lvl="0"/>
             <a:r>
-              <a:rPr lang="de-CH" noProof="0" dirty="0"/>
-              <a:t>Referent(en) nur Vorname</a:t>
+              <a:rPr lang="de-CH" noProof="0"/>
+              <a:t>@Twitter</a:t>
             </a:r>
           </a:p>
         </p:txBody>
@@ -1307,9 +1262,9 @@
           <a:bodyPr/>
           <a:lstStyle/>
           <a:p>
-            <a:fld id="{241EB5C9-1307-BA42-ABA2-0BC069CD8E7F}" type="datetimeFigureOut">
-              <a:rPr lang="en-US" smtClean="0"/>
-              <a:t>10/7/19</a:t>
+            <a:fld id="{2D4B57A1-731A-4645-8FA8-45F2583A07A5}" type="datetime1">
+              <a:rPr lang="de-CH" smtClean="0"/>
+              <a:t>01.03.21</a:t>
             </a:fld>
             <a:endParaRPr lang="en-US"/>
           </a:p>
@@ -1485,9 +1440,9 @@
           <a:bodyPr/>
           <a:lstStyle/>
           <a:p>
-            <a:fld id="{241EB5C9-1307-BA42-ABA2-0BC069CD8E7F}" type="datetimeFigureOut">
-              <a:rPr lang="en-US" smtClean="0"/>
-              <a:t>10/7/19</a:t>
+            <a:fld id="{975A0BE2-4D2F-ED48-8BC0-248235B9C6F4}" type="datetime1">
+              <a:rPr lang="de-CH" smtClean="0"/>
+              <a:t>01.03.21</a:t>
             </a:fld>
             <a:endParaRPr lang="en-US"/>
           </a:p>
@@ -1681,9 +1636,9 @@
           <a:bodyPr/>
           <a:lstStyle/>
           <a:p>
-            <a:fld id="{241EB5C9-1307-BA42-ABA2-0BC069CD8E7F}" type="datetimeFigureOut">
-              <a:rPr lang="en-US" smtClean="0"/>
-              <a:t>10/7/19</a:t>
+            <a:fld id="{D4B9611F-6BA5-0048-8392-92F1B38493E7}" type="datetime1">
+              <a:rPr lang="de-CH" smtClean="0"/>
+              <a:t>01.03.21</a:t>
             </a:fld>
             <a:endParaRPr lang="en-US"/>
           </a:p>
@@ -1864,127 +1819,6 @@
       </p:sp>
       <p:sp>
         <p:nvSpPr>
-          <p:cNvPr id="3" name="Text Placeholder 2"/>
-          <p:cNvSpPr>
-            <a:spLocks noGrp="1"/>
-          </p:cNvSpPr>
-          <p:nvPr>
-            <p:ph type="body" idx="1"/>
-          </p:nvPr>
-        </p:nvSpPr>
-        <p:spPr>
-          <a:xfrm>
-            <a:off x="722313" y="2180035"/>
-            <a:ext cx="7772400" cy="1125140"/>
-          </a:xfrm>
-        </p:spPr>
-        <p:txBody>
-          <a:bodyPr anchor="b"/>
-          <a:lstStyle>
-            <a:lvl1pPr marL="0" indent="0" algn="ctr">
-              <a:buNone/>
-              <a:defRPr lang="en-US" sz="2000" b="0" i="0" kern="1200" baseline="0" smtClean="0">
-                <a:solidFill>
-                  <a:srgbClr val="FFFFFF"/>
-                </a:solidFill>
-                <a:effectLst/>
-                <a:latin typeface="+mn-lt"/>
-                <a:ea typeface="+mn-ea"/>
-                <a:cs typeface="+mn-cs"/>
-              </a:defRPr>
-            </a:lvl1pPr>
-            <a:lvl2pPr marL="342900" indent="0">
-              <a:buNone/>
-              <a:defRPr sz="1350">
-                <a:solidFill>
-                  <a:schemeClr val="tx1">
-                    <a:tint val="75000"/>
-                  </a:schemeClr>
-                </a:solidFill>
-              </a:defRPr>
-            </a:lvl2pPr>
-            <a:lvl3pPr marL="685800" indent="0">
-              <a:buNone/>
-              <a:defRPr sz="1200">
-                <a:solidFill>
-                  <a:schemeClr val="tx1">
-                    <a:tint val="75000"/>
-                  </a:schemeClr>
-                </a:solidFill>
-              </a:defRPr>
-            </a:lvl3pPr>
-            <a:lvl4pPr marL="1028700" indent="0">
-              <a:buNone/>
-              <a:defRPr sz="1050">
-                <a:solidFill>
-                  <a:schemeClr val="tx1">
-                    <a:tint val="75000"/>
-                  </a:schemeClr>
-                </a:solidFill>
-              </a:defRPr>
-            </a:lvl4pPr>
-            <a:lvl5pPr marL="1371600" indent="0">
-              <a:buNone/>
-              <a:defRPr sz="1050">
-                <a:solidFill>
-                  <a:schemeClr val="tx1">
-                    <a:tint val="75000"/>
-                  </a:schemeClr>
-                </a:solidFill>
-              </a:defRPr>
-            </a:lvl5pPr>
-            <a:lvl6pPr marL="1714500" indent="0">
-              <a:buNone/>
-              <a:defRPr sz="1050">
-                <a:solidFill>
-                  <a:schemeClr val="tx1">
-                    <a:tint val="75000"/>
-                  </a:schemeClr>
-                </a:solidFill>
-              </a:defRPr>
-            </a:lvl6pPr>
-            <a:lvl7pPr marL="2057400" indent="0">
-              <a:buNone/>
-              <a:defRPr sz="1050">
-                <a:solidFill>
-                  <a:schemeClr val="tx1">
-                    <a:tint val="75000"/>
-                  </a:schemeClr>
-                </a:solidFill>
-              </a:defRPr>
-            </a:lvl7pPr>
-            <a:lvl8pPr marL="2400300" indent="0">
-              <a:buNone/>
-              <a:defRPr sz="1050">
-                <a:solidFill>
-                  <a:schemeClr val="tx1">
-                    <a:tint val="75000"/>
-                  </a:schemeClr>
-                </a:solidFill>
-              </a:defRPr>
-            </a:lvl8pPr>
-            <a:lvl9pPr marL="2743200" indent="0">
-              <a:buNone/>
-              <a:defRPr sz="1050">
-                <a:solidFill>
-                  <a:schemeClr val="tx1">
-                    <a:tint val="75000"/>
-                  </a:schemeClr>
-                </a:solidFill>
-              </a:defRPr>
-            </a:lvl9pPr>
-          </a:lstStyle>
-          <a:p>
-            <a:pPr lvl="0"/>
-            <a:r>
-              <a:rPr lang="en-US" dirty="0"/>
-              <a:t>Click to edit Master text styles</a:t>
-            </a:r>
-          </a:p>
-        </p:txBody>
-      </p:sp>
-      <p:sp>
-        <p:nvSpPr>
           <p:cNvPr id="4" name="Date Placeholder 3"/>
           <p:cNvSpPr>
             <a:spLocks noGrp="1"/>
@@ -1998,9 +1832,9 @@
           <a:bodyPr/>
           <a:lstStyle/>
           <a:p>
-            <a:fld id="{241EB5C9-1307-BA42-ABA2-0BC069CD8E7F}" type="datetimeFigureOut">
-              <a:rPr lang="en-US" smtClean="0"/>
-              <a:t>10/7/19</a:t>
+            <a:fld id="{E48C1A4C-7A2A-7E47-B513-AA9B6E35088F}" type="datetime1">
+              <a:rPr lang="de-CH" smtClean="0"/>
+              <a:t>01.03.21</a:t>
             </a:fld>
             <a:endParaRPr lang="en-US"/>
           </a:p>
@@ -2048,45 +1882,6 @@
           </a:p>
         </p:txBody>
       </p:sp>
-      <p:pic>
-        <p:nvPicPr>
-          <p:cNvPr id="8" name="Grafik 17">
-            <a:extLst>
-              <a:ext uri="{FF2B5EF4-FFF2-40B4-BE49-F238E27FC236}">
-                <a16:creationId xmlns:a16="http://schemas.microsoft.com/office/drawing/2014/main" id="{ED3190D5-0FC7-BF4B-8452-4A5B6EBEED12}"/>
-              </a:ext>
-            </a:extLst>
-          </p:cNvPr>
-          <p:cNvPicPr>
-            <a:picLocks noChangeAspect="1"/>
-          </p:cNvPicPr>
-          <p:nvPr userDrawn="1"/>
-        </p:nvPicPr>
-        <p:blipFill>
-          <a:blip r:embed="rId2" cstate="print">
-            <a:extLst>
-              <a:ext uri="{28A0092B-C50C-407E-A947-70E740481C1C}">
-                <a14:useLocalDpi xmlns:a14="http://schemas.microsoft.com/office/drawing/2010/main"/>
-              </a:ext>
-              <a:ext uri="{96DAC541-7B7A-43D3-8B79-37D633B846F1}">
-                <asvg:svgBlip xmlns:asvg="http://schemas.microsoft.com/office/drawing/2016/SVG/main" r:embed="rId3"/>
-              </a:ext>
-            </a:extLst>
-          </a:blip>
-          <a:stretch>
-            <a:fillRect/>
-          </a:stretch>
-        </p:blipFill>
-        <p:spPr>
-          <a:xfrm>
-            <a:off x="7578000" y="183600"/>
-            <a:ext cx="1378800" cy="275760"/>
-          </a:xfrm>
-          <a:prstGeom prst="rect">
-            <a:avLst/>
-          </a:prstGeom>
-        </p:spPr>
-      </p:pic>
     </p:spTree>
     <p:extLst>
       <p:ext uri="{BB962C8B-B14F-4D97-AF65-F5344CB8AC3E}">
@@ -2177,9 +1972,9 @@
           <a:bodyPr/>
           <a:lstStyle/>
           <a:p>
-            <a:fld id="{241EB5C9-1307-BA42-ABA2-0BC069CD8E7F}" type="datetimeFigureOut">
-              <a:rPr lang="en-US" smtClean="0"/>
-              <a:t>10/7/19</a:t>
+            <a:fld id="{8EE1534C-AFA4-894A-A196-C8C5D2CADB83}" type="datetime1">
+              <a:rPr lang="de-CH" smtClean="0"/>
+              <a:t>01.03.21</a:t>
             </a:fld>
             <a:endParaRPr lang="en-US"/>
           </a:p>
@@ -2461,9 +2256,9 @@
           <a:bodyPr/>
           <a:lstStyle/>
           <a:p>
-            <a:fld id="{241EB5C9-1307-BA42-ABA2-0BC069CD8E7F}" type="datetimeFigureOut">
-              <a:rPr lang="en-US" smtClean="0"/>
-              <a:t>10/7/19</a:t>
+            <a:fld id="{CFDBA69C-5834-4942-A499-A18EB51C73D4}" type="datetime1">
+              <a:rPr lang="de-CH" smtClean="0"/>
+              <a:t>01.03.21</a:t>
             </a:fld>
             <a:endParaRPr lang="en-US"/>
           </a:p>
@@ -2827,9 +2622,9 @@
           <a:bodyPr/>
           <a:lstStyle/>
           <a:p>
-            <a:fld id="{241EB5C9-1307-BA42-ABA2-0BC069CD8E7F}" type="datetimeFigureOut">
-              <a:rPr lang="en-US" smtClean="0"/>
-              <a:t>10/7/19</a:t>
+            <a:fld id="{3AE092CF-8504-474B-A72C-41725B2DF3AA}" type="datetime1">
+              <a:rPr lang="de-CH" smtClean="0"/>
+              <a:t>01.03.21</a:t>
             </a:fld>
             <a:endParaRPr lang="en-US"/>
           </a:p>
@@ -2922,9 +2717,9 @@
           <a:bodyPr/>
           <a:lstStyle/>
           <a:p>
-            <a:fld id="{241EB5C9-1307-BA42-ABA2-0BC069CD8E7F}" type="datetimeFigureOut">
-              <a:rPr lang="en-US" smtClean="0"/>
-              <a:t>10/7/19</a:t>
+            <a:fld id="{45605BA1-25DE-EE45-AC87-C10FEAB4A299}" type="datetime1">
+              <a:rPr lang="de-CH" smtClean="0"/>
+              <a:t>01.03.21</a:t>
             </a:fld>
             <a:endParaRPr lang="en-US"/>
           </a:p>
@@ -3197,9 +2992,9 @@
           <a:bodyPr/>
           <a:lstStyle/>
           <a:p>
-            <a:fld id="{241EB5C9-1307-BA42-ABA2-0BC069CD8E7F}" type="datetimeFigureOut">
-              <a:rPr lang="en-US" smtClean="0"/>
-              <a:t>10/7/19</a:t>
+            <a:fld id="{BFB35FA8-0076-0E4D-B40A-04A78EA57A96}" type="datetime1">
+              <a:rPr lang="de-CH" smtClean="0"/>
+              <a:t>01.03.21</a:t>
             </a:fld>
             <a:endParaRPr lang="en-US"/>
           </a:p>
@@ -3449,9 +3244,9 @@
           <a:bodyPr/>
           <a:lstStyle/>
           <a:p>
-            <a:fld id="{241EB5C9-1307-BA42-ABA2-0BC069CD8E7F}" type="datetimeFigureOut">
-              <a:rPr lang="en-US" smtClean="0"/>
-              <a:t>10/7/19</a:t>
+            <a:fld id="{35143240-5293-4641-B0B8-C5912A8D3A4D}" type="datetime1">
+              <a:rPr lang="de-CH" smtClean="0"/>
+              <a:t>01.03.21</a:t>
             </a:fld>
             <a:endParaRPr lang="en-US"/>
           </a:p>
@@ -3688,10 +3483,9 @@
             </a:lvl1pPr>
           </a:lstStyle>
           <a:p>
-            <a:fld id="{241EB5C9-1307-BA42-ABA2-0BC069CD8E7F}" type="datetimeFigureOut">
-              <a:rPr lang="en-US" smtClean="0"/>
-              <a:pPr/>
-              <a:t>10/7/19</a:t>
+            <a:fld id="{4DC8F4E5-F6D1-D74A-8C39-BBFE9EBFB1A6}" type="datetime1">
+              <a:rPr lang="de-CH" smtClean="0"/>
+              <a:t>01.03.21</a:t>
             </a:fld>
             <a:endParaRPr lang="en-US" dirty="0"/>
           </a:p>
@@ -3710,7 +3504,7 @@
         <p:spPr>
           <a:xfrm>
             <a:off x="1911600" y="4716000"/>
-            <a:ext cx="7048799" cy="273844"/>
+            <a:ext cx="5595701" cy="273844"/>
           </a:xfrm>
           <a:prstGeom prst="rect">
             <a:avLst/>
@@ -3807,7 +3601,7 @@
         </p:blipFill>
         <p:spPr>
           <a:xfrm>
-            <a:off x="7577418" y="182947"/>
+            <a:off x="7576290" y="4721439"/>
             <a:ext cx="1380510" cy="274332"/>
           </a:xfrm>
           <a:prstGeom prst="rect">
@@ -3836,6 +3630,7 @@
     <p:sldLayoutId id="2147483658" r:id="rId10"/>
     <p:sldLayoutId id="2147483659" r:id="rId11"/>
   </p:sldLayoutIdLst>
+  <p:hf hdr="0" ftr="0"/>
   <p:txStyles>
     <p:titleStyle>
       <a:lvl1pPr algn="l" defTabSz="342900" rtl="0" eaLnBrk="1" latinLnBrk="0" hangingPunct="1">
@@ -4182,6 +3977,81 @@
           </a:p>
         </p:txBody>
       </p:sp>
+      <p:sp>
+        <p:nvSpPr>
+          <p:cNvPr id="5" name="Text Placeholder 4">
+            <a:extLst>
+              <a:ext uri="{FF2B5EF4-FFF2-40B4-BE49-F238E27FC236}">
+                <a16:creationId xmlns:a16="http://schemas.microsoft.com/office/drawing/2014/main" id="{39967527-3312-7042-A93D-8F507808DF5D}"/>
+              </a:ext>
+            </a:extLst>
+          </p:cNvPr>
+          <p:cNvSpPr>
+            <a:spLocks noGrp="1"/>
+          </p:cNvSpPr>
+          <p:nvPr>
+            <p:ph type="body" sz="quarter" idx="18"/>
+          </p:nvPr>
+        </p:nvSpPr>
+        <p:spPr/>
+        <p:txBody>
+          <a:bodyPr/>
+          <a:lstStyle/>
+          <a:p>
+            <a:endParaRPr lang="en-CH"/>
+          </a:p>
+        </p:txBody>
+      </p:sp>
+      <p:sp>
+        <p:nvSpPr>
+          <p:cNvPr id="7" name="Text Placeholder 6">
+            <a:extLst>
+              <a:ext uri="{FF2B5EF4-FFF2-40B4-BE49-F238E27FC236}">
+                <a16:creationId xmlns:a16="http://schemas.microsoft.com/office/drawing/2014/main" id="{E3BCE6F0-063F-8A4F-BB62-DD9C9EF0E217}"/>
+              </a:ext>
+            </a:extLst>
+          </p:cNvPr>
+          <p:cNvSpPr>
+            <a:spLocks noGrp="1"/>
+          </p:cNvSpPr>
+          <p:nvPr>
+            <p:ph type="body" sz="quarter" idx="20"/>
+          </p:nvPr>
+        </p:nvSpPr>
+        <p:spPr/>
+        <p:txBody>
+          <a:bodyPr/>
+          <a:lstStyle/>
+          <a:p>
+            <a:endParaRPr lang="en-CH"/>
+          </a:p>
+        </p:txBody>
+      </p:sp>
+      <p:sp>
+        <p:nvSpPr>
+          <p:cNvPr id="6" name="Text Placeholder 5">
+            <a:extLst>
+              <a:ext uri="{FF2B5EF4-FFF2-40B4-BE49-F238E27FC236}">
+                <a16:creationId xmlns:a16="http://schemas.microsoft.com/office/drawing/2014/main" id="{B8FB2D9A-D6AA-A446-9420-7FA80A95DB23}"/>
+              </a:ext>
+            </a:extLst>
+          </p:cNvPr>
+          <p:cNvSpPr>
+            <a:spLocks noGrp="1"/>
+          </p:cNvSpPr>
+          <p:nvPr>
+            <p:ph type="body" sz="quarter" idx="19"/>
+          </p:nvPr>
+        </p:nvSpPr>
+        <p:spPr/>
+        <p:txBody>
+          <a:bodyPr/>
+          <a:lstStyle/>
+          <a:p>
+            <a:endParaRPr lang="en-CH"/>
+          </a:p>
+        </p:txBody>
+      </p:sp>
     </p:spTree>
     <p:extLst>
       <p:ext uri="{BB962C8B-B14F-4D97-AF65-F5344CB8AC3E}">
@@ -4238,10 +4108,10 @@
       </p:sp>
       <p:sp>
         <p:nvSpPr>
-          <p:cNvPr id="4" name="Content Placeholder 3">
+          <p:cNvPr id="13" name="Content Placeholder 12">
             <a:extLst>
               <a:ext uri="{FF2B5EF4-FFF2-40B4-BE49-F238E27FC236}">
-                <a16:creationId xmlns:a16="http://schemas.microsoft.com/office/drawing/2014/main" id="{F37A9607-FE36-4447-8C61-CCCC284A438C}"/>
+                <a16:creationId xmlns:a16="http://schemas.microsoft.com/office/drawing/2014/main" id="{F849E9DF-8E9B-AD4F-9E66-4CCAEFAAC188}"/>
               </a:ext>
             </a:extLst>
           </p:cNvPr>
@@ -4257,6 +4127,64 @@
           <a:bodyPr/>
           <a:lstStyle/>
           <a:p>
+            <a:endParaRPr lang="en-CH"/>
+          </a:p>
+        </p:txBody>
+      </p:sp>
+      <p:sp>
+        <p:nvSpPr>
+          <p:cNvPr id="9" name="Date Placeholder 8">
+            <a:extLst>
+              <a:ext uri="{FF2B5EF4-FFF2-40B4-BE49-F238E27FC236}">
+                <a16:creationId xmlns:a16="http://schemas.microsoft.com/office/drawing/2014/main" id="{A3A47D84-86AD-594D-A559-B72DB7D69A8B}"/>
+              </a:ext>
+            </a:extLst>
+          </p:cNvPr>
+          <p:cNvSpPr>
+            <a:spLocks noGrp="1"/>
+          </p:cNvSpPr>
+          <p:nvPr>
+            <p:ph type="dt" sz="half" idx="10"/>
+          </p:nvPr>
+        </p:nvSpPr>
+        <p:spPr/>
+        <p:txBody>
+          <a:bodyPr/>
+          <a:lstStyle/>
+          <a:p>
+            <a:fld id="{E760EA5D-2A08-2943-B2DB-15B6037FBDD5}" type="datetime1">
+              <a:rPr lang="de-CH" smtClean="0"/>
+              <a:t>01.03.21</a:t>
+            </a:fld>
+            <a:endParaRPr lang="en-US" dirty="0"/>
+          </a:p>
+        </p:txBody>
+      </p:sp>
+      <p:sp>
+        <p:nvSpPr>
+          <p:cNvPr id="11" name="Slide Number Placeholder 10">
+            <a:extLst>
+              <a:ext uri="{FF2B5EF4-FFF2-40B4-BE49-F238E27FC236}">
+                <a16:creationId xmlns:a16="http://schemas.microsoft.com/office/drawing/2014/main" id="{C34B1D3E-3559-2F47-82BD-6319F9BCB93B}"/>
+              </a:ext>
+            </a:extLst>
+          </p:cNvPr>
+          <p:cNvSpPr>
+            <a:spLocks noGrp="1"/>
+          </p:cNvSpPr>
+          <p:nvPr>
+            <p:ph type="sldNum" sz="quarter" idx="12"/>
+          </p:nvPr>
+        </p:nvSpPr>
+        <p:spPr/>
+        <p:txBody>
+          <a:bodyPr/>
+          <a:lstStyle/>
+          <a:p>
+            <a:fld id="{C5EF2332-01BF-834F-8236-50238282D533}" type="slidenum">
+              <a:rPr lang="en-US" smtClean="0"/>
+              <a:t>2</a:t>
+            </a:fld>
             <a:endParaRPr lang="en-US"/>
           </a:p>
         </p:txBody>
@@ -4315,23 +4243,59 @@
       </p:sp>
       <p:sp>
         <p:nvSpPr>
-          <p:cNvPr id="3" name="Text Placeholder 2"/>
-          <p:cNvSpPr>
-            <a:spLocks noGrp="1"/>
-          </p:cNvSpPr>
-          <p:nvPr>
-            <p:ph type="body" idx="1"/>
-          </p:nvPr>
-        </p:nvSpPr>
-        <p:spPr/>
-        <p:txBody>
-          <a:bodyPr/>
-          <a:lstStyle/>
-          <a:p>
-            <a:r>
-              <a:rPr lang="en-US" dirty="0"/>
-              <a:t>Some explanatory text</a:t>
-            </a:r>
+          <p:cNvPr id="4" name="Date Placeholder 3">
+            <a:extLst>
+              <a:ext uri="{FF2B5EF4-FFF2-40B4-BE49-F238E27FC236}">
+                <a16:creationId xmlns:a16="http://schemas.microsoft.com/office/drawing/2014/main" id="{31D34AE1-EED0-864F-BEC5-0CAAB2CECFDD}"/>
+              </a:ext>
+            </a:extLst>
+          </p:cNvPr>
+          <p:cNvSpPr>
+            <a:spLocks noGrp="1"/>
+          </p:cNvSpPr>
+          <p:nvPr>
+            <p:ph type="dt" sz="half" idx="10"/>
+          </p:nvPr>
+        </p:nvSpPr>
+        <p:spPr/>
+        <p:txBody>
+          <a:bodyPr/>
+          <a:lstStyle/>
+          <a:p>
+            <a:fld id="{0B0FD648-CDC8-3542-A4F3-B1A5126F725E}" type="datetime1">
+              <a:rPr lang="de-CH" smtClean="0"/>
+              <a:t>01.03.21</a:t>
+            </a:fld>
+            <a:endParaRPr lang="en-US"/>
+          </a:p>
+        </p:txBody>
+      </p:sp>
+      <p:sp>
+        <p:nvSpPr>
+          <p:cNvPr id="6" name="Slide Number Placeholder 5">
+            <a:extLst>
+              <a:ext uri="{FF2B5EF4-FFF2-40B4-BE49-F238E27FC236}">
+                <a16:creationId xmlns:a16="http://schemas.microsoft.com/office/drawing/2014/main" id="{8336EB1A-07F6-424A-99B0-7CFFD60806C7}"/>
+              </a:ext>
+            </a:extLst>
+          </p:cNvPr>
+          <p:cNvSpPr>
+            <a:spLocks noGrp="1"/>
+          </p:cNvSpPr>
+          <p:nvPr>
+            <p:ph type="sldNum" sz="quarter" idx="12"/>
+          </p:nvPr>
+        </p:nvSpPr>
+        <p:spPr/>
+        <p:txBody>
+          <a:bodyPr/>
+          <a:lstStyle/>
+          <a:p>
+            <a:fld id="{C5EF2332-01BF-834F-8236-50238282D533}" type="slidenum">
+              <a:rPr lang="en-US" smtClean="0"/>
+              <a:t>3</a:t>
+            </a:fld>
+            <a:endParaRPr lang="en-US"/>
           </a:p>
         </p:txBody>
       </p:sp>
@@ -4391,20 +4355,73 @@
       </p:sp>
       <p:sp>
         <p:nvSpPr>
+          <p:cNvPr id="2" name="Date Placeholder 1">
+            <a:extLst>
+              <a:ext uri="{FF2B5EF4-FFF2-40B4-BE49-F238E27FC236}">
+                <a16:creationId xmlns:a16="http://schemas.microsoft.com/office/drawing/2014/main" id="{42E2C46F-BB56-BB4D-BF9B-26F446BFFA63}"/>
+              </a:ext>
+            </a:extLst>
+          </p:cNvPr>
+          <p:cNvSpPr>
+            <a:spLocks noGrp="1"/>
+          </p:cNvSpPr>
+          <p:nvPr>
+            <p:ph type="dt" sz="half" idx="10"/>
+          </p:nvPr>
+        </p:nvSpPr>
+        <p:spPr/>
+        <p:txBody>
+          <a:bodyPr/>
+          <a:lstStyle/>
+          <a:p>
+            <a:fld id="{1808E2F2-93FE-1B44-B19E-BBFEE3F90F6A}" type="datetime1">
+              <a:rPr lang="de-CH" smtClean="0"/>
+              <a:t>01.03.21</a:t>
+            </a:fld>
+            <a:endParaRPr lang="en-US"/>
+          </a:p>
+        </p:txBody>
+      </p:sp>
+      <p:sp>
+        <p:nvSpPr>
+          <p:cNvPr id="7" name="Slide Number Placeholder 6">
+            <a:extLst>
+              <a:ext uri="{FF2B5EF4-FFF2-40B4-BE49-F238E27FC236}">
+                <a16:creationId xmlns:a16="http://schemas.microsoft.com/office/drawing/2014/main" id="{219FFAAB-DA15-BD49-9624-082ADCEFBC53}"/>
+              </a:ext>
+            </a:extLst>
+          </p:cNvPr>
+          <p:cNvSpPr>
+            <a:spLocks noGrp="1"/>
+          </p:cNvSpPr>
+          <p:nvPr>
+            <p:ph type="sldNum" sz="quarter" idx="12"/>
+          </p:nvPr>
+        </p:nvSpPr>
+        <p:spPr/>
+        <p:txBody>
+          <a:bodyPr/>
+          <a:lstStyle/>
+          <a:p>
+            <a:fld id="{C5EF2332-01BF-834F-8236-50238282D533}" type="slidenum">
+              <a:rPr lang="en-US" smtClean="0"/>
+              <a:t>4</a:t>
+            </a:fld>
+            <a:endParaRPr lang="en-US"/>
+          </a:p>
+        </p:txBody>
+      </p:sp>
+      <p:sp>
+        <p:nvSpPr>
           <p:cNvPr id="5" name="Content Placeholder 4"/>
           <p:cNvSpPr>
             <a:spLocks noGrp="1"/>
           </p:cNvSpPr>
           <p:nvPr>
-            <p:ph sz="half" idx="4294967295"/>
-          </p:nvPr>
-        </p:nvSpPr>
-        <p:spPr>
-          <a:xfrm>
-            <a:off x="266400" y="802800"/>
-            <a:ext cx="4305600" cy="3812400"/>
-          </a:xfrm>
-        </p:spPr>
+            <p:ph idx="1"/>
+          </p:nvPr>
+        </p:nvSpPr>
+        <p:spPr/>
         <p:txBody>
           <a:bodyPr/>
           <a:lstStyle/>
@@ -4434,15 +4451,10 @@
             <a:spLocks noGrp="1"/>
           </p:cNvSpPr>
           <p:nvPr>
-            <p:ph sz="half" idx="4294967295"/>
-          </p:nvPr>
-        </p:nvSpPr>
-        <p:spPr>
-          <a:xfrm>
-            <a:off x="4651200" y="802800"/>
-            <a:ext cx="4305600" cy="3812400"/>
-          </a:xfrm>
-        </p:spPr>
+            <p:ph idx="13"/>
+          </p:nvPr>
+        </p:nvSpPr>
+        <p:spPr/>
         <p:txBody>
           <a:bodyPr/>
           <a:lstStyle/>

--- a/templates/trivadis.pptx
+++ b/templates/trivadis.pptx
@@ -5,24 +5,28 @@
     <p:sldMasterId id="2147483648" r:id="rId1"/>
   </p:sldMasterIdLst>
   <p:notesMasterIdLst>
-    <p:notesMasterId r:id="rId8"/>
+    <p:notesMasterId r:id="rId12"/>
   </p:notesMasterIdLst>
   <p:sldIdLst>
     <p:sldId id="256" r:id="rId2"/>
     <p:sldId id="263" r:id="rId3"/>
     <p:sldId id="269" r:id="rId4"/>
     <p:sldId id="266" r:id="rId5"/>
-    <p:sldId id="267" r:id="rId6"/>
-    <p:sldId id="268" r:id="rId7"/>
+    <p:sldId id="270" r:id="rId6"/>
+    <p:sldId id="271" r:id="rId7"/>
+    <p:sldId id="272" r:id="rId8"/>
+    <p:sldId id="273" r:id="rId9"/>
+    <p:sldId id="267" r:id="rId10"/>
+    <p:sldId id="268" r:id="rId11"/>
   </p:sldIdLst>
-  <p:sldSz cx="9144000" cy="5143500" type="screen16x9"/>
+  <p:sldSz cx="12192000" cy="6858000"/>
   <p:notesSz cx="6858000" cy="9144000"/>
   <p:defaultTextStyle>
     <a:defPPr>
       <a:defRPr lang="en-US"/>
     </a:defPPr>
-    <a:lvl1pPr marL="0" algn="l" defTabSz="342900" rtl="0" eaLnBrk="1" latinLnBrk="0" hangingPunct="1">
-      <a:defRPr sz="1350" kern="1200">
+    <a:lvl1pPr marL="0" algn="l" defTabSz="457189" rtl="0" eaLnBrk="1" latinLnBrk="0" hangingPunct="1">
+      <a:defRPr sz="1800" kern="1200">
         <a:solidFill>
           <a:schemeClr val="tx1"/>
         </a:solidFill>
@@ -31,8 +35,8 @@
         <a:cs typeface="+mn-cs"/>
       </a:defRPr>
     </a:lvl1pPr>
-    <a:lvl2pPr marL="342900" algn="l" defTabSz="342900" rtl="0" eaLnBrk="1" latinLnBrk="0" hangingPunct="1">
-      <a:defRPr sz="1350" kern="1200">
+    <a:lvl2pPr marL="457189" algn="l" defTabSz="457189" rtl="0" eaLnBrk="1" latinLnBrk="0" hangingPunct="1">
+      <a:defRPr sz="1800" kern="1200">
         <a:solidFill>
           <a:schemeClr val="tx1"/>
         </a:solidFill>
@@ -41,8 +45,8 @@
         <a:cs typeface="+mn-cs"/>
       </a:defRPr>
     </a:lvl2pPr>
-    <a:lvl3pPr marL="685800" algn="l" defTabSz="342900" rtl="0" eaLnBrk="1" latinLnBrk="0" hangingPunct="1">
-      <a:defRPr sz="1350" kern="1200">
+    <a:lvl3pPr marL="914377" algn="l" defTabSz="457189" rtl="0" eaLnBrk="1" latinLnBrk="0" hangingPunct="1">
+      <a:defRPr sz="1800" kern="1200">
         <a:solidFill>
           <a:schemeClr val="tx1"/>
         </a:solidFill>
@@ -51,8 +55,8 @@
         <a:cs typeface="+mn-cs"/>
       </a:defRPr>
     </a:lvl3pPr>
-    <a:lvl4pPr marL="1028700" algn="l" defTabSz="342900" rtl="0" eaLnBrk="1" latinLnBrk="0" hangingPunct="1">
-      <a:defRPr sz="1350" kern="1200">
+    <a:lvl4pPr marL="1371566" algn="l" defTabSz="457189" rtl="0" eaLnBrk="1" latinLnBrk="0" hangingPunct="1">
+      <a:defRPr sz="1800" kern="1200">
         <a:solidFill>
           <a:schemeClr val="tx1"/>
         </a:solidFill>
@@ -61,8 +65,8 @@
         <a:cs typeface="+mn-cs"/>
       </a:defRPr>
     </a:lvl4pPr>
-    <a:lvl5pPr marL="1371600" algn="l" defTabSz="342900" rtl="0" eaLnBrk="1" latinLnBrk="0" hangingPunct="1">
-      <a:defRPr sz="1350" kern="1200">
+    <a:lvl5pPr marL="1828754" algn="l" defTabSz="457189" rtl="0" eaLnBrk="1" latinLnBrk="0" hangingPunct="1">
+      <a:defRPr sz="1800" kern="1200">
         <a:solidFill>
           <a:schemeClr val="tx1"/>
         </a:solidFill>
@@ -71,8 +75,8 @@
         <a:cs typeface="+mn-cs"/>
       </a:defRPr>
     </a:lvl5pPr>
-    <a:lvl6pPr marL="1714500" algn="l" defTabSz="342900" rtl="0" eaLnBrk="1" latinLnBrk="0" hangingPunct="1">
-      <a:defRPr sz="1350" kern="1200">
+    <a:lvl6pPr marL="2285943" algn="l" defTabSz="457189" rtl="0" eaLnBrk="1" latinLnBrk="0" hangingPunct="1">
+      <a:defRPr sz="1800" kern="1200">
         <a:solidFill>
           <a:schemeClr val="tx1"/>
         </a:solidFill>
@@ -81,8 +85,8 @@
         <a:cs typeface="+mn-cs"/>
       </a:defRPr>
     </a:lvl6pPr>
-    <a:lvl7pPr marL="2057400" algn="l" defTabSz="342900" rtl="0" eaLnBrk="1" latinLnBrk="0" hangingPunct="1">
-      <a:defRPr sz="1350" kern="1200">
+    <a:lvl7pPr marL="2743131" algn="l" defTabSz="457189" rtl="0" eaLnBrk="1" latinLnBrk="0" hangingPunct="1">
+      <a:defRPr sz="1800" kern="1200">
         <a:solidFill>
           <a:schemeClr val="tx1"/>
         </a:solidFill>
@@ -91,8 +95,8 @@
         <a:cs typeface="+mn-cs"/>
       </a:defRPr>
     </a:lvl7pPr>
-    <a:lvl8pPr marL="2400300" algn="l" defTabSz="342900" rtl="0" eaLnBrk="1" latinLnBrk="0" hangingPunct="1">
-      <a:defRPr sz="1350" kern="1200">
+    <a:lvl8pPr marL="3200320" algn="l" defTabSz="457189" rtl="0" eaLnBrk="1" latinLnBrk="0" hangingPunct="1">
+      <a:defRPr sz="1800" kern="1200">
         <a:solidFill>
           <a:schemeClr val="tx1"/>
         </a:solidFill>
@@ -101,8 +105,8 @@
         <a:cs typeface="+mn-cs"/>
       </a:defRPr>
     </a:lvl8pPr>
-    <a:lvl9pPr marL="2743200" algn="l" defTabSz="342900" rtl="0" eaLnBrk="1" latinLnBrk="0" hangingPunct="1">
-      <a:defRPr sz="1350" kern="1200">
+    <a:lvl9pPr marL="3657509" algn="l" defTabSz="457189" rtl="0" eaLnBrk="1" latinLnBrk="0" hangingPunct="1">
+      <a:defRPr sz="1800" kern="1200">
         <a:solidFill>
           <a:schemeClr val="tx1"/>
         </a:solidFill>
@@ -115,12 +119,12 @@
   <p:extLst>
     <p:ext uri="{EFAFB233-063F-42B5-8137-9DF3F51BA10A}">
       <p15:sldGuideLst xmlns:p15="http://schemas.microsoft.com/office/powerpoint/2012/main">
-        <p15:guide id="1" orient="horz" pos="1620" userDrawn="1">
+        <p15:guide id="1" orient="horz" pos="2160" userDrawn="1">
           <p15:clr>
             <a:srgbClr val="A4A3A4"/>
           </p15:clr>
         </p15:guide>
-        <p15:guide id="2" pos="2880" userDrawn="1">
+        <p15:guide id="2" pos="3840" userDrawn="1">
           <p15:clr>
             <a:srgbClr val="A4A3A4"/>
           </p15:clr>
@@ -225,7 +229,7 @@
           <a:p>
             <a:fld id="{0F9C1CCF-B725-44A7-AA57-5E433BD85C9F}" type="datetimeFigureOut">
               <a:rPr lang="en-US" smtClean="0"/>
-              <a:t>10/13/21</a:t>
+              <a:t>11/10/21</a:t>
             </a:fld>
             <a:endParaRPr lang="en-US"/>
           </a:p>
@@ -398,8 +402,8 @@
   </p:cSld>
   <p:clrMap bg1="lt1" tx1="dk1" bg2="lt2" tx2="dk2" accent1="accent1" accent2="accent2" accent3="accent3" accent4="accent4" accent5="accent5" accent6="accent6" hlink="hlink" folHlink="folHlink"/>
   <p:notesStyle>
-    <a:lvl1pPr marL="0" algn="l" defTabSz="685800" rtl="0" eaLnBrk="1" latinLnBrk="0" hangingPunct="1">
-      <a:defRPr sz="900" kern="1200">
+    <a:lvl1pPr marL="0" algn="l" defTabSz="914377" rtl="0" eaLnBrk="1" latinLnBrk="0" hangingPunct="1">
+      <a:defRPr sz="1200" kern="1200">
         <a:solidFill>
           <a:schemeClr val="tx1"/>
         </a:solidFill>
@@ -408,8 +412,8 @@
         <a:cs typeface="+mn-cs"/>
       </a:defRPr>
     </a:lvl1pPr>
-    <a:lvl2pPr marL="342900" algn="l" defTabSz="685800" rtl="0" eaLnBrk="1" latinLnBrk="0" hangingPunct="1">
-      <a:defRPr sz="900" kern="1200">
+    <a:lvl2pPr marL="457189" algn="l" defTabSz="914377" rtl="0" eaLnBrk="1" latinLnBrk="0" hangingPunct="1">
+      <a:defRPr sz="1200" kern="1200">
         <a:solidFill>
           <a:schemeClr val="tx1"/>
         </a:solidFill>
@@ -418,8 +422,8 @@
         <a:cs typeface="+mn-cs"/>
       </a:defRPr>
     </a:lvl2pPr>
-    <a:lvl3pPr marL="685800" algn="l" defTabSz="685800" rtl="0" eaLnBrk="1" latinLnBrk="0" hangingPunct="1">
-      <a:defRPr sz="900" kern="1200">
+    <a:lvl3pPr marL="914377" algn="l" defTabSz="914377" rtl="0" eaLnBrk="1" latinLnBrk="0" hangingPunct="1">
+      <a:defRPr sz="1200" kern="1200">
         <a:solidFill>
           <a:schemeClr val="tx1"/>
         </a:solidFill>
@@ -428,8 +432,8 @@
         <a:cs typeface="+mn-cs"/>
       </a:defRPr>
     </a:lvl3pPr>
-    <a:lvl4pPr marL="1028700" algn="l" defTabSz="685800" rtl="0" eaLnBrk="1" latinLnBrk="0" hangingPunct="1">
-      <a:defRPr sz="900" kern="1200">
+    <a:lvl4pPr marL="1371566" algn="l" defTabSz="914377" rtl="0" eaLnBrk="1" latinLnBrk="0" hangingPunct="1">
+      <a:defRPr sz="1200" kern="1200">
         <a:solidFill>
           <a:schemeClr val="tx1"/>
         </a:solidFill>
@@ -438,8 +442,8 @@
         <a:cs typeface="+mn-cs"/>
       </a:defRPr>
     </a:lvl4pPr>
-    <a:lvl5pPr marL="1371600" algn="l" defTabSz="685800" rtl="0" eaLnBrk="1" latinLnBrk="0" hangingPunct="1">
-      <a:defRPr sz="900" kern="1200">
+    <a:lvl5pPr marL="1828754" algn="l" defTabSz="914377" rtl="0" eaLnBrk="1" latinLnBrk="0" hangingPunct="1">
+      <a:defRPr sz="1200" kern="1200">
         <a:solidFill>
           <a:schemeClr val="tx1"/>
         </a:solidFill>
@@ -448,8 +452,8 @@
         <a:cs typeface="+mn-cs"/>
       </a:defRPr>
     </a:lvl5pPr>
-    <a:lvl6pPr marL="1714500" algn="l" defTabSz="685800" rtl="0" eaLnBrk="1" latinLnBrk="0" hangingPunct="1">
-      <a:defRPr sz="900" kern="1200">
+    <a:lvl6pPr marL="2285943" algn="l" defTabSz="914377" rtl="0" eaLnBrk="1" latinLnBrk="0" hangingPunct="1">
+      <a:defRPr sz="1200" kern="1200">
         <a:solidFill>
           <a:schemeClr val="tx1"/>
         </a:solidFill>
@@ -458,8 +462,8 @@
         <a:cs typeface="+mn-cs"/>
       </a:defRPr>
     </a:lvl6pPr>
-    <a:lvl7pPr marL="2057400" algn="l" defTabSz="685800" rtl="0" eaLnBrk="1" latinLnBrk="0" hangingPunct="1">
-      <a:defRPr sz="900" kern="1200">
+    <a:lvl7pPr marL="2743131" algn="l" defTabSz="914377" rtl="0" eaLnBrk="1" latinLnBrk="0" hangingPunct="1">
+      <a:defRPr sz="1200" kern="1200">
         <a:solidFill>
           <a:schemeClr val="tx1"/>
         </a:solidFill>
@@ -468,8 +472,8 @@
         <a:cs typeface="+mn-cs"/>
       </a:defRPr>
     </a:lvl7pPr>
-    <a:lvl8pPr marL="2400300" algn="l" defTabSz="685800" rtl="0" eaLnBrk="1" latinLnBrk="0" hangingPunct="1">
-      <a:defRPr sz="900" kern="1200">
+    <a:lvl8pPr marL="3200320" algn="l" defTabSz="914377" rtl="0" eaLnBrk="1" latinLnBrk="0" hangingPunct="1">
+      <a:defRPr sz="1200" kern="1200">
         <a:solidFill>
           <a:schemeClr val="tx1"/>
         </a:solidFill>
@@ -478,8 +482,8 @@
         <a:cs typeface="+mn-cs"/>
       </a:defRPr>
     </a:lvl8pPr>
-    <a:lvl9pPr marL="2743200" algn="l" defTabSz="685800" rtl="0" eaLnBrk="1" latinLnBrk="0" hangingPunct="1">
-      <a:defRPr sz="900" kern="1200">
+    <a:lvl9pPr marL="3657509" algn="l" defTabSz="914377" rtl="0" eaLnBrk="1" latinLnBrk="0" hangingPunct="1">
+      <a:defRPr sz="1200" kern="1200">
         <a:solidFill>
           <a:schemeClr val="tx1"/>
         </a:solidFill>
@@ -641,8 +645,8 @@
         </p:nvSpPr>
         <p:spPr>
           <a:xfrm>
-            <a:off x="685800" y="1597820"/>
-            <a:ext cx="7772400" cy="1102519"/>
+            <a:off x="914400" y="2130428"/>
+            <a:ext cx="10363200" cy="1470025"/>
           </a:xfrm>
         </p:spPr>
         <p:txBody>
@@ -651,7 +655,7 @@
           </a:bodyPr>
           <a:lstStyle>
             <a:lvl1pPr>
-              <a:defRPr lang="en-US" sz="3000" b="1" i="0" kern="1200" dirty="0">
+              <a:defRPr lang="en-US" sz="4000" b="1" i="0" kern="1200" dirty="0">
                 <a:solidFill>
                   <a:schemeClr val="bg1"/>
                 </a:solidFill>
@@ -662,12 +666,12 @@
             </a:lvl1pPr>
           </a:lstStyle>
           <a:p>
-            <a:pPr marL="0" lvl="0" indent="0" algn="ctr" defTabSz="685800" rtl="0" eaLnBrk="1" latinLnBrk="0" hangingPunct="1">
+            <a:pPr marL="0" lvl="0" indent="0" algn="ctr" defTabSz="914377" rtl="0" eaLnBrk="1" latinLnBrk="0" hangingPunct="1">
               <a:lnSpc>
                 <a:spcPct val="90000"/>
               </a:lnSpc>
               <a:spcBef>
-                <a:spcPts val="750"/>
+                <a:spcPts val="1000"/>
               </a:spcBef>
               <a:buFont typeface="Arial" panose="020B0604020202020204" pitchFamily="34" charset="0"/>
               <a:buNone/>
@@ -692,8 +696,8 @@
         </p:nvSpPr>
         <p:spPr>
           <a:xfrm>
-            <a:off x="685800" y="2914650"/>
-            <a:ext cx="7772400" cy="428625"/>
+            <a:off x="914400" y="3886201"/>
+            <a:ext cx="10363200" cy="571500"/>
           </a:xfrm>
         </p:spPr>
         <p:txBody>
@@ -703,7 +707,7 @@
           <a:lstStyle>
             <a:lvl1pPr marL="0" indent="0" algn="ctr">
               <a:buNone/>
-              <a:defRPr lang="en-US" sz="1500" b="0" i="0" kern="1200" dirty="0">
+              <a:defRPr lang="en-US" sz="2000" b="0" i="0" kern="1200" dirty="0">
                 <a:solidFill>
                   <a:schemeClr val="bg1"/>
                 </a:solidFill>
@@ -712,7 +716,7 @@
                 <a:cs typeface="+mn-cs"/>
               </a:defRPr>
             </a:lvl1pPr>
-            <a:lvl2pPr marL="342900" indent="0" algn="ctr">
+            <a:lvl2pPr marL="457189" indent="0" algn="ctr">
               <a:buNone/>
               <a:defRPr>
                 <a:solidFill>
@@ -722,7 +726,7 @@
                 </a:solidFill>
               </a:defRPr>
             </a:lvl2pPr>
-            <a:lvl3pPr marL="685800" indent="0" algn="ctr">
+            <a:lvl3pPr marL="914377" indent="0" algn="ctr">
               <a:buNone/>
               <a:defRPr>
                 <a:solidFill>
@@ -732,7 +736,7 @@
                 </a:solidFill>
               </a:defRPr>
             </a:lvl3pPr>
-            <a:lvl4pPr marL="1028700" indent="0" algn="ctr">
+            <a:lvl4pPr marL="1371566" indent="0" algn="ctr">
               <a:buNone/>
               <a:defRPr>
                 <a:solidFill>
@@ -742,7 +746,7 @@
                 </a:solidFill>
               </a:defRPr>
             </a:lvl4pPr>
-            <a:lvl5pPr marL="1371600" indent="0" algn="ctr">
+            <a:lvl5pPr marL="1828754" indent="0" algn="ctr">
               <a:buNone/>
               <a:defRPr>
                 <a:solidFill>
@@ -752,7 +756,7 @@
                 </a:solidFill>
               </a:defRPr>
             </a:lvl5pPr>
-            <a:lvl6pPr marL="1714500" indent="0" algn="ctr">
+            <a:lvl6pPr marL="2285943" indent="0" algn="ctr">
               <a:buNone/>
               <a:defRPr>
                 <a:solidFill>
@@ -762,7 +766,7 @@
                 </a:solidFill>
               </a:defRPr>
             </a:lvl6pPr>
-            <a:lvl7pPr marL="2057400" indent="0" algn="ctr">
+            <a:lvl7pPr marL="2743131" indent="0" algn="ctr">
               <a:buNone/>
               <a:defRPr>
                 <a:solidFill>
@@ -772,7 +776,7 @@
                 </a:solidFill>
               </a:defRPr>
             </a:lvl7pPr>
-            <a:lvl8pPr marL="2400300" indent="0" algn="ctr">
+            <a:lvl8pPr marL="3200320" indent="0" algn="ctr">
               <a:buNone/>
               <a:defRPr>
                 <a:solidFill>
@@ -782,7 +786,7 @@
                 </a:solidFill>
               </a:defRPr>
             </a:lvl8pPr>
-            <a:lvl9pPr marL="2743200" indent="0" algn="ctr">
+            <a:lvl9pPr marL="3657509" indent="0" algn="ctr">
               <a:buNone/>
               <a:defRPr>
                 <a:solidFill>
@@ -830,8 +834,8 @@
         </p:blipFill>
         <p:spPr>
           <a:xfrm>
-            <a:off x="7835259" y="4626159"/>
-            <a:ext cx="851541" cy="282209"/>
+            <a:off x="10447013" y="6168213"/>
+            <a:ext cx="1135388" cy="376279"/>
           </a:xfrm>
           <a:prstGeom prst="rect">
             <a:avLst/>
@@ -856,8 +860,8 @@
         </p:nvSpPr>
         <p:spPr>
           <a:xfrm>
-            <a:off x="685800" y="3557587"/>
-            <a:ext cx="7772400" cy="273844"/>
+            <a:off x="914400" y="4743450"/>
+            <a:ext cx="10363200" cy="365125"/>
           </a:xfrm>
           <a:prstGeom prst="rect">
             <a:avLst/>
@@ -879,7 +883,7 @@
             <a:fld id="{241EB5C9-1307-BA42-ABA2-0BC069CD8E7F}" type="datetimeFigureOut">
               <a:rPr lang="en-US" smtClean="0"/>
               <a:pPr/>
-              <a:t>10/13/21</a:t>
+              <a:t>11/10/21</a:t>
             </a:fld>
             <a:endParaRPr lang="en-US" dirty="0"/>
           </a:p>
@@ -899,6 +903,541 @@
 </file>
 
 <file path=ppt/slideLayouts/slideLayout10.xml><?xml version="1.0" encoding="utf-8"?>
+<p:sldLayout xmlns:a="http://schemas.openxmlformats.org/drawingml/2006/main" xmlns:r="http://schemas.openxmlformats.org/officeDocument/2006/relationships" xmlns:p="http://schemas.openxmlformats.org/presentationml/2006/main" preserve="1" userDrawn="1">
+  <p:cSld name="Two Content">
+    <p:spTree>
+      <p:nvGrpSpPr>
+        <p:cNvPr id="1" name=""/>
+        <p:cNvGrpSpPr/>
+        <p:nvPr/>
+      </p:nvGrpSpPr>
+      <p:grpSpPr>
+        <a:xfrm>
+          <a:off x="0" y="0"/>
+          <a:ext cx="0" cy="0"/>
+          <a:chOff x="0" y="0"/>
+          <a:chExt cx="0" cy="0"/>
+        </a:xfrm>
+      </p:grpSpPr>
+      <p:sp>
+        <p:nvSpPr>
+          <p:cNvPr id="13" name="Content Placeholder 2">
+            <a:extLst>
+              <a:ext uri="{FF2B5EF4-FFF2-40B4-BE49-F238E27FC236}">
+                <a16:creationId xmlns:a16="http://schemas.microsoft.com/office/drawing/2014/main" id="{E2EB2FFC-66FE-7645-920C-E8E0DB726771}"/>
+              </a:ext>
+            </a:extLst>
+          </p:cNvPr>
+          <p:cNvSpPr>
+            <a:spLocks noGrp="1"/>
+          </p:cNvSpPr>
+          <p:nvPr>
+            <p:ph idx="12"/>
+          </p:nvPr>
+        </p:nvSpPr>
+        <p:spPr>
+          <a:xfrm>
+            <a:off x="6215273" y="1736035"/>
+            <a:ext cx="5579164" cy="4717775"/>
+          </a:xfrm>
+        </p:spPr>
+        <p:txBody>
+          <a:bodyPr>
+            <a:normAutofit/>
+          </a:bodyPr>
+          <a:lstStyle>
+            <a:lvl1pPr marL="342891" indent="-228594" algn="l" defTabSz="914377" rtl="0" eaLnBrk="1" latinLnBrk="0" hangingPunct="1">
+              <a:lnSpc>
+                <a:spcPct val="90000"/>
+              </a:lnSpc>
+              <a:buClr>
+                <a:srgbClr val="9600FF"/>
+              </a:buClr>
+              <a:buFont typeface="Wingdings" pitchFamily="2" charset="2"/>
+              <a:buChar char="§"/>
+              <a:defRPr lang="en-US" sz="1800" b="0" kern="1200" baseline="0" dirty="0" smtClean="0">
+                <a:solidFill>
+                  <a:srgbClr val="1E2846"/>
+                </a:solidFill>
+                <a:latin typeface="Open Sans Light" panose="020B0306030504020204" pitchFamily="34" charset="0"/>
+                <a:ea typeface="Open Sans Light" panose="020B0306030504020204" pitchFamily="34" charset="0"/>
+                <a:cs typeface="Open Sans Light" panose="020B0306030504020204" pitchFamily="34" charset="0"/>
+              </a:defRPr>
+            </a:lvl1pPr>
+            <a:lvl2pPr marL="742932" indent="-228594" algn="l" defTabSz="914377" rtl="0" eaLnBrk="1" latinLnBrk="0" hangingPunct="1">
+              <a:lnSpc>
+                <a:spcPct val="90000"/>
+              </a:lnSpc>
+              <a:buClr>
+                <a:srgbClr val="9600FF"/>
+              </a:buClr>
+              <a:buFont typeface="Courier New" panose="02070309020205020404" pitchFamily="49" charset="0"/>
+              <a:buChar char="o"/>
+              <a:defRPr lang="en-US" sz="1800" b="0" kern="1200" baseline="0" dirty="0" smtClean="0">
+                <a:solidFill>
+                  <a:srgbClr val="1E2846"/>
+                </a:solidFill>
+                <a:latin typeface="Open Sans Light" panose="020B0306030504020204" pitchFamily="34" charset="0"/>
+                <a:ea typeface="Open Sans Light" panose="020B0306030504020204" pitchFamily="34" charset="0"/>
+                <a:cs typeface="Open Sans Light" panose="020B0306030504020204" pitchFamily="34" charset="0"/>
+              </a:defRPr>
+            </a:lvl2pPr>
+            <a:lvl3pPr marL="1142971" indent="-228594" algn="l" defTabSz="914377" rtl="0" eaLnBrk="1" latinLnBrk="0" hangingPunct="1">
+              <a:lnSpc>
+                <a:spcPct val="90000"/>
+              </a:lnSpc>
+              <a:buClr>
+                <a:srgbClr val="9600FF"/>
+              </a:buClr>
+              <a:buFont typeface="Courier New" panose="02070309020205020404" pitchFamily="49" charset="0"/>
+              <a:buChar char="o"/>
+              <a:defRPr lang="en-US" sz="1800" b="0" kern="1200" baseline="0" dirty="0" smtClean="0">
+                <a:solidFill>
+                  <a:srgbClr val="1E2846"/>
+                </a:solidFill>
+                <a:latin typeface="Open Sans Light" panose="020B0306030504020204" pitchFamily="34" charset="0"/>
+                <a:ea typeface="Open Sans Light" panose="020B0306030504020204" pitchFamily="34" charset="0"/>
+                <a:cs typeface="Open Sans Light" panose="020B0306030504020204" pitchFamily="34" charset="0"/>
+              </a:defRPr>
+            </a:lvl3pPr>
+            <a:lvl4pPr marL="1600160" indent="-228594" algn="l" defTabSz="914377" rtl="0" eaLnBrk="1" latinLnBrk="0" hangingPunct="1">
+              <a:lnSpc>
+                <a:spcPct val="90000"/>
+              </a:lnSpc>
+              <a:buClr>
+                <a:srgbClr val="9600FF"/>
+              </a:buClr>
+              <a:buFont typeface="Courier New" panose="02070309020205020404" pitchFamily="49" charset="0"/>
+              <a:buChar char="o"/>
+              <a:defRPr lang="en-US" sz="1800" b="0" kern="1200" baseline="0" dirty="0" smtClean="0">
+                <a:solidFill>
+                  <a:srgbClr val="1E2846"/>
+                </a:solidFill>
+                <a:latin typeface="Open Sans Light" panose="020B0306030504020204" pitchFamily="34" charset="0"/>
+                <a:ea typeface="Open Sans Light" panose="020B0306030504020204" pitchFamily="34" charset="0"/>
+                <a:cs typeface="Open Sans Light" panose="020B0306030504020204" pitchFamily="34" charset="0"/>
+              </a:defRPr>
+            </a:lvl4pPr>
+            <a:lvl5pPr marL="2057349" indent="-228594" algn="l" defTabSz="914377" rtl="0" eaLnBrk="1" latinLnBrk="0" hangingPunct="1">
+              <a:lnSpc>
+                <a:spcPct val="90000"/>
+              </a:lnSpc>
+              <a:buClr>
+                <a:srgbClr val="9600FF"/>
+              </a:buClr>
+              <a:buFont typeface="Courier New" panose="02070309020205020404" pitchFamily="49" charset="0"/>
+              <a:buChar char="o"/>
+              <a:defRPr lang="en-US" sz="1800" b="0" kern="1200" baseline="0" dirty="0">
+                <a:solidFill>
+                  <a:srgbClr val="1E2846"/>
+                </a:solidFill>
+                <a:latin typeface="Open Sans Light" panose="020B0306030504020204" pitchFamily="34" charset="0"/>
+                <a:ea typeface="Open Sans Light" panose="020B0306030504020204" pitchFamily="34" charset="0"/>
+                <a:cs typeface="Open Sans Light" panose="020B0306030504020204" pitchFamily="34" charset="0"/>
+              </a:defRPr>
+            </a:lvl5pPr>
+          </a:lstStyle>
+          <a:p>
+            <a:pPr lvl="0"/>
+            <a:r>
+              <a:rPr lang="en-GB"/>
+              <a:t>Click to edit Master text styles</a:t>
+            </a:r>
+          </a:p>
+          <a:p>
+            <a:pPr lvl="1"/>
+            <a:r>
+              <a:rPr lang="en-GB"/>
+              <a:t>Second level</a:t>
+            </a:r>
+          </a:p>
+          <a:p>
+            <a:pPr lvl="2"/>
+            <a:r>
+              <a:rPr lang="en-GB"/>
+              <a:t>Third level</a:t>
+            </a:r>
+          </a:p>
+          <a:p>
+            <a:pPr lvl="3"/>
+            <a:r>
+              <a:rPr lang="en-GB"/>
+              <a:t>Fourth level</a:t>
+            </a:r>
+          </a:p>
+          <a:p>
+            <a:pPr lvl="4"/>
+            <a:r>
+              <a:rPr lang="en-GB"/>
+              <a:t>Fifth level</a:t>
+            </a:r>
+            <a:endParaRPr lang="en-US" dirty="0"/>
+          </a:p>
+        </p:txBody>
+      </p:sp>
+      <p:sp>
+        <p:nvSpPr>
+          <p:cNvPr id="2" name="Title 1"/>
+          <p:cNvSpPr>
+            <a:spLocks noGrp="1"/>
+          </p:cNvSpPr>
+          <p:nvPr>
+            <p:ph type="title"/>
+          </p:nvPr>
+        </p:nvSpPr>
+        <p:spPr/>
+        <p:txBody>
+          <a:bodyPr/>
+          <a:lstStyle>
+            <a:lvl1pPr algn="l">
+              <a:defRPr/>
+            </a:lvl1pPr>
+          </a:lstStyle>
+          <a:p>
+            <a:r>
+              <a:rPr lang="en-GB"/>
+              <a:t>Click to edit Master title style</a:t>
+            </a:r>
+            <a:endParaRPr lang="en-US" dirty="0"/>
+          </a:p>
+        </p:txBody>
+      </p:sp>
+      <p:sp>
+        <p:nvSpPr>
+          <p:cNvPr id="8" name="Slide Number Placeholder 5">
+            <a:extLst>
+              <a:ext uri="{FF2B5EF4-FFF2-40B4-BE49-F238E27FC236}">
+                <a16:creationId xmlns:a16="http://schemas.microsoft.com/office/drawing/2014/main" id="{DE32C557-44D6-2048-B960-D9CB2DE4D077}"/>
+              </a:ext>
+            </a:extLst>
+          </p:cNvPr>
+          <p:cNvSpPr txBox="1">
+            <a:spLocks/>
+          </p:cNvSpPr>
+          <p:nvPr userDrawn="1"/>
+        </p:nvSpPr>
+        <p:spPr>
+          <a:xfrm>
+            <a:off x="454551" y="400611"/>
+            <a:ext cx="579120" cy="432595"/>
+          </a:xfrm>
+          <a:prstGeom prst="rect">
+            <a:avLst/>
+          </a:prstGeom>
+        </p:spPr>
+        <p:txBody>
+          <a:bodyPr vert="horz" lIns="91440" tIns="45720" rIns="91440" bIns="45720" rtlCol="0" anchor="ctr"/>
+          <a:lstStyle>
+            <a:defPPr>
+              <a:defRPr lang="en-US"/>
+            </a:defPPr>
+            <a:lvl1pPr marL="0" algn="r" defTabSz="457200" rtl="0" eaLnBrk="1" latinLnBrk="0" hangingPunct="1">
+              <a:defRPr sz="2000" b="1" i="0" kern="1200">
+                <a:solidFill>
+                  <a:srgbClr val="9601FF"/>
+                </a:solidFill>
+                <a:latin typeface="Montserrat" pitchFamily="2" charset="77"/>
+                <a:ea typeface="+mn-ea"/>
+                <a:cs typeface="+mn-cs"/>
+              </a:defRPr>
+            </a:lvl1pPr>
+            <a:lvl2pPr marL="457200" algn="l" defTabSz="457200" rtl="0" eaLnBrk="1" latinLnBrk="0" hangingPunct="1">
+              <a:defRPr sz="1800" kern="1200">
+                <a:solidFill>
+                  <a:schemeClr val="tx1"/>
+                </a:solidFill>
+                <a:latin typeface="+mn-lt"/>
+                <a:ea typeface="+mn-ea"/>
+                <a:cs typeface="+mn-cs"/>
+              </a:defRPr>
+            </a:lvl2pPr>
+            <a:lvl3pPr marL="914400" algn="l" defTabSz="457200" rtl="0" eaLnBrk="1" latinLnBrk="0" hangingPunct="1">
+              <a:defRPr sz="1800" kern="1200">
+                <a:solidFill>
+                  <a:schemeClr val="tx1"/>
+                </a:solidFill>
+                <a:latin typeface="+mn-lt"/>
+                <a:ea typeface="+mn-ea"/>
+                <a:cs typeface="+mn-cs"/>
+              </a:defRPr>
+            </a:lvl3pPr>
+            <a:lvl4pPr marL="1371600" algn="l" defTabSz="457200" rtl="0" eaLnBrk="1" latinLnBrk="0" hangingPunct="1">
+              <a:defRPr sz="1800" kern="1200">
+                <a:solidFill>
+                  <a:schemeClr val="tx1"/>
+                </a:solidFill>
+                <a:latin typeface="+mn-lt"/>
+                <a:ea typeface="+mn-ea"/>
+                <a:cs typeface="+mn-cs"/>
+              </a:defRPr>
+            </a:lvl4pPr>
+            <a:lvl5pPr marL="1828800" algn="l" defTabSz="457200" rtl="0" eaLnBrk="1" latinLnBrk="0" hangingPunct="1">
+              <a:defRPr sz="1800" kern="1200">
+                <a:solidFill>
+                  <a:schemeClr val="tx1"/>
+                </a:solidFill>
+                <a:latin typeface="+mn-lt"/>
+                <a:ea typeface="+mn-ea"/>
+                <a:cs typeface="+mn-cs"/>
+              </a:defRPr>
+            </a:lvl5pPr>
+            <a:lvl6pPr marL="2286000" algn="l" defTabSz="457200" rtl="0" eaLnBrk="1" latinLnBrk="0" hangingPunct="1">
+              <a:defRPr sz="1800" kern="1200">
+                <a:solidFill>
+                  <a:schemeClr val="tx1"/>
+                </a:solidFill>
+                <a:latin typeface="+mn-lt"/>
+                <a:ea typeface="+mn-ea"/>
+                <a:cs typeface="+mn-cs"/>
+              </a:defRPr>
+            </a:lvl6pPr>
+            <a:lvl7pPr marL="2743200" algn="l" defTabSz="457200" rtl="0" eaLnBrk="1" latinLnBrk="0" hangingPunct="1">
+              <a:defRPr sz="1800" kern="1200">
+                <a:solidFill>
+                  <a:schemeClr val="tx1"/>
+                </a:solidFill>
+                <a:latin typeface="+mn-lt"/>
+                <a:ea typeface="+mn-ea"/>
+                <a:cs typeface="+mn-cs"/>
+              </a:defRPr>
+            </a:lvl7pPr>
+            <a:lvl8pPr marL="3200400" algn="l" defTabSz="457200" rtl="0" eaLnBrk="1" latinLnBrk="0" hangingPunct="1">
+              <a:defRPr sz="1800" kern="1200">
+                <a:solidFill>
+                  <a:schemeClr val="tx1"/>
+                </a:solidFill>
+                <a:latin typeface="+mn-lt"/>
+                <a:ea typeface="+mn-ea"/>
+                <a:cs typeface="+mn-cs"/>
+              </a:defRPr>
+            </a:lvl8pPr>
+            <a:lvl9pPr marL="3657600" algn="l" defTabSz="457200" rtl="0" eaLnBrk="1" latinLnBrk="0" hangingPunct="1">
+              <a:defRPr sz="1800" kern="1200">
+                <a:solidFill>
+                  <a:schemeClr val="tx1"/>
+                </a:solidFill>
+                <a:latin typeface="+mn-lt"/>
+                <a:ea typeface="+mn-ea"/>
+                <a:cs typeface="+mn-cs"/>
+              </a:defRPr>
+            </a:lvl9pPr>
+          </a:lstStyle>
+          <a:p>
+            <a:fld id="{C5EF2332-01BF-834F-8236-50238282D533}" type="slidenum">
+              <a:rPr lang="en-US" sz="2000" smtClean="0"/>
+              <a:pPr/>
+              <a:t>‹#›</a:t>
+            </a:fld>
+            <a:endParaRPr lang="en-US" sz="2000" dirty="0"/>
+          </a:p>
+        </p:txBody>
+      </p:sp>
+      <p:pic>
+        <p:nvPicPr>
+          <p:cNvPr id="6" name="Grafik 6">
+            <a:extLst>
+              <a:ext uri="{FF2B5EF4-FFF2-40B4-BE49-F238E27FC236}">
+                <a16:creationId xmlns:a16="http://schemas.microsoft.com/office/drawing/2014/main" id="{5D0532B0-7B97-F943-8F75-FFD570A7A171}"/>
+              </a:ext>
+            </a:extLst>
+          </p:cNvPr>
+          <p:cNvPicPr>
+            <a:picLocks noChangeAspect="1"/>
+          </p:cNvPicPr>
+          <p:nvPr userDrawn="1"/>
+        </p:nvPicPr>
+        <p:blipFill>
+          <a:blip r:embed="rId2">
+            <a:extLst>
+              <a:ext uri="{28A0092B-C50C-407E-A947-70E740481C1C}">
+                <a14:useLocalDpi xmlns:a14="http://schemas.microsoft.com/office/drawing/2010/main" val="0"/>
+              </a:ext>
+            </a:extLst>
+          </a:blip>
+          <a:stretch>
+            <a:fillRect/>
+          </a:stretch>
+        </p:blipFill>
+        <p:spPr>
+          <a:xfrm>
+            <a:off x="10447522" y="6168213"/>
+            <a:ext cx="1134879" cy="376279"/>
+          </a:xfrm>
+          <a:prstGeom prst="rect">
+            <a:avLst/>
+          </a:prstGeom>
+        </p:spPr>
+      </p:pic>
+      <p:sp>
+        <p:nvSpPr>
+          <p:cNvPr id="12" name="Content Placeholder 2">
+            <a:extLst>
+              <a:ext uri="{FF2B5EF4-FFF2-40B4-BE49-F238E27FC236}">
+                <a16:creationId xmlns:a16="http://schemas.microsoft.com/office/drawing/2014/main" id="{030F73DC-8E5A-5B4C-B435-6DE4F1A44F68}"/>
+              </a:ext>
+            </a:extLst>
+          </p:cNvPr>
+          <p:cNvSpPr>
+            <a:spLocks noGrp="1"/>
+          </p:cNvSpPr>
+          <p:nvPr>
+            <p:ph idx="11"/>
+          </p:nvPr>
+        </p:nvSpPr>
+        <p:spPr>
+          <a:xfrm>
+            <a:off x="397567" y="1736035"/>
+            <a:ext cx="5579164" cy="4717775"/>
+          </a:xfrm>
+        </p:spPr>
+        <p:txBody>
+          <a:bodyPr>
+            <a:normAutofit/>
+          </a:bodyPr>
+          <a:lstStyle>
+            <a:lvl1pPr marL="342891" indent="-228594" algn="l" defTabSz="914377" rtl="0" eaLnBrk="1" latinLnBrk="0" hangingPunct="1">
+              <a:lnSpc>
+                <a:spcPct val="90000"/>
+              </a:lnSpc>
+              <a:buClr>
+                <a:srgbClr val="9600FF"/>
+              </a:buClr>
+              <a:buFont typeface="Wingdings" pitchFamily="2" charset="2"/>
+              <a:buChar char="§"/>
+              <a:defRPr lang="en-US" sz="1800" b="0" kern="1200" baseline="0" dirty="0" smtClean="0">
+                <a:solidFill>
+                  <a:srgbClr val="1E2846"/>
+                </a:solidFill>
+                <a:latin typeface="Open Sans Light" panose="020B0306030504020204" pitchFamily="34" charset="0"/>
+                <a:ea typeface="Open Sans Light" panose="020B0306030504020204" pitchFamily="34" charset="0"/>
+                <a:cs typeface="Open Sans Light" panose="020B0306030504020204" pitchFamily="34" charset="0"/>
+              </a:defRPr>
+            </a:lvl1pPr>
+            <a:lvl2pPr marL="742932" indent="-228594" algn="l" defTabSz="914377" rtl="0" eaLnBrk="1" latinLnBrk="0" hangingPunct="1">
+              <a:lnSpc>
+                <a:spcPct val="90000"/>
+              </a:lnSpc>
+              <a:buClr>
+                <a:srgbClr val="9600FF"/>
+              </a:buClr>
+              <a:buFont typeface="Courier New" panose="02070309020205020404" pitchFamily="49" charset="0"/>
+              <a:buChar char="o"/>
+              <a:defRPr lang="en-US" sz="1800" b="0" kern="1200" baseline="0" dirty="0" smtClean="0">
+                <a:solidFill>
+                  <a:srgbClr val="1E2846"/>
+                </a:solidFill>
+                <a:latin typeface="Open Sans Light" panose="020B0306030504020204" pitchFamily="34" charset="0"/>
+                <a:ea typeface="Open Sans Light" panose="020B0306030504020204" pitchFamily="34" charset="0"/>
+                <a:cs typeface="Open Sans Light" panose="020B0306030504020204" pitchFamily="34" charset="0"/>
+              </a:defRPr>
+            </a:lvl2pPr>
+            <a:lvl3pPr marL="1142971" indent="-228594" algn="l" defTabSz="914377" rtl="0" eaLnBrk="1" latinLnBrk="0" hangingPunct="1">
+              <a:lnSpc>
+                <a:spcPct val="90000"/>
+              </a:lnSpc>
+              <a:buClr>
+                <a:srgbClr val="9600FF"/>
+              </a:buClr>
+              <a:buFont typeface="Courier New" panose="02070309020205020404" pitchFamily="49" charset="0"/>
+              <a:buChar char="o"/>
+              <a:defRPr lang="en-US" sz="1800" b="0" kern="1200" baseline="0" dirty="0" smtClean="0">
+                <a:solidFill>
+                  <a:srgbClr val="1E2846"/>
+                </a:solidFill>
+                <a:latin typeface="Open Sans Light" panose="020B0306030504020204" pitchFamily="34" charset="0"/>
+                <a:ea typeface="Open Sans Light" panose="020B0306030504020204" pitchFamily="34" charset="0"/>
+                <a:cs typeface="Open Sans Light" panose="020B0306030504020204" pitchFamily="34" charset="0"/>
+              </a:defRPr>
+            </a:lvl3pPr>
+            <a:lvl4pPr marL="1600160" indent="-228594" algn="l" defTabSz="914377" rtl="0" eaLnBrk="1" latinLnBrk="0" hangingPunct="1">
+              <a:lnSpc>
+                <a:spcPct val="90000"/>
+              </a:lnSpc>
+              <a:buClr>
+                <a:srgbClr val="9600FF"/>
+              </a:buClr>
+              <a:buFont typeface="Courier New" panose="02070309020205020404" pitchFamily="49" charset="0"/>
+              <a:buChar char="o"/>
+              <a:defRPr lang="en-US" sz="1800" b="0" kern="1200" baseline="0" dirty="0" smtClean="0">
+                <a:solidFill>
+                  <a:srgbClr val="1E2846"/>
+                </a:solidFill>
+                <a:latin typeface="Open Sans Light" panose="020B0306030504020204" pitchFamily="34" charset="0"/>
+                <a:ea typeface="Open Sans Light" panose="020B0306030504020204" pitchFamily="34" charset="0"/>
+                <a:cs typeface="Open Sans Light" panose="020B0306030504020204" pitchFamily="34" charset="0"/>
+              </a:defRPr>
+            </a:lvl4pPr>
+            <a:lvl5pPr marL="2057349" indent="-228594" algn="l" defTabSz="914377" rtl="0" eaLnBrk="1" latinLnBrk="0" hangingPunct="1">
+              <a:lnSpc>
+                <a:spcPct val="90000"/>
+              </a:lnSpc>
+              <a:buClr>
+                <a:srgbClr val="9600FF"/>
+              </a:buClr>
+              <a:buFont typeface="Courier New" panose="02070309020205020404" pitchFamily="49" charset="0"/>
+              <a:buChar char="o"/>
+              <a:defRPr lang="en-US" sz="1800" b="0" kern="1200" baseline="0" dirty="0">
+                <a:solidFill>
+                  <a:srgbClr val="1E2846"/>
+                </a:solidFill>
+                <a:latin typeface="Open Sans Light" panose="020B0306030504020204" pitchFamily="34" charset="0"/>
+                <a:ea typeface="Open Sans Light" panose="020B0306030504020204" pitchFamily="34" charset="0"/>
+                <a:cs typeface="Open Sans Light" panose="020B0306030504020204" pitchFamily="34" charset="0"/>
+              </a:defRPr>
+            </a:lvl5pPr>
+          </a:lstStyle>
+          <a:p>
+            <a:pPr lvl="0"/>
+            <a:r>
+              <a:rPr lang="en-GB"/>
+              <a:t>Click to edit Master text styles</a:t>
+            </a:r>
+          </a:p>
+          <a:p>
+            <a:pPr lvl="1"/>
+            <a:r>
+              <a:rPr lang="en-GB"/>
+              <a:t>Second level</a:t>
+            </a:r>
+          </a:p>
+          <a:p>
+            <a:pPr lvl="2"/>
+            <a:r>
+              <a:rPr lang="en-GB"/>
+              <a:t>Third level</a:t>
+            </a:r>
+          </a:p>
+          <a:p>
+            <a:pPr lvl="3"/>
+            <a:r>
+              <a:rPr lang="en-GB"/>
+              <a:t>Fourth level</a:t>
+            </a:r>
+          </a:p>
+          <a:p>
+            <a:pPr lvl="4"/>
+            <a:r>
+              <a:rPr lang="en-GB"/>
+              <a:t>Fifth level</a:t>
+            </a:r>
+            <a:endParaRPr lang="en-US" dirty="0"/>
+          </a:p>
+        </p:txBody>
+      </p:sp>
+    </p:spTree>
+    <p:extLst>
+      <p:ext uri="{BB962C8B-B14F-4D97-AF65-F5344CB8AC3E}">
+        <p14:creationId xmlns:p14="http://schemas.microsoft.com/office/powerpoint/2010/main" val="2619886245"/>
+      </p:ext>
+    </p:extLst>
+  </p:cSld>
+  <p:clrMapOvr>
+    <a:masterClrMapping/>
+  </p:clrMapOvr>
+</p:sldLayout>
+</file>
+
+<file path=ppt/slideLayouts/slideLayout11.xml><?xml version="1.0" encoding="utf-8"?>
 <p:sldLayout xmlns:a="http://schemas.openxmlformats.org/drawingml/2006/main" xmlns:r="http://schemas.openxmlformats.org/officeDocument/2006/relationships" xmlns:p="http://schemas.openxmlformats.org/presentationml/2006/main" preserve="1" userDrawn="1">
   <p:cSld name="Comparison">
     <p:spTree>
@@ -954,8 +1493,8 @@
         </p:nvSpPr>
         <p:spPr>
           <a:xfrm>
-            <a:off x="283334" y="1320299"/>
-            <a:ext cx="4184374" cy="479822"/>
+            <a:off x="377779" y="1760399"/>
+            <a:ext cx="5579165" cy="639763"/>
           </a:xfrm>
         </p:spPr>
         <p:txBody>
@@ -965,7 +1504,7 @@
           <a:lstStyle>
             <a:lvl1pPr marL="0" indent="0">
               <a:buNone/>
-              <a:defRPr lang="en-US" sz="1350" b="0" kern="1200" baseline="0" dirty="0" smtClean="0">
+              <a:defRPr lang="en-US" sz="1800" b="0" kern="1200" baseline="0" dirty="0" smtClean="0">
                 <a:solidFill>
                   <a:srgbClr val="1E2846"/>
                 </a:solidFill>
@@ -974,37 +1513,37 @@
                 <a:cs typeface="Open Sans Light" panose="020B0306030504020204" pitchFamily="34" charset="0"/>
               </a:defRPr>
             </a:lvl1pPr>
-            <a:lvl2pPr marL="342900" indent="0">
+            <a:lvl2pPr marL="457189" indent="0">
               <a:buNone/>
-              <a:defRPr sz="1500" b="1"/>
+              <a:defRPr sz="2000" b="1"/>
             </a:lvl2pPr>
-            <a:lvl3pPr marL="685800" indent="0">
+            <a:lvl3pPr marL="914377" indent="0">
               <a:buNone/>
-              <a:defRPr sz="1350" b="1"/>
+              <a:defRPr sz="1800" b="1"/>
             </a:lvl3pPr>
-            <a:lvl4pPr marL="1028700" indent="0">
+            <a:lvl4pPr marL="1371566" indent="0">
               <a:buNone/>
-              <a:defRPr sz="1200" b="1"/>
+              <a:defRPr sz="1600" b="1"/>
             </a:lvl4pPr>
-            <a:lvl5pPr marL="1371600" indent="0">
+            <a:lvl5pPr marL="1828754" indent="0">
               <a:buNone/>
-              <a:defRPr sz="1200" b="1"/>
+              <a:defRPr sz="1600" b="1"/>
             </a:lvl5pPr>
-            <a:lvl6pPr marL="1714500" indent="0">
+            <a:lvl6pPr marL="2285943" indent="0">
               <a:buNone/>
-              <a:defRPr sz="1200" b="1"/>
+              <a:defRPr sz="1600" b="1"/>
             </a:lvl6pPr>
-            <a:lvl7pPr marL="2057400" indent="0">
+            <a:lvl7pPr marL="2743131" indent="0">
               <a:buNone/>
-              <a:defRPr sz="1200" b="1"/>
+              <a:defRPr sz="1600" b="1"/>
             </a:lvl7pPr>
-            <a:lvl8pPr marL="2400300" indent="0">
+            <a:lvl8pPr marL="3200320" indent="0">
               <a:buNone/>
-              <a:defRPr sz="1200" b="1"/>
+              <a:defRPr sz="1600" b="1"/>
             </a:lvl8pPr>
-            <a:lvl9pPr marL="2743200" indent="0">
+            <a:lvl9pPr marL="3657509" indent="0">
               <a:buNone/>
-              <a:defRPr sz="1200" b="1"/>
+              <a:defRPr sz="1600" b="1"/>
             </a:lvl9pPr>
           </a:lstStyle>
           <a:p>
@@ -1028,8 +1567,8 @@
         </p:nvSpPr>
         <p:spPr>
           <a:xfrm>
-            <a:off x="283334" y="1800121"/>
-            <a:ext cx="4184373" cy="3042920"/>
+            <a:off x="377779" y="2400161"/>
+            <a:ext cx="5579164" cy="4057227"/>
           </a:xfrm>
         </p:spPr>
         <p:txBody>
@@ -1037,7 +1576,7 @@
             <a:normAutofit/>
           </a:bodyPr>
           <a:lstStyle>
-            <a:lvl1pPr indent="-171450" algn="l" defTabSz="685800" rtl="0" eaLnBrk="1" latinLnBrk="0" hangingPunct="1">
+            <a:lvl1pPr indent="-228594" algn="l" defTabSz="914377" rtl="0" eaLnBrk="1" latinLnBrk="0" hangingPunct="1">
               <a:lnSpc>
                 <a:spcPct val="90000"/>
               </a:lnSpc>
@@ -1047,7 +1586,7 @@
               <a:buClr>
                 <a:srgbClr val="9600FF"/>
               </a:buClr>
-              <a:defRPr lang="en-US" sz="1350" b="0" kern="1200" baseline="0" dirty="0" smtClean="0">
+              <a:defRPr lang="en-US" sz="1800" b="0" kern="1200" baseline="0" dirty="0" smtClean="0">
                 <a:solidFill>
                   <a:srgbClr val="1E2846"/>
                 </a:solidFill>
@@ -1056,7 +1595,7 @@
                 <a:cs typeface="Open Sans Light" panose="020B0306030504020204" pitchFamily="34" charset="0"/>
               </a:defRPr>
             </a:lvl1pPr>
-            <a:lvl2pPr indent="-171450" algn="l" defTabSz="685800" rtl="0" eaLnBrk="1" latinLnBrk="0" hangingPunct="1">
+            <a:lvl2pPr indent="-228594" algn="l" defTabSz="914377" rtl="0" eaLnBrk="1" latinLnBrk="0" hangingPunct="1">
               <a:lnSpc>
                 <a:spcPct val="90000"/>
               </a:lnSpc>
@@ -1066,7 +1605,7 @@
               <a:buClr>
                 <a:srgbClr val="9600FF"/>
               </a:buClr>
-              <a:defRPr lang="en-US" sz="1350" b="0" kern="1200" baseline="0" dirty="0" smtClean="0">
+              <a:defRPr lang="en-US" sz="1800" b="0" kern="1200" baseline="0" dirty="0" smtClean="0">
                 <a:solidFill>
                   <a:srgbClr val="1E2846"/>
                 </a:solidFill>
@@ -1075,7 +1614,7 @@
                 <a:cs typeface="Open Sans Light" panose="020B0306030504020204" pitchFamily="34" charset="0"/>
               </a:defRPr>
             </a:lvl2pPr>
-            <a:lvl3pPr indent="-171450" algn="l" defTabSz="685800" rtl="0" eaLnBrk="1" latinLnBrk="0" hangingPunct="1">
+            <a:lvl3pPr indent="-228594" algn="l" defTabSz="914377" rtl="0" eaLnBrk="1" latinLnBrk="0" hangingPunct="1">
               <a:lnSpc>
                 <a:spcPct val="90000"/>
               </a:lnSpc>
@@ -1085,7 +1624,7 @@
               <a:buClr>
                 <a:srgbClr val="9600FF"/>
               </a:buClr>
-              <a:defRPr lang="en-US" sz="1350" b="0" kern="1200" baseline="0" dirty="0" smtClean="0">
+              <a:defRPr lang="en-US" sz="1800" b="0" kern="1200" baseline="0" dirty="0" smtClean="0">
                 <a:solidFill>
                   <a:srgbClr val="1E2846"/>
                 </a:solidFill>
@@ -1094,7 +1633,7 @@
                 <a:cs typeface="Open Sans Light" panose="020B0306030504020204" pitchFamily="34" charset="0"/>
               </a:defRPr>
             </a:lvl3pPr>
-            <a:lvl4pPr indent="-171450" algn="l" defTabSz="685800" rtl="0" eaLnBrk="1" latinLnBrk="0" hangingPunct="1">
+            <a:lvl4pPr indent="-228594" algn="l" defTabSz="914377" rtl="0" eaLnBrk="1" latinLnBrk="0" hangingPunct="1">
               <a:lnSpc>
                 <a:spcPct val="90000"/>
               </a:lnSpc>
@@ -1104,7 +1643,7 @@
               <a:buClr>
                 <a:srgbClr val="9600FF"/>
               </a:buClr>
-              <a:defRPr lang="en-US" sz="1350" b="0" kern="1200" baseline="0" dirty="0" smtClean="0">
+              <a:defRPr lang="en-US" sz="1800" b="0" kern="1200" baseline="0" dirty="0" smtClean="0">
                 <a:solidFill>
                   <a:srgbClr val="1E2846"/>
                 </a:solidFill>
@@ -1113,7 +1652,7 @@
                 <a:cs typeface="Open Sans Light" panose="020B0306030504020204" pitchFamily="34" charset="0"/>
               </a:defRPr>
             </a:lvl4pPr>
-            <a:lvl5pPr indent="-171450" algn="l" defTabSz="685800" rtl="0" eaLnBrk="1" latinLnBrk="0" hangingPunct="1">
+            <a:lvl5pPr indent="-228594" algn="l" defTabSz="914377" rtl="0" eaLnBrk="1" latinLnBrk="0" hangingPunct="1">
               <a:lnSpc>
                 <a:spcPct val="90000"/>
               </a:lnSpc>
@@ -1123,7 +1662,7 @@
               <a:buClr>
                 <a:srgbClr val="9600FF"/>
               </a:buClr>
-              <a:defRPr lang="en-US" sz="1350" b="0" kern="1200" baseline="0" dirty="0">
+              <a:defRPr lang="en-US" sz="1800" b="0" kern="1200" baseline="0" dirty="0">
                 <a:solidFill>
                   <a:srgbClr val="1E2846"/>
                 </a:solidFill>
@@ -1133,16 +1672,16 @@
               </a:defRPr>
             </a:lvl5pPr>
             <a:lvl6pPr>
-              <a:defRPr sz="1200"/>
+              <a:defRPr sz="1600"/>
             </a:lvl6pPr>
             <a:lvl7pPr>
-              <a:defRPr sz="1200"/>
+              <a:defRPr sz="1600"/>
             </a:lvl7pPr>
             <a:lvl8pPr>
-              <a:defRPr sz="1200"/>
+              <a:defRPr sz="1600"/>
             </a:lvl8pPr>
             <a:lvl9pPr>
-              <a:defRPr sz="1200"/>
+              <a:defRPr sz="1600"/>
             </a:lvl9pPr>
           </a:lstStyle>
           <a:p>
@@ -1199,15 +1738,15 @@
         </p:nvSpPr>
         <p:spPr>
           <a:xfrm>
-            <a:off x="340913" y="300458"/>
-            <a:ext cx="434340" cy="324446"/>
+            <a:off x="454551" y="400611"/>
+            <a:ext cx="579120" cy="432595"/>
           </a:xfrm>
           <a:prstGeom prst="rect">
             <a:avLst/>
           </a:prstGeom>
         </p:spPr>
         <p:txBody>
-          <a:bodyPr vert="horz" lIns="68580" tIns="34290" rIns="68580" bIns="34290" rtlCol="0" anchor="ctr"/>
+          <a:bodyPr vert="horz" lIns="91440" tIns="45720" rIns="91440" bIns="45720" rtlCol="0" anchor="ctr"/>
           <a:lstStyle>
             <a:defPPr>
               <a:defRPr lang="en-US"/>
@@ -1305,11 +1844,11 @@
           </a:lstStyle>
           <a:p>
             <a:fld id="{C5EF2332-01BF-834F-8236-50238282D533}" type="slidenum">
-              <a:rPr lang="en-US" sz="1500" smtClean="0"/>
+              <a:rPr lang="en-US" sz="2000" smtClean="0"/>
               <a:pPr/>
               <a:t>‹#›</a:t>
             </a:fld>
-            <a:endParaRPr lang="en-US" sz="1500" dirty="0"/>
+            <a:endParaRPr lang="en-US" sz="2000" dirty="0"/>
           </a:p>
         </p:txBody>
       </p:sp>
@@ -1341,8 +1880,8 @@
         </p:blipFill>
         <p:spPr>
           <a:xfrm>
-            <a:off x="7835641" y="4626159"/>
-            <a:ext cx="851159" cy="282209"/>
+            <a:off x="10447522" y="6168213"/>
+            <a:ext cx="1134879" cy="376279"/>
           </a:xfrm>
           <a:prstGeom prst="rect">
             <a:avLst/>
@@ -1367,8 +1906,8 @@
         </p:nvSpPr>
         <p:spPr>
           <a:xfrm>
-            <a:off x="4676294" y="1320299"/>
-            <a:ext cx="4184374" cy="479822"/>
+            <a:off x="6235059" y="1760399"/>
+            <a:ext cx="5579165" cy="639763"/>
           </a:xfrm>
         </p:spPr>
         <p:txBody>
@@ -1378,7 +1917,7 @@
           <a:lstStyle>
             <a:lvl1pPr marL="0" indent="0">
               <a:buNone/>
-              <a:defRPr lang="en-US" sz="1350" b="0" kern="1200" baseline="0" dirty="0" smtClean="0">
+              <a:defRPr lang="en-US" sz="1800" b="0" kern="1200" baseline="0" dirty="0" smtClean="0">
                 <a:solidFill>
                   <a:srgbClr val="1E2846"/>
                 </a:solidFill>
@@ -1387,37 +1926,37 @@
                 <a:cs typeface="Open Sans Light" panose="020B0306030504020204" pitchFamily="34" charset="0"/>
               </a:defRPr>
             </a:lvl1pPr>
-            <a:lvl2pPr marL="342900" indent="0">
+            <a:lvl2pPr marL="457189" indent="0">
               <a:buNone/>
-              <a:defRPr sz="1500" b="1"/>
+              <a:defRPr sz="2000" b="1"/>
             </a:lvl2pPr>
-            <a:lvl3pPr marL="685800" indent="0">
+            <a:lvl3pPr marL="914377" indent="0">
               <a:buNone/>
-              <a:defRPr sz="1350" b="1"/>
+              <a:defRPr sz="1800" b="1"/>
             </a:lvl3pPr>
-            <a:lvl4pPr marL="1028700" indent="0">
+            <a:lvl4pPr marL="1371566" indent="0">
               <a:buNone/>
-              <a:defRPr sz="1200" b="1"/>
+              <a:defRPr sz="1600" b="1"/>
             </a:lvl4pPr>
-            <a:lvl5pPr marL="1371600" indent="0">
+            <a:lvl5pPr marL="1828754" indent="0">
               <a:buNone/>
-              <a:defRPr sz="1200" b="1"/>
+              <a:defRPr sz="1600" b="1"/>
             </a:lvl5pPr>
-            <a:lvl6pPr marL="1714500" indent="0">
+            <a:lvl6pPr marL="2285943" indent="0">
               <a:buNone/>
-              <a:defRPr sz="1200" b="1"/>
+              <a:defRPr sz="1600" b="1"/>
             </a:lvl6pPr>
-            <a:lvl7pPr marL="2057400" indent="0">
+            <a:lvl7pPr marL="2743131" indent="0">
               <a:buNone/>
-              <a:defRPr sz="1200" b="1"/>
+              <a:defRPr sz="1600" b="1"/>
             </a:lvl7pPr>
-            <a:lvl8pPr marL="2400300" indent="0">
+            <a:lvl8pPr marL="3200320" indent="0">
               <a:buNone/>
-              <a:defRPr sz="1200" b="1"/>
+              <a:defRPr sz="1600" b="1"/>
             </a:lvl8pPr>
-            <a:lvl9pPr marL="2743200" indent="0">
+            <a:lvl9pPr marL="3657509" indent="0">
               <a:buNone/>
-              <a:defRPr sz="1200" b="1"/>
+              <a:defRPr sz="1600" b="1"/>
             </a:lvl9pPr>
           </a:lstStyle>
           <a:p>
@@ -1447,8 +1986,8 @@
         </p:nvSpPr>
         <p:spPr>
           <a:xfrm>
-            <a:off x="4676294" y="1800121"/>
-            <a:ext cx="4184373" cy="3042920"/>
+            <a:off x="6235059" y="2400161"/>
+            <a:ext cx="5579164" cy="4057227"/>
           </a:xfrm>
         </p:spPr>
         <p:txBody>
@@ -1456,7 +1995,7 @@
             <a:normAutofit/>
           </a:bodyPr>
           <a:lstStyle>
-            <a:lvl1pPr indent="-171450" algn="l" defTabSz="685800" rtl="0" eaLnBrk="1" latinLnBrk="0" hangingPunct="1">
+            <a:lvl1pPr indent="-228594" algn="l" defTabSz="914377" rtl="0" eaLnBrk="1" latinLnBrk="0" hangingPunct="1">
               <a:lnSpc>
                 <a:spcPct val="90000"/>
               </a:lnSpc>
@@ -1466,7 +2005,7 @@
               <a:buClr>
                 <a:srgbClr val="9600FF"/>
               </a:buClr>
-              <a:defRPr lang="en-US" sz="1350" b="0" kern="1200" baseline="0" dirty="0" smtClean="0">
+              <a:defRPr lang="en-US" sz="1800" b="0" kern="1200" baseline="0" dirty="0" smtClean="0">
                 <a:solidFill>
                   <a:srgbClr val="1E2846"/>
                 </a:solidFill>
@@ -1475,7 +2014,7 @@
                 <a:cs typeface="Open Sans Light" panose="020B0306030504020204" pitchFamily="34" charset="0"/>
               </a:defRPr>
             </a:lvl1pPr>
-            <a:lvl2pPr indent="-171450" algn="l" defTabSz="685800" rtl="0" eaLnBrk="1" latinLnBrk="0" hangingPunct="1">
+            <a:lvl2pPr indent="-228594" algn="l" defTabSz="914377" rtl="0" eaLnBrk="1" latinLnBrk="0" hangingPunct="1">
               <a:lnSpc>
                 <a:spcPct val="90000"/>
               </a:lnSpc>
@@ -1485,7 +2024,7 @@
               <a:buClr>
                 <a:srgbClr val="9600FF"/>
               </a:buClr>
-              <a:defRPr lang="en-US" sz="1350" b="0" kern="1200" baseline="0" dirty="0" smtClean="0">
+              <a:defRPr lang="en-US" sz="1800" b="0" kern="1200" baseline="0" dirty="0" smtClean="0">
                 <a:solidFill>
                   <a:srgbClr val="1E2846"/>
                 </a:solidFill>
@@ -1494,7 +2033,7 @@
                 <a:cs typeface="Open Sans Light" panose="020B0306030504020204" pitchFamily="34" charset="0"/>
               </a:defRPr>
             </a:lvl2pPr>
-            <a:lvl3pPr indent="-171450" algn="l" defTabSz="685800" rtl="0" eaLnBrk="1" latinLnBrk="0" hangingPunct="1">
+            <a:lvl3pPr indent="-228594" algn="l" defTabSz="914377" rtl="0" eaLnBrk="1" latinLnBrk="0" hangingPunct="1">
               <a:lnSpc>
                 <a:spcPct val="90000"/>
               </a:lnSpc>
@@ -1504,7 +2043,7 @@
               <a:buClr>
                 <a:srgbClr val="9600FF"/>
               </a:buClr>
-              <a:defRPr lang="en-US" sz="1350" b="0" kern="1200" baseline="0" dirty="0" smtClean="0">
+              <a:defRPr lang="en-US" sz="1800" b="0" kern="1200" baseline="0" dirty="0" smtClean="0">
                 <a:solidFill>
                   <a:srgbClr val="1E2846"/>
                 </a:solidFill>
@@ -1513,7 +2052,7 @@
                 <a:cs typeface="Open Sans Light" panose="020B0306030504020204" pitchFamily="34" charset="0"/>
               </a:defRPr>
             </a:lvl3pPr>
-            <a:lvl4pPr indent="-171450" algn="l" defTabSz="685800" rtl="0" eaLnBrk="1" latinLnBrk="0" hangingPunct="1">
+            <a:lvl4pPr indent="-228594" algn="l" defTabSz="914377" rtl="0" eaLnBrk="1" latinLnBrk="0" hangingPunct="1">
               <a:lnSpc>
                 <a:spcPct val="90000"/>
               </a:lnSpc>
@@ -1523,7 +2062,7 @@
               <a:buClr>
                 <a:srgbClr val="9600FF"/>
               </a:buClr>
-              <a:defRPr lang="en-US" sz="1350" b="0" kern="1200" baseline="0" dirty="0" smtClean="0">
+              <a:defRPr lang="en-US" sz="1800" b="0" kern="1200" baseline="0" dirty="0" smtClean="0">
                 <a:solidFill>
                   <a:srgbClr val="1E2846"/>
                 </a:solidFill>
@@ -1532,7 +2071,7 @@
                 <a:cs typeface="Open Sans Light" panose="020B0306030504020204" pitchFamily="34" charset="0"/>
               </a:defRPr>
             </a:lvl4pPr>
-            <a:lvl5pPr indent="-171450" algn="l" defTabSz="685800" rtl="0" eaLnBrk="1" latinLnBrk="0" hangingPunct="1">
+            <a:lvl5pPr indent="-228594" algn="l" defTabSz="914377" rtl="0" eaLnBrk="1" latinLnBrk="0" hangingPunct="1">
               <a:lnSpc>
                 <a:spcPct val="90000"/>
               </a:lnSpc>
@@ -1542,7 +2081,7 @@
               <a:buClr>
                 <a:srgbClr val="9600FF"/>
               </a:buClr>
-              <a:defRPr lang="en-US" sz="1350" b="0" kern="1200" baseline="0" dirty="0">
+              <a:defRPr lang="en-US" sz="1800" b="0" kern="1200" baseline="0" dirty="0">
                 <a:solidFill>
                   <a:srgbClr val="1E2846"/>
                 </a:solidFill>
@@ -1552,16 +2091,16 @@
               </a:defRPr>
             </a:lvl5pPr>
             <a:lvl6pPr>
-              <a:defRPr sz="1200"/>
+              <a:defRPr sz="1600"/>
             </a:lvl6pPr>
             <a:lvl7pPr>
-              <a:defRPr sz="1200"/>
+              <a:defRPr sz="1600"/>
             </a:lvl7pPr>
             <a:lvl8pPr>
-              <a:defRPr sz="1200"/>
+              <a:defRPr sz="1600"/>
             </a:lvl8pPr>
             <a:lvl9pPr>
-              <a:defRPr sz="1200"/>
+              <a:defRPr sz="1600"/>
             </a:lvl9pPr>
           </a:lstStyle>
           <a:p>
@@ -1615,7 +2154,7 @@
 </p:sldLayout>
 </file>
 
-<file path=ppt/slideLayouts/slideLayout11.xml><?xml version="1.0" encoding="utf-8"?>
+<file path=ppt/slideLayouts/slideLayout12.xml><?xml version="1.0" encoding="utf-8"?>
 <p:sldLayout xmlns:a="http://schemas.openxmlformats.org/drawingml/2006/main" xmlns:r="http://schemas.openxmlformats.org/officeDocument/2006/relationships" xmlns:p="http://schemas.openxmlformats.org/presentationml/2006/main" type="titleOnly" preserve="1">
   <p:cSld name="Title Only">
     <p:spTree>
@@ -1675,15 +2214,15 @@
         </p:nvSpPr>
         <p:spPr>
           <a:xfrm>
-            <a:off x="340913" y="300458"/>
-            <a:ext cx="434340" cy="324446"/>
+            <a:off x="454551" y="400611"/>
+            <a:ext cx="579120" cy="432595"/>
           </a:xfrm>
           <a:prstGeom prst="rect">
             <a:avLst/>
           </a:prstGeom>
         </p:spPr>
         <p:txBody>
-          <a:bodyPr vert="horz" lIns="68580" tIns="34290" rIns="68580" bIns="34290" rtlCol="0" anchor="ctr"/>
+          <a:bodyPr vert="horz" lIns="91440" tIns="45720" rIns="91440" bIns="45720" rtlCol="0" anchor="ctr"/>
           <a:lstStyle>
             <a:defPPr>
               <a:defRPr lang="en-US"/>
@@ -1781,11 +2320,11 @@
           </a:lstStyle>
           <a:p>
             <a:fld id="{C5EF2332-01BF-834F-8236-50238282D533}" type="slidenum">
-              <a:rPr lang="en-US" sz="1500" smtClean="0"/>
+              <a:rPr lang="en-US" sz="2000" smtClean="0"/>
               <a:pPr/>
               <a:t>‹#›</a:t>
             </a:fld>
-            <a:endParaRPr lang="en-US" sz="1500" dirty="0"/>
+            <a:endParaRPr lang="en-US" sz="2000" dirty="0"/>
           </a:p>
         </p:txBody>
       </p:sp>
@@ -1802,7 +2341,7 @@
 </p:sldLayout>
 </file>
 
-<file path=ppt/slideLayouts/slideLayout12.xml><?xml version="1.0" encoding="utf-8"?>
+<file path=ppt/slideLayouts/slideLayout13.xml><?xml version="1.0" encoding="utf-8"?>
 <p:sldLayout xmlns:a="http://schemas.openxmlformats.org/drawingml/2006/main" xmlns:r="http://schemas.openxmlformats.org/officeDocument/2006/relationships" xmlns:p="http://schemas.openxmlformats.org/presentationml/2006/main" type="blank" preserve="1">
   <p:cSld name="Blank">
     <p:spTree>
@@ -1832,7 +2371,7 @@
 </p:sldLayout>
 </file>
 
-<file path=ppt/slideLayouts/slideLayout13.xml><?xml version="1.0" encoding="utf-8"?>
+<file path=ppt/slideLayouts/slideLayout14.xml><?xml version="1.0" encoding="utf-8"?>
 <p:sldLayout xmlns:a="http://schemas.openxmlformats.org/drawingml/2006/main" xmlns:r="http://schemas.openxmlformats.org/officeDocument/2006/relationships" xmlns:p="http://schemas.openxmlformats.org/presentationml/2006/main" type="obj" preserve="1">
   <p:cSld name="Template">
     <p:spTree>
@@ -1877,8 +2416,8 @@
         </p:blipFill>
         <p:spPr>
           <a:xfrm>
-            <a:off x="0" y="0"/>
-            <a:ext cx="9145143" cy="5143500"/>
+            <a:off x="1" y="0"/>
+            <a:ext cx="12193524" cy="6858000"/>
           </a:xfrm>
           <a:prstGeom prst="rect">
             <a:avLst/>
@@ -1897,8 +2436,8 @@
         </p:nvSpPr>
         <p:spPr>
           <a:xfrm>
-            <a:off x="775253" y="293812"/>
-            <a:ext cx="8070574" cy="333361"/>
+            <a:off x="1033671" y="391750"/>
+            <a:ext cx="10760765" cy="444481"/>
           </a:xfrm>
         </p:spPr>
         <p:txBody>
@@ -1933,7 +2472,7 @@
             <a:normAutofit/>
           </a:bodyPr>
           <a:lstStyle>
-            <a:lvl1pPr marL="257175" indent="-171450" algn="l" defTabSz="685800" rtl="0" eaLnBrk="1" latinLnBrk="0" hangingPunct="1">
+            <a:lvl1pPr marL="342891" indent="-228594" algn="l" defTabSz="914377" rtl="0" eaLnBrk="1" latinLnBrk="0" hangingPunct="1">
               <a:lnSpc>
                 <a:spcPct val="90000"/>
               </a:lnSpc>
@@ -1942,7 +2481,7 @@
               </a:buClr>
               <a:buFont typeface="Wingdings" pitchFamily="2" charset="2"/>
               <a:buChar char="§"/>
-              <a:defRPr lang="en-US" sz="1350" b="0" kern="1200" baseline="0" dirty="0" smtClean="0">
+              <a:defRPr lang="en-US" sz="1800" b="0" kern="1200" baseline="0" dirty="0" smtClean="0">
                 <a:solidFill>
                   <a:srgbClr val="1E2846"/>
                 </a:solidFill>
@@ -1951,7 +2490,7 @@
                 <a:cs typeface="Open Sans Light" panose="020B0306030504020204" pitchFamily="34" charset="0"/>
               </a:defRPr>
             </a:lvl1pPr>
-            <a:lvl2pPr marL="557213" indent="-171450" algn="l" defTabSz="685800" rtl="0" eaLnBrk="1" latinLnBrk="0" hangingPunct="1">
+            <a:lvl2pPr marL="742932" indent="-228594" algn="l" defTabSz="914377" rtl="0" eaLnBrk="1" latinLnBrk="0" hangingPunct="1">
               <a:lnSpc>
                 <a:spcPct val="90000"/>
               </a:lnSpc>
@@ -1960,7 +2499,7 @@
               </a:buClr>
               <a:buFont typeface="Courier New" panose="02070309020205020404" pitchFamily="49" charset="0"/>
               <a:buChar char="o"/>
-              <a:defRPr lang="en-US" sz="1350" b="0" kern="1200" baseline="0" dirty="0" smtClean="0">
+              <a:defRPr lang="en-US" sz="1800" b="0" kern="1200" baseline="0" dirty="0" smtClean="0">
                 <a:solidFill>
                   <a:srgbClr val="1E2846"/>
                 </a:solidFill>
@@ -1969,7 +2508,7 @@
                 <a:cs typeface="Open Sans Light" panose="020B0306030504020204" pitchFamily="34" charset="0"/>
               </a:defRPr>
             </a:lvl2pPr>
-            <a:lvl3pPr marL="857250" indent="-171450" algn="l" defTabSz="685800" rtl="0" eaLnBrk="1" latinLnBrk="0" hangingPunct="1">
+            <a:lvl3pPr marL="1142971" indent="-228594" algn="l" defTabSz="914377" rtl="0" eaLnBrk="1" latinLnBrk="0" hangingPunct="1">
               <a:lnSpc>
                 <a:spcPct val="90000"/>
               </a:lnSpc>
@@ -1978,7 +2517,7 @@
               </a:buClr>
               <a:buFont typeface="Courier New" panose="02070309020205020404" pitchFamily="49" charset="0"/>
               <a:buChar char="o"/>
-              <a:defRPr lang="en-US" sz="1350" b="0" kern="1200" baseline="0" dirty="0" smtClean="0">
+              <a:defRPr lang="en-US" sz="1800" b="0" kern="1200" baseline="0" dirty="0" smtClean="0">
                 <a:solidFill>
                   <a:srgbClr val="1E2846"/>
                 </a:solidFill>
@@ -1987,7 +2526,7 @@
                 <a:cs typeface="Open Sans Light" panose="020B0306030504020204" pitchFamily="34" charset="0"/>
               </a:defRPr>
             </a:lvl3pPr>
-            <a:lvl4pPr marL="1200150" indent="-171450" algn="l" defTabSz="685800" rtl="0" eaLnBrk="1" latinLnBrk="0" hangingPunct="1">
+            <a:lvl4pPr marL="1600160" indent="-228594" algn="l" defTabSz="914377" rtl="0" eaLnBrk="1" latinLnBrk="0" hangingPunct="1">
               <a:lnSpc>
                 <a:spcPct val="90000"/>
               </a:lnSpc>
@@ -1996,7 +2535,7 @@
               </a:buClr>
               <a:buFont typeface="Courier New" panose="02070309020205020404" pitchFamily="49" charset="0"/>
               <a:buChar char="o"/>
-              <a:defRPr lang="en-US" sz="1350" b="0" kern="1200" baseline="0" dirty="0" smtClean="0">
+              <a:defRPr lang="en-US" sz="1800" b="0" kern="1200" baseline="0" dirty="0" smtClean="0">
                 <a:solidFill>
                   <a:srgbClr val="1E2846"/>
                 </a:solidFill>
@@ -2005,7 +2544,7 @@
                 <a:cs typeface="Open Sans Light" panose="020B0306030504020204" pitchFamily="34" charset="0"/>
               </a:defRPr>
             </a:lvl4pPr>
-            <a:lvl5pPr marL="1543050" indent="-171450" algn="l" defTabSz="685800" rtl="0" eaLnBrk="1" latinLnBrk="0" hangingPunct="1">
+            <a:lvl5pPr marL="2057349" indent="-228594" algn="l" defTabSz="914377" rtl="0" eaLnBrk="1" latinLnBrk="0" hangingPunct="1">
               <a:lnSpc>
                 <a:spcPct val="90000"/>
               </a:lnSpc>
@@ -2014,7 +2553,7 @@
               </a:buClr>
               <a:buFont typeface="Courier New" panose="02070309020205020404" pitchFamily="49" charset="0"/>
               <a:buChar char="o"/>
-              <a:defRPr lang="en-US" sz="1350" b="0" kern="1200" baseline="0" dirty="0">
+              <a:defRPr lang="en-US" sz="1800" b="0" kern="1200" baseline="0" dirty="0">
                 <a:solidFill>
                   <a:srgbClr val="1E2846"/>
                 </a:solidFill>
@@ -2078,15 +2617,15 @@
         </p:nvSpPr>
         <p:spPr>
           <a:xfrm>
-            <a:off x="340913" y="293812"/>
-            <a:ext cx="434340" cy="324446"/>
+            <a:off x="454551" y="391749"/>
+            <a:ext cx="579120" cy="432595"/>
           </a:xfrm>
           <a:prstGeom prst="rect">
             <a:avLst/>
           </a:prstGeom>
         </p:spPr>
         <p:txBody>
-          <a:bodyPr vert="horz" lIns="68580" tIns="34290" rIns="68580" bIns="34290" rtlCol="0" anchor="ctr"/>
+          <a:bodyPr vert="horz" lIns="91440" tIns="45720" rIns="91440" bIns="45720" rtlCol="0" anchor="ctr"/>
           <a:lstStyle>
             <a:defPPr>
               <a:defRPr lang="en-US"/>
@@ -2184,11 +2723,11 @@
           </a:lstStyle>
           <a:p>
             <a:fld id="{C5EF2332-01BF-834F-8236-50238282D533}" type="slidenum">
-              <a:rPr lang="en-US" sz="1500" smtClean="0"/>
+              <a:rPr lang="en-US" sz="2000" smtClean="0"/>
               <a:pPr/>
               <a:t>‹#›</a:t>
             </a:fld>
-            <a:endParaRPr lang="en-US" sz="1500" dirty="0"/>
+            <a:endParaRPr lang="en-US" sz="2000" dirty="0"/>
           </a:p>
         </p:txBody>
       </p:sp>
@@ -2220,8 +2759,8 @@
         </p:blipFill>
         <p:spPr>
           <a:xfrm>
-            <a:off x="7835641" y="4626159"/>
-            <a:ext cx="851159" cy="282209"/>
+            <a:off x="10447522" y="6168213"/>
+            <a:ext cx="1134879" cy="376279"/>
           </a:xfrm>
           <a:prstGeom prst="rect">
             <a:avLst/>
@@ -2241,7 +2780,7 @@
 </p:sldLayout>
 </file>
 
-<file path=ppt/slideLayouts/slideLayout14.xml><?xml version="1.0" encoding="utf-8"?>
+<file path=ppt/slideLayouts/slideLayout15.xml><?xml version="1.0" encoding="utf-8"?>
 <p:sldLayout xmlns:a="http://schemas.openxmlformats.org/drawingml/2006/main" xmlns:r="http://schemas.openxmlformats.org/officeDocument/2006/relationships" xmlns:p="http://schemas.openxmlformats.org/presentationml/2006/main" type="picTx" preserve="1">
   <p:cSld name="Picture with Caption">
     <p:spTree>
@@ -2270,15 +2809,15 @@
         </p:nvSpPr>
         <p:spPr>
           <a:xfrm>
-            <a:off x="1792288" y="3600450"/>
-            <a:ext cx="5486400" cy="425054"/>
+            <a:off x="2389717" y="4800600"/>
+            <a:ext cx="7315200" cy="566739"/>
           </a:xfrm>
         </p:spPr>
         <p:txBody>
           <a:bodyPr anchor="b"/>
           <a:lstStyle>
             <a:lvl1pPr algn="l">
-              <a:defRPr sz="1500" b="1"/>
+              <a:defRPr sz="2000" b="1"/>
             </a:lvl1pPr>
           </a:lstStyle>
           <a:p>
@@ -2302,8 +2841,8 @@
         </p:nvSpPr>
         <p:spPr>
           <a:xfrm>
-            <a:off x="1792288" y="459581"/>
-            <a:ext cx="5486400" cy="3086100"/>
+            <a:off x="2389717" y="612775"/>
+            <a:ext cx="7315200" cy="4114800"/>
           </a:xfrm>
         </p:spPr>
         <p:txBody>
@@ -2311,39 +2850,39 @@
           <a:lstStyle>
             <a:lvl1pPr marL="0" indent="0">
               <a:buNone/>
+              <a:defRPr sz="3200"/>
+            </a:lvl1pPr>
+            <a:lvl2pPr marL="457189" indent="0">
+              <a:buNone/>
+              <a:defRPr sz="2800"/>
+            </a:lvl2pPr>
+            <a:lvl3pPr marL="914377" indent="0">
+              <a:buNone/>
               <a:defRPr sz="2400"/>
-            </a:lvl1pPr>
-            <a:lvl2pPr marL="342900" indent="0">
+            </a:lvl3pPr>
+            <a:lvl4pPr marL="1371566" indent="0">
               <a:buNone/>
-              <a:defRPr sz="2100"/>
-            </a:lvl2pPr>
-            <a:lvl3pPr marL="685800" indent="0">
+              <a:defRPr sz="2000"/>
+            </a:lvl4pPr>
+            <a:lvl5pPr marL="1828754" indent="0">
               <a:buNone/>
-              <a:defRPr sz="1800"/>
-            </a:lvl3pPr>
-            <a:lvl4pPr marL="1028700" indent="0">
+              <a:defRPr sz="2000"/>
+            </a:lvl5pPr>
+            <a:lvl6pPr marL="2285943" indent="0">
               <a:buNone/>
-              <a:defRPr sz="1500"/>
-            </a:lvl4pPr>
-            <a:lvl5pPr marL="1371600" indent="0">
+              <a:defRPr sz="2000"/>
+            </a:lvl6pPr>
+            <a:lvl7pPr marL="2743131" indent="0">
               <a:buNone/>
-              <a:defRPr sz="1500"/>
-            </a:lvl5pPr>
-            <a:lvl6pPr marL="1714500" indent="0">
+              <a:defRPr sz="2000"/>
+            </a:lvl7pPr>
+            <a:lvl8pPr marL="3200320" indent="0">
               <a:buNone/>
-              <a:defRPr sz="1500"/>
-            </a:lvl6pPr>
-            <a:lvl7pPr marL="2057400" indent="0">
+              <a:defRPr sz="2000"/>
+            </a:lvl8pPr>
+            <a:lvl9pPr marL="3657509" indent="0">
               <a:buNone/>
-              <a:defRPr sz="1500"/>
-            </a:lvl7pPr>
-            <a:lvl8pPr marL="2400300" indent="0">
-              <a:buNone/>
-              <a:defRPr sz="1500"/>
-            </a:lvl8pPr>
-            <a:lvl9pPr marL="2743200" indent="0">
-              <a:buNone/>
-              <a:defRPr sz="1500"/>
+              <a:defRPr sz="2000"/>
             </a:lvl9pPr>
           </a:lstStyle>
           <a:p>
@@ -2367,8 +2906,8 @@
         </p:nvSpPr>
         <p:spPr>
           <a:xfrm>
-            <a:off x="1792288" y="4025503"/>
-            <a:ext cx="5486400" cy="603647"/>
+            <a:off x="2389717" y="5367338"/>
+            <a:ext cx="7315200" cy="804863"/>
           </a:xfrm>
         </p:spPr>
         <p:txBody>
@@ -2376,39 +2915,39 @@
           <a:lstStyle>
             <a:lvl1pPr marL="0" indent="0">
               <a:buNone/>
-              <a:defRPr sz="1050"/>
+              <a:defRPr sz="1400"/>
             </a:lvl1pPr>
-            <a:lvl2pPr marL="342900" indent="0">
+            <a:lvl2pPr marL="457189" indent="0">
+              <a:buNone/>
+              <a:defRPr sz="1200"/>
+            </a:lvl2pPr>
+            <a:lvl3pPr marL="914377" indent="0">
+              <a:buNone/>
+              <a:defRPr sz="1000"/>
+            </a:lvl3pPr>
+            <a:lvl4pPr marL="1371566" indent="0">
               <a:buNone/>
               <a:defRPr sz="900"/>
-            </a:lvl2pPr>
-            <a:lvl3pPr marL="685800" indent="0">
+            </a:lvl4pPr>
+            <a:lvl5pPr marL="1828754" indent="0">
               <a:buNone/>
-              <a:defRPr sz="750"/>
-            </a:lvl3pPr>
-            <a:lvl4pPr marL="1028700" indent="0">
+              <a:defRPr sz="900"/>
+            </a:lvl5pPr>
+            <a:lvl6pPr marL="2285943" indent="0">
               <a:buNone/>
-              <a:defRPr sz="675"/>
-            </a:lvl4pPr>
-            <a:lvl5pPr marL="1371600" indent="0">
+              <a:defRPr sz="900"/>
+            </a:lvl6pPr>
+            <a:lvl7pPr marL="2743131" indent="0">
               <a:buNone/>
-              <a:defRPr sz="675"/>
-            </a:lvl5pPr>
-            <a:lvl6pPr marL="1714500" indent="0">
+              <a:defRPr sz="900"/>
+            </a:lvl7pPr>
+            <a:lvl8pPr marL="3200320" indent="0">
               <a:buNone/>
-              <a:defRPr sz="675"/>
-            </a:lvl6pPr>
-            <a:lvl7pPr marL="2057400" indent="0">
+              <a:defRPr sz="900"/>
+            </a:lvl8pPr>
+            <a:lvl9pPr marL="3657509" indent="0">
               <a:buNone/>
-              <a:defRPr sz="675"/>
-            </a:lvl7pPr>
-            <a:lvl8pPr marL="2400300" indent="0">
-              <a:buNone/>
-              <a:defRPr sz="675"/>
-            </a:lvl8pPr>
-            <a:lvl9pPr marL="2743200" indent="0">
-              <a:buNone/>
-              <a:defRPr sz="675"/>
+              <a:defRPr sz="900"/>
             </a:lvl9pPr>
           </a:lstStyle>
           <a:p>
@@ -2436,15 +2975,15 @@
         </p:nvSpPr>
         <p:spPr>
           <a:xfrm>
-            <a:off x="340913" y="300458"/>
-            <a:ext cx="434340" cy="324446"/>
+            <a:off x="454551" y="400611"/>
+            <a:ext cx="579120" cy="432595"/>
           </a:xfrm>
           <a:prstGeom prst="rect">
             <a:avLst/>
           </a:prstGeom>
         </p:spPr>
         <p:txBody>
-          <a:bodyPr vert="horz" lIns="68580" tIns="34290" rIns="68580" bIns="34290" rtlCol="0" anchor="ctr"/>
+          <a:bodyPr vert="horz" lIns="91440" tIns="45720" rIns="91440" bIns="45720" rtlCol="0" anchor="ctr"/>
           <a:lstStyle>
             <a:defPPr>
               <a:defRPr lang="en-US"/>
@@ -2542,11 +3081,11 @@
           </a:lstStyle>
           <a:p>
             <a:fld id="{C5EF2332-01BF-834F-8236-50238282D533}" type="slidenum">
-              <a:rPr lang="en-US" sz="1500" smtClean="0"/>
+              <a:rPr lang="en-US" sz="2000" smtClean="0"/>
               <a:pPr/>
               <a:t>‹#›</a:t>
             </a:fld>
-            <a:endParaRPr lang="en-US" sz="1500" dirty="0"/>
+            <a:endParaRPr lang="en-US" sz="2000" dirty="0"/>
           </a:p>
         </p:txBody>
       </p:sp>
@@ -2563,7 +3102,7 @@
 </p:sldLayout>
 </file>
 
-<file path=ppt/slideLayouts/slideLayout15.xml><?xml version="1.0" encoding="utf-8"?>
+<file path=ppt/slideLayouts/slideLayout16.xml><?xml version="1.0" encoding="utf-8"?>
 <p:sldLayout xmlns:a="http://schemas.openxmlformats.org/drawingml/2006/main" xmlns:r="http://schemas.openxmlformats.org/officeDocument/2006/relationships" xmlns:p="http://schemas.openxmlformats.org/presentationml/2006/main" type="vertTx" preserve="1">
   <p:cSld name="Title and Vertical Text">
     <p:spTree>
@@ -2675,15 +3214,15 @@
         </p:nvSpPr>
         <p:spPr>
           <a:xfrm>
-            <a:off x="340913" y="300458"/>
-            <a:ext cx="434340" cy="324446"/>
+            <a:off x="454551" y="400611"/>
+            <a:ext cx="579120" cy="432595"/>
           </a:xfrm>
           <a:prstGeom prst="rect">
             <a:avLst/>
           </a:prstGeom>
         </p:spPr>
         <p:txBody>
-          <a:bodyPr vert="horz" lIns="68580" tIns="34290" rIns="68580" bIns="34290" rtlCol="0" anchor="ctr"/>
+          <a:bodyPr vert="horz" lIns="91440" tIns="45720" rIns="91440" bIns="45720" rtlCol="0" anchor="ctr"/>
           <a:lstStyle>
             <a:defPPr>
               <a:defRPr lang="en-US"/>
@@ -2781,11 +3320,11 @@
           </a:lstStyle>
           <a:p>
             <a:fld id="{C5EF2332-01BF-834F-8236-50238282D533}" type="slidenum">
-              <a:rPr lang="en-US" sz="1500" smtClean="0"/>
+              <a:rPr lang="en-US" sz="2000" smtClean="0"/>
               <a:pPr/>
               <a:t>‹#›</a:t>
             </a:fld>
-            <a:endParaRPr lang="en-US" sz="1500" dirty="0"/>
+            <a:endParaRPr lang="en-US" sz="2000" dirty="0"/>
           </a:p>
         </p:txBody>
       </p:sp>
@@ -2802,7 +3341,7 @@
 </p:sldLayout>
 </file>
 
-<file path=ppt/slideLayouts/slideLayout16.xml><?xml version="1.0" encoding="utf-8"?>
+<file path=ppt/slideLayouts/slideLayout17.xml><?xml version="1.0" encoding="utf-8"?>
 <p:sldLayout xmlns:a="http://schemas.openxmlformats.org/drawingml/2006/main" xmlns:r="http://schemas.openxmlformats.org/officeDocument/2006/relationships" xmlns:p="http://schemas.openxmlformats.org/presentationml/2006/main" type="vertTitleAndTx" preserve="1">
   <p:cSld name="Vertical Title and Text">
     <p:spTree>
@@ -2831,8 +3370,8 @@
         </p:nvSpPr>
         <p:spPr>
           <a:xfrm>
-            <a:off x="6629400" y="205980"/>
-            <a:ext cx="2057400" cy="4388644"/>
+            <a:off x="8839200" y="274640"/>
+            <a:ext cx="2743200" cy="5851525"/>
           </a:xfrm>
         </p:spPr>
         <p:txBody>
@@ -2859,8 +3398,8 @@
         </p:nvSpPr>
         <p:spPr>
           <a:xfrm>
-            <a:off x="457200" y="205980"/>
-            <a:ext cx="6019800" cy="4388644"/>
+            <a:off x="609600" y="274640"/>
+            <a:ext cx="8026400" cy="5851525"/>
           </a:xfrm>
         </p:spPr>
         <p:txBody>
@@ -2917,7 +3456,7 @@
 </p:sldLayout>
 </file>
 
-<file path=ppt/slideLayouts/slideLayout17.xml><?xml version="1.0" encoding="utf-8"?>
+<file path=ppt/slideLayouts/slideLayout18.xml><?xml version="1.0" encoding="utf-8"?>
 <p:sldLayout xmlns:a="http://schemas.openxmlformats.org/drawingml/2006/main" xmlns:r="http://schemas.openxmlformats.org/officeDocument/2006/relationships" xmlns:p="http://schemas.openxmlformats.org/presentationml/2006/main" preserve="1" userDrawn="1">
   <p:cSld name="Gradient Highlight Slide">
     <p:bg>
@@ -2976,8 +3515,8 @@
         </p:blipFill>
         <p:spPr>
           <a:xfrm>
-            <a:off x="7835259" y="4626159"/>
-            <a:ext cx="851541" cy="282209"/>
+            <a:off x="10447013" y="6168213"/>
+            <a:ext cx="1135388" cy="376279"/>
           </a:xfrm>
           <a:prstGeom prst="rect">
             <a:avLst/>
@@ -3002,8 +3541,8 @@
         </p:nvSpPr>
         <p:spPr>
           <a:xfrm>
-            <a:off x="891540" y="146699"/>
-            <a:ext cx="7795260" cy="333361"/>
+            <a:off x="1188720" y="195600"/>
+            <a:ext cx="10393680" cy="444481"/>
           </a:xfrm>
         </p:spPr>
         <p:txBody>
@@ -3042,15 +3581,15 @@
         </p:nvSpPr>
         <p:spPr>
           <a:xfrm>
-            <a:off x="457200" y="155614"/>
-            <a:ext cx="434340" cy="324446"/>
+            <a:off x="609600" y="207485"/>
+            <a:ext cx="579120" cy="432595"/>
           </a:xfrm>
           <a:prstGeom prst="rect">
             <a:avLst/>
           </a:prstGeom>
         </p:spPr>
         <p:txBody>
-          <a:bodyPr vert="horz" lIns="68580" tIns="34290" rIns="68580" bIns="34290" rtlCol="0" anchor="ctr"/>
+          <a:bodyPr vert="horz" lIns="91440" tIns="45720" rIns="91440" bIns="45720" rtlCol="0" anchor="ctr"/>
           <a:lstStyle>
             <a:defPPr>
               <a:defRPr lang="en-US"/>
@@ -3148,7 +3687,7 @@
           </a:lstStyle>
           <a:p>
             <a:fld id="{C5EF2332-01BF-834F-8236-50238282D533}" type="slidenum">
-              <a:rPr lang="en-US" sz="1500" smtClean="0">
+              <a:rPr lang="en-US" sz="2000" smtClean="0">
                 <a:solidFill>
                   <a:srgbClr val="F2F2F2"/>
                 </a:solidFill>
@@ -3156,7 +3695,7 @@
               <a:pPr/>
               <a:t>‹#›</a:t>
             </a:fld>
-            <a:endParaRPr lang="en-US" sz="1500" dirty="0">
+            <a:endParaRPr lang="en-US" sz="2000" dirty="0">
               <a:solidFill>
                 <a:srgbClr val="F2F2F2"/>
               </a:solidFill>
@@ -3177,7 +3716,7 @@
 </p:sldLayout>
 </file>
 
-<file path=ppt/slideLayouts/slideLayout18.xml><?xml version="1.0" encoding="utf-8"?>
+<file path=ppt/slideLayouts/slideLayout19.xml><?xml version="1.0" encoding="utf-8"?>
 <p:sldLayout xmlns:a="http://schemas.openxmlformats.org/drawingml/2006/main" xmlns:r="http://schemas.openxmlformats.org/officeDocument/2006/relationships" xmlns:p="http://schemas.openxmlformats.org/presentationml/2006/main" preserve="1" userDrawn="1">
   <p:cSld name="Gradient Slide blank">
     <p:bg>
@@ -3236,8 +3775,8 @@
         </p:blipFill>
         <p:spPr>
           <a:xfrm>
-            <a:off x="7835259" y="4626159"/>
-            <a:ext cx="851541" cy="282209"/>
+            <a:off x="10447013" y="6168213"/>
+            <a:ext cx="1135388" cy="376279"/>
           </a:xfrm>
           <a:prstGeom prst="rect">
             <a:avLst/>
@@ -3248,270 +3787,6 @@
     <p:extLst>
       <p:ext uri="{BB962C8B-B14F-4D97-AF65-F5344CB8AC3E}">
         <p14:creationId xmlns:p14="http://schemas.microsoft.com/office/powerpoint/2010/main" val="2371078665"/>
-      </p:ext>
-    </p:extLst>
-  </p:cSld>
-  <p:clrMapOvr>
-    <a:masterClrMapping/>
-  </p:clrMapOvr>
-</p:sldLayout>
-</file>
-
-<file path=ppt/slideLayouts/slideLayout19.xml><?xml version="1.0" encoding="utf-8"?>
-<p:sldLayout xmlns:a="http://schemas.openxmlformats.org/drawingml/2006/main" xmlns:r="http://schemas.openxmlformats.org/officeDocument/2006/relationships" xmlns:p="http://schemas.openxmlformats.org/presentationml/2006/main" preserve="1" userDrawn="1">
-  <p:cSld name="Trivadis Claim">
-    <p:bg>
-      <p:bgPr>
-        <a:blipFill dpi="0" rotWithShape="1">
-          <a:blip r:embed="rId2">
-            <a:lum/>
-          </a:blip>
-          <a:srcRect/>
-          <a:stretch>
-            <a:fillRect/>
-          </a:stretch>
-        </a:blipFill>
-        <a:effectLst/>
-      </p:bgPr>
-    </p:bg>
-    <p:spTree>
-      <p:nvGrpSpPr>
-        <p:cNvPr id="1" name=""/>
-        <p:cNvGrpSpPr/>
-        <p:nvPr/>
-      </p:nvGrpSpPr>
-      <p:grpSpPr>
-        <a:xfrm>
-          <a:off x="0" y="0"/>
-          <a:ext cx="0" cy="0"/>
-          <a:chOff x="0" y="0"/>
-          <a:chExt cx="0" cy="0"/>
-        </a:xfrm>
-      </p:grpSpPr>
-      <p:pic>
-        <p:nvPicPr>
-          <p:cNvPr id="9" name="Grafik 6">
-            <a:extLst>
-              <a:ext uri="{FF2B5EF4-FFF2-40B4-BE49-F238E27FC236}">
-                <a16:creationId xmlns:a16="http://schemas.microsoft.com/office/drawing/2014/main" id="{831D9137-EED9-064E-A932-4B446A543436}"/>
-              </a:ext>
-            </a:extLst>
-          </p:cNvPr>
-          <p:cNvPicPr>
-            <a:picLocks noChangeAspect="1"/>
-          </p:cNvPicPr>
-          <p:nvPr userDrawn="1"/>
-        </p:nvPicPr>
-        <p:blipFill>
-          <a:blip r:embed="rId3">
-            <a:extLst>
-              <a:ext uri="{28A0092B-C50C-407E-A947-70E740481C1C}">
-                <a14:useLocalDpi xmlns:a14="http://schemas.microsoft.com/office/drawing/2010/main" val="0"/>
-              </a:ext>
-            </a:extLst>
-          </a:blip>
-          <a:stretch>
-            <a:fillRect/>
-          </a:stretch>
-        </p:blipFill>
-        <p:spPr>
-          <a:xfrm>
-            <a:off x="7835259" y="4626159"/>
-            <a:ext cx="851541" cy="282209"/>
-          </a:xfrm>
-          <a:prstGeom prst="rect">
-            <a:avLst/>
-          </a:prstGeom>
-        </p:spPr>
-      </p:pic>
-      <p:sp>
-        <p:nvSpPr>
-          <p:cNvPr id="5" name="Rechteck 5">
-            <a:extLst>
-              <a:ext uri="{FF2B5EF4-FFF2-40B4-BE49-F238E27FC236}">
-                <a16:creationId xmlns:a16="http://schemas.microsoft.com/office/drawing/2014/main" id="{7C5B28A8-D3C5-774D-8C7F-50E140526047}"/>
-              </a:ext>
-            </a:extLst>
-          </p:cNvPr>
-          <p:cNvSpPr/>
-          <p:nvPr userDrawn="1"/>
-        </p:nvSpPr>
-        <p:spPr>
-          <a:xfrm>
-            <a:off x="790161" y="1521462"/>
-            <a:ext cx="7563678" cy="2123658"/>
-          </a:xfrm>
-          <a:prstGeom prst="rect">
-            <a:avLst/>
-          </a:prstGeom>
-        </p:spPr>
-        <p:txBody>
-          <a:bodyPr wrap="square">
-            <a:spAutoFit/>
-          </a:bodyPr>
-          <a:lstStyle>
-            <a:defPPr>
-              <a:defRPr lang="en-US"/>
-            </a:defPPr>
-            <a:lvl1pPr marL="0" algn="l" defTabSz="457200" rtl="0" eaLnBrk="1" latinLnBrk="0" hangingPunct="1">
-              <a:defRPr sz="1800" kern="1200">
-                <a:solidFill>
-                  <a:schemeClr val="tx1"/>
-                </a:solidFill>
-                <a:latin typeface="+mn-lt"/>
-                <a:ea typeface="+mn-ea"/>
-                <a:cs typeface="+mn-cs"/>
-              </a:defRPr>
-            </a:lvl1pPr>
-            <a:lvl2pPr marL="457200" algn="l" defTabSz="457200" rtl="0" eaLnBrk="1" latinLnBrk="0" hangingPunct="1">
-              <a:defRPr sz="1800" kern="1200">
-                <a:solidFill>
-                  <a:schemeClr val="tx1"/>
-                </a:solidFill>
-                <a:latin typeface="+mn-lt"/>
-                <a:ea typeface="+mn-ea"/>
-                <a:cs typeface="+mn-cs"/>
-              </a:defRPr>
-            </a:lvl2pPr>
-            <a:lvl3pPr marL="914400" algn="l" defTabSz="457200" rtl="0" eaLnBrk="1" latinLnBrk="0" hangingPunct="1">
-              <a:defRPr sz="1800" kern="1200">
-                <a:solidFill>
-                  <a:schemeClr val="tx1"/>
-                </a:solidFill>
-                <a:latin typeface="+mn-lt"/>
-                <a:ea typeface="+mn-ea"/>
-                <a:cs typeface="+mn-cs"/>
-              </a:defRPr>
-            </a:lvl3pPr>
-            <a:lvl4pPr marL="1371600" algn="l" defTabSz="457200" rtl="0" eaLnBrk="1" latinLnBrk="0" hangingPunct="1">
-              <a:defRPr sz="1800" kern="1200">
-                <a:solidFill>
-                  <a:schemeClr val="tx1"/>
-                </a:solidFill>
-                <a:latin typeface="+mn-lt"/>
-                <a:ea typeface="+mn-ea"/>
-                <a:cs typeface="+mn-cs"/>
-              </a:defRPr>
-            </a:lvl4pPr>
-            <a:lvl5pPr marL="1828800" algn="l" defTabSz="457200" rtl="0" eaLnBrk="1" latinLnBrk="0" hangingPunct="1">
-              <a:defRPr sz="1800" kern="1200">
-                <a:solidFill>
-                  <a:schemeClr val="tx1"/>
-                </a:solidFill>
-                <a:latin typeface="+mn-lt"/>
-                <a:ea typeface="+mn-ea"/>
-                <a:cs typeface="+mn-cs"/>
-              </a:defRPr>
-            </a:lvl5pPr>
-            <a:lvl6pPr marL="2286000" algn="l" defTabSz="457200" rtl="0" eaLnBrk="1" latinLnBrk="0" hangingPunct="1">
-              <a:defRPr sz="1800" kern="1200">
-                <a:solidFill>
-                  <a:schemeClr val="tx1"/>
-                </a:solidFill>
-                <a:latin typeface="+mn-lt"/>
-                <a:ea typeface="+mn-ea"/>
-                <a:cs typeface="+mn-cs"/>
-              </a:defRPr>
-            </a:lvl6pPr>
-            <a:lvl7pPr marL="2743200" algn="l" defTabSz="457200" rtl="0" eaLnBrk="1" latinLnBrk="0" hangingPunct="1">
-              <a:defRPr sz="1800" kern="1200">
-                <a:solidFill>
-                  <a:schemeClr val="tx1"/>
-                </a:solidFill>
-                <a:latin typeface="+mn-lt"/>
-                <a:ea typeface="+mn-ea"/>
-                <a:cs typeface="+mn-cs"/>
-              </a:defRPr>
-            </a:lvl7pPr>
-            <a:lvl8pPr marL="3200400" algn="l" defTabSz="457200" rtl="0" eaLnBrk="1" latinLnBrk="0" hangingPunct="1">
-              <a:defRPr sz="1800" kern="1200">
-                <a:solidFill>
-                  <a:schemeClr val="tx1"/>
-                </a:solidFill>
-                <a:latin typeface="+mn-lt"/>
-                <a:ea typeface="+mn-ea"/>
-                <a:cs typeface="+mn-cs"/>
-              </a:defRPr>
-            </a:lvl8pPr>
-            <a:lvl9pPr marL="3657600" algn="l" defTabSz="457200" rtl="0" eaLnBrk="1" latinLnBrk="0" hangingPunct="1">
-              <a:defRPr sz="1800" kern="1200">
-                <a:solidFill>
-                  <a:schemeClr val="tx1"/>
-                </a:solidFill>
-                <a:latin typeface="+mn-lt"/>
-                <a:ea typeface="+mn-ea"/>
-                <a:cs typeface="+mn-cs"/>
-              </a:defRPr>
-            </a:lvl9pPr>
-          </a:lstStyle>
-          <a:p>
-            <a:pPr algn="ctr">
-              <a:spcAft>
-                <a:spcPts val="900"/>
-              </a:spcAft>
-            </a:pPr>
-            <a:r>
-              <a:rPr lang="en-US" sz="3300" b="1" i="0" cap="all" noProof="0" dirty="0">
-                <a:solidFill>
-                  <a:schemeClr val="bg1"/>
-                </a:solidFill>
-                <a:latin typeface="Montserrat" pitchFamily="2" charset="77"/>
-                <a:cs typeface="Impact"/>
-              </a:rPr>
-              <a:t>Together we are </a:t>
-            </a:r>
-            <a:br>
-              <a:rPr lang="en-US" sz="3300" b="1" i="0" cap="all" noProof="0" dirty="0">
-                <a:solidFill>
-                  <a:schemeClr val="bg1"/>
-                </a:solidFill>
-                <a:latin typeface="Montserrat" pitchFamily="2" charset="77"/>
-                <a:cs typeface="Impact"/>
-              </a:rPr>
-            </a:br>
-            <a:r>
-              <a:rPr lang="en-US" sz="3300" b="1" i="0" cap="all" noProof="0" dirty="0">
-                <a:solidFill>
-                  <a:schemeClr val="bg1"/>
-                </a:solidFill>
-                <a:latin typeface="Montserrat" pitchFamily="2" charset="77"/>
-                <a:cs typeface="Impact"/>
-              </a:rPr>
-              <a:t>#1 partner for businesses to harness the power of data </a:t>
-            </a:r>
-            <a:br>
-              <a:rPr lang="en-US" sz="3300" b="1" i="0" cap="all" noProof="0" dirty="0">
-                <a:solidFill>
-                  <a:schemeClr val="bg1"/>
-                </a:solidFill>
-                <a:latin typeface="Montserrat" pitchFamily="2" charset="77"/>
-                <a:cs typeface="Impact"/>
-              </a:rPr>
-            </a:br>
-            <a:r>
-              <a:rPr lang="en-US" sz="3300" b="1" i="0" cap="all" noProof="0" dirty="0">
-                <a:solidFill>
-                  <a:schemeClr val="bg1"/>
-                </a:solidFill>
-                <a:latin typeface="Montserrat" pitchFamily="2" charset="77"/>
-                <a:cs typeface="Impact"/>
-              </a:rPr>
-              <a:t>for a smarter life</a:t>
-            </a:r>
-            <a:endParaRPr lang="en-US" sz="3300" b="1" i="0" cap="all" noProof="0" dirty="0">
-              <a:solidFill>
-                <a:schemeClr val="bg1"/>
-              </a:solidFill>
-              <a:latin typeface="Montserrat" pitchFamily="2" charset="77"/>
-              <a:cs typeface="Open Sans" panose="020B0606030504020204" pitchFamily="34" charset="0"/>
-            </a:endParaRPr>
-          </a:p>
-        </p:txBody>
-      </p:sp>
-    </p:spTree>
-    <p:extLst>
-      <p:ext uri="{BB962C8B-B14F-4D97-AF65-F5344CB8AC3E}">
-        <p14:creationId xmlns:p14="http://schemas.microsoft.com/office/powerpoint/2010/main" val="1892944340"/>
       </p:ext>
     </p:extLst>
   </p:cSld>
@@ -3564,8 +3839,8 @@
         </p:nvSpPr>
         <p:spPr>
           <a:xfrm>
-            <a:off x="685800" y="2112763"/>
-            <a:ext cx="7772400" cy="1021556"/>
+            <a:off x="914400" y="2817017"/>
+            <a:ext cx="10363200" cy="1362075"/>
           </a:xfrm>
         </p:spPr>
         <p:txBody>
@@ -3574,7 +3849,7 @@
           </a:bodyPr>
           <a:lstStyle>
             <a:lvl1pPr algn="ctr">
-              <a:defRPr lang="en-US" sz="3000" b="1" i="0" kern="1200" noProof="0" dirty="0">
+              <a:defRPr lang="en-US" sz="4000" b="1" i="0" kern="1200" noProof="0" dirty="0">
                 <a:solidFill>
                   <a:schemeClr val="bg1"/>
                 </a:solidFill>
@@ -3605,8 +3880,8 @@
         </p:nvSpPr>
         <p:spPr>
           <a:xfrm>
-            <a:off x="685800" y="3134319"/>
-            <a:ext cx="7772400" cy="1125140"/>
+            <a:off x="914400" y="4179092"/>
+            <a:ext cx="10363200" cy="1500187"/>
           </a:xfrm>
         </p:spPr>
         <p:txBody>
@@ -3616,7 +3891,7 @@
           <a:lstStyle>
             <a:lvl1pPr marL="0" indent="0" algn="ctr">
               <a:buNone/>
-              <a:defRPr lang="en-US" sz="1500" b="0" i="0" kern="1200" baseline="0" dirty="0" smtClean="0">
+              <a:defRPr lang="en-US" sz="2000" b="0" i="0" kern="1200" baseline="0" dirty="0" smtClean="0">
                 <a:solidFill>
                   <a:schemeClr val="bg1"/>
                 </a:solidFill>
@@ -3625,9 +3900,9 @@
                 <a:cs typeface="+mn-cs"/>
               </a:defRPr>
             </a:lvl1pPr>
-            <a:lvl2pPr marL="342900" indent="0">
+            <a:lvl2pPr marL="457189" indent="0">
               <a:buNone/>
-              <a:defRPr sz="1350">
+              <a:defRPr sz="1800">
                 <a:solidFill>
                   <a:schemeClr val="tx1">
                     <a:tint val="75000"/>
@@ -3635,9 +3910,9 @@
                 </a:solidFill>
               </a:defRPr>
             </a:lvl2pPr>
-            <a:lvl3pPr marL="685800" indent="0">
+            <a:lvl3pPr marL="914377" indent="0">
               <a:buNone/>
-              <a:defRPr sz="1200">
+              <a:defRPr sz="1600">
                 <a:solidFill>
                   <a:schemeClr val="tx1">
                     <a:tint val="75000"/>
@@ -3645,9 +3920,9 @@
                 </a:solidFill>
               </a:defRPr>
             </a:lvl3pPr>
-            <a:lvl4pPr marL="1028700" indent="0">
+            <a:lvl4pPr marL="1371566" indent="0">
               <a:buNone/>
-              <a:defRPr sz="1050">
+              <a:defRPr sz="1400">
                 <a:solidFill>
                   <a:schemeClr val="tx1">
                     <a:tint val="75000"/>
@@ -3655,9 +3930,9 @@
                 </a:solidFill>
               </a:defRPr>
             </a:lvl4pPr>
-            <a:lvl5pPr marL="1371600" indent="0">
+            <a:lvl5pPr marL="1828754" indent="0">
               <a:buNone/>
-              <a:defRPr sz="1050">
+              <a:defRPr sz="1400">
                 <a:solidFill>
                   <a:schemeClr val="tx1">
                     <a:tint val="75000"/>
@@ -3665,9 +3940,9 @@
                 </a:solidFill>
               </a:defRPr>
             </a:lvl5pPr>
-            <a:lvl6pPr marL="1714500" indent="0">
+            <a:lvl6pPr marL="2285943" indent="0">
               <a:buNone/>
-              <a:defRPr sz="1050">
+              <a:defRPr sz="1400">
                 <a:solidFill>
                   <a:schemeClr val="tx1">
                     <a:tint val="75000"/>
@@ -3675,9 +3950,9 @@
                 </a:solidFill>
               </a:defRPr>
             </a:lvl6pPr>
-            <a:lvl7pPr marL="2057400" indent="0">
+            <a:lvl7pPr marL="2743131" indent="0">
               <a:buNone/>
-              <a:defRPr sz="1050">
+              <a:defRPr sz="1400">
                 <a:solidFill>
                   <a:schemeClr val="tx1">
                     <a:tint val="75000"/>
@@ -3685,9 +3960,9 @@
                 </a:solidFill>
               </a:defRPr>
             </a:lvl7pPr>
-            <a:lvl8pPr marL="2400300" indent="0">
+            <a:lvl8pPr marL="3200320" indent="0">
               <a:buNone/>
-              <a:defRPr sz="1050">
+              <a:defRPr sz="1400">
                 <a:solidFill>
                   <a:schemeClr val="tx1">
                     <a:tint val="75000"/>
@@ -3695,9 +3970,9 @@
                 </a:solidFill>
               </a:defRPr>
             </a:lvl8pPr>
-            <a:lvl9pPr marL="2743200" indent="0">
+            <a:lvl9pPr marL="3657509" indent="0">
               <a:buNone/>
-              <a:defRPr sz="1050">
+              <a:defRPr sz="1400">
                 <a:solidFill>
                   <a:schemeClr val="tx1">
                     <a:tint val="75000"/>
@@ -3743,8 +4018,8 @@
         </p:blipFill>
         <p:spPr>
           <a:xfrm>
-            <a:off x="7835259" y="4626159"/>
-            <a:ext cx="851541" cy="282209"/>
+            <a:off x="10447013" y="6168213"/>
+            <a:ext cx="1135388" cy="376279"/>
           </a:xfrm>
           <a:prstGeom prst="rect">
             <a:avLst/>
@@ -3767,15 +4042,15 @@
         </p:nvSpPr>
         <p:spPr>
           <a:xfrm>
-            <a:off x="340913" y="292076"/>
-            <a:ext cx="434340" cy="324446"/>
+            <a:off x="454551" y="389435"/>
+            <a:ext cx="579120" cy="432595"/>
           </a:xfrm>
           <a:prstGeom prst="rect">
             <a:avLst/>
           </a:prstGeom>
         </p:spPr>
         <p:txBody>
-          <a:bodyPr vert="horz" lIns="68580" tIns="34290" rIns="68580" bIns="34290" rtlCol="0" anchor="ctr"/>
+          <a:bodyPr vert="horz" lIns="91440" tIns="45720" rIns="91440" bIns="45720" rtlCol="0" anchor="ctr"/>
           <a:lstStyle>
             <a:defPPr>
               <a:defRPr lang="en-US"/>
@@ -3873,7 +4148,7 @@
           </a:lstStyle>
           <a:p>
             <a:fld id="{C5EF2332-01BF-834F-8236-50238282D533}" type="slidenum">
-              <a:rPr lang="en-US" sz="1500" smtClean="0">
+              <a:rPr lang="en-US" sz="2000" smtClean="0">
                 <a:solidFill>
                   <a:srgbClr val="F2F2F2"/>
                 </a:solidFill>
@@ -3881,7 +4156,7 @@
               <a:pPr/>
               <a:t>‹#›</a:t>
             </a:fld>
-            <a:endParaRPr lang="en-US" sz="1500" dirty="0">
+            <a:endParaRPr lang="en-US" sz="2000" dirty="0">
               <a:solidFill>
                 <a:srgbClr val="F2F2F2"/>
               </a:solidFill>
@@ -3903,6 +4178,270 @@
 </file>
 
 <file path=ppt/slideLayouts/slideLayout20.xml><?xml version="1.0" encoding="utf-8"?>
+<p:sldLayout xmlns:a="http://schemas.openxmlformats.org/drawingml/2006/main" xmlns:r="http://schemas.openxmlformats.org/officeDocument/2006/relationships" xmlns:p="http://schemas.openxmlformats.org/presentationml/2006/main" preserve="1" userDrawn="1">
+  <p:cSld name="Trivadis Claim">
+    <p:bg>
+      <p:bgPr>
+        <a:blipFill dpi="0" rotWithShape="1">
+          <a:blip r:embed="rId2">
+            <a:lum/>
+          </a:blip>
+          <a:srcRect/>
+          <a:stretch>
+            <a:fillRect/>
+          </a:stretch>
+        </a:blipFill>
+        <a:effectLst/>
+      </p:bgPr>
+    </p:bg>
+    <p:spTree>
+      <p:nvGrpSpPr>
+        <p:cNvPr id="1" name=""/>
+        <p:cNvGrpSpPr/>
+        <p:nvPr/>
+      </p:nvGrpSpPr>
+      <p:grpSpPr>
+        <a:xfrm>
+          <a:off x="0" y="0"/>
+          <a:ext cx="0" cy="0"/>
+          <a:chOff x="0" y="0"/>
+          <a:chExt cx="0" cy="0"/>
+        </a:xfrm>
+      </p:grpSpPr>
+      <p:pic>
+        <p:nvPicPr>
+          <p:cNvPr id="9" name="Grafik 6">
+            <a:extLst>
+              <a:ext uri="{FF2B5EF4-FFF2-40B4-BE49-F238E27FC236}">
+                <a16:creationId xmlns:a16="http://schemas.microsoft.com/office/drawing/2014/main" id="{831D9137-EED9-064E-A932-4B446A543436}"/>
+              </a:ext>
+            </a:extLst>
+          </p:cNvPr>
+          <p:cNvPicPr>
+            <a:picLocks noChangeAspect="1"/>
+          </p:cNvPicPr>
+          <p:nvPr userDrawn="1"/>
+        </p:nvPicPr>
+        <p:blipFill>
+          <a:blip r:embed="rId3">
+            <a:extLst>
+              <a:ext uri="{28A0092B-C50C-407E-A947-70E740481C1C}">
+                <a14:useLocalDpi xmlns:a14="http://schemas.microsoft.com/office/drawing/2010/main" val="0"/>
+              </a:ext>
+            </a:extLst>
+          </a:blip>
+          <a:stretch>
+            <a:fillRect/>
+          </a:stretch>
+        </p:blipFill>
+        <p:spPr>
+          <a:xfrm>
+            <a:off x="10447013" y="6168213"/>
+            <a:ext cx="1135388" cy="376279"/>
+          </a:xfrm>
+          <a:prstGeom prst="rect">
+            <a:avLst/>
+          </a:prstGeom>
+        </p:spPr>
+      </p:pic>
+      <p:sp>
+        <p:nvSpPr>
+          <p:cNvPr id="5" name="Rechteck 5">
+            <a:extLst>
+              <a:ext uri="{FF2B5EF4-FFF2-40B4-BE49-F238E27FC236}">
+                <a16:creationId xmlns:a16="http://schemas.microsoft.com/office/drawing/2014/main" id="{7C5B28A8-D3C5-774D-8C7F-50E140526047}"/>
+              </a:ext>
+            </a:extLst>
+          </p:cNvPr>
+          <p:cNvSpPr/>
+          <p:nvPr userDrawn="1"/>
+        </p:nvSpPr>
+        <p:spPr>
+          <a:xfrm>
+            <a:off x="1053548" y="2028616"/>
+            <a:ext cx="10084904" cy="2800767"/>
+          </a:xfrm>
+          <a:prstGeom prst="rect">
+            <a:avLst/>
+          </a:prstGeom>
+        </p:spPr>
+        <p:txBody>
+          <a:bodyPr wrap="square">
+            <a:spAutoFit/>
+          </a:bodyPr>
+          <a:lstStyle>
+            <a:defPPr>
+              <a:defRPr lang="en-US"/>
+            </a:defPPr>
+            <a:lvl1pPr marL="0" algn="l" defTabSz="457200" rtl="0" eaLnBrk="1" latinLnBrk="0" hangingPunct="1">
+              <a:defRPr sz="1800" kern="1200">
+                <a:solidFill>
+                  <a:schemeClr val="tx1"/>
+                </a:solidFill>
+                <a:latin typeface="+mn-lt"/>
+                <a:ea typeface="+mn-ea"/>
+                <a:cs typeface="+mn-cs"/>
+              </a:defRPr>
+            </a:lvl1pPr>
+            <a:lvl2pPr marL="457200" algn="l" defTabSz="457200" rtl="0" eaLnBrk="1" latinLnBrk="0" hangingPunct="1">
+              <a:defRPr sz="1800" kern="1200">
+                <a:solidFill>
+                  <a:schemeClr val="tx1"/>
+                </a:solidFill>
+                <a:latin typeface="+mn-lt"/>
+                <a:ea typeface="+mn-ea"/>
+                <a:cs typeface="+mn-cs"/>
+              </a:defRPr>
+            </a:lvl2pPr>
+            <a:lvl3pPr marL="914400" algn="l" defTabSz="457200" rtl="0" eaLnBrk="1" latinLnBrk="0" hangingPunct="1">
+              <a:defRPr sz="1800" kern="1200">
+                <a:solidFill>
+                  <a:schemeClr val="tx1"/>
+                </a:solidFill>
+                <a:latin typeface="+mn-lt"/>
+                <a:ea typeface="+mn-ea"/>
+                <a:cs typeface="+mn-cs"/>
+              </a:defRPr>
+            </a:lvl3pPr>
+            <a:lvl4pPr marL="1371600" algn="l" defTabSz="457200" rtl="0" eaLnBrk="1" latinLnBrk="0" hangingPunct="1">
+              <a:defRPr sz="1800" kern="1200">
+                <a:solidFill>
+                  <a:schemeClr val="tx1"/>
+                </a:solidFill>
+                <a:latin typeface="+mn-lt"/>
+                <a:ea typeface="+mn-ea"/>
+                <a:cs typeface="+mn-cs"/>
+              </a:defRPr>
+            </a:lvl4pPr>
+            <a:lvl5pPr marL="1828800" algn="l" defTabSz="457200" rtl="0" eaLnBrk="1" latinLnBrk="0" hangingPunct="1">
+              <a:defRPr sz="1800" kern="1200">
+                <a:solidFill>
+                  <a:schemeClr val="tx1"/>
+                </a:solidFill>
+                <a:latin typeface="+mn-lt"/>
+                <a:ea typeface="+mn-ea"/>
+                <a:cs typeface="+mn-cs"/>
+              </a:defRPr>
+            </a:lvl5pPr>
+            <a:lvl6pPr marL="2286000" algn="l" defTabSz="457200" rtl="0" eaLnBrk="1" latinLnBrk="0" hangingPunct="1">
+              <a:defRPr sz="1800" kern="1200">
+                <a:solidFill>
+                  <a:schemeClr val="tx1"/>
+                </a:solidFill>
+                <a:latin typeface="+mn-lt"/>
+                <a:ea typeface="+mn-ea"/>
+                <a:cs typeface="+mn-cs"/>
+              </a:defRPr>
+            </a:lvl6pPr>
+            <a:lvl7pPr marL="2743200" algn="l" defTabSz="457200" rtl="0" eaLnBrk="1" latinLnBrk="0" hangingPunct="1">
+              <a:defRPr sz="1800" kern="1200">
+                <a:solidFill>
+                  <a:schemeClr val="tx1"/>
+                </a:solidFill>
+                <a:latin typeface="+mn-lt"/>
+                <a:ea typeface="+mn-ea"/>
+                <a:cs typeface="+mn-cs"/>
+              </a:defRPr>
+            </a:lvl7pPr>
+            <a:lvl8pPr marL="3200400" algn="l" defTabSz="457200" rtl="0" eaLnBrk="1" latinLnBrk="0" hangingPunct="1">
+              <a:defRPr sz="1800" kern="1200">
+                <a:solidFill>
+                  <a:schemeClr val="tx1"/>
+                </a:solidFill>
+                <a:latin typeface="+mn-lt"/>
+                <a:ea typeface="+mn-ea"/>
+                <a:cs typeface="+mn-cs"/>
+              </a:defRPr>
+            </a:lvl8pPr>
+            <a:lvl9pPr marL="3657600" algn="l" defTabSz="457200" rtl="0" eaLnBrk="1" latinLnBrk="0" hangingPunct="1">
+              <a:defRPr sz="1800" kern="1200">
+                <a:solidFill>
+                  <a:schemeClr val="tx1"/>
+                </a:solidFill>
+                <a:latin typeface="+mn-lt"/>
+                <a:ea typeface="+mn-ea"/>
+                <a:cs typeface="+mn-cs"/>
+              </a:defRPr>
+            </a:lvl9pPr>
+          </a:lstStyle>
+          <a:p>
+            <a:pPr algn="ctr">
+              <a:spcAft>
+                <a:spcPts val="1200"/>
+              </a:spcAft>
+            </a:pPr>
+            <a:r>
+              <a:rPr lang="en-US" sz="4400" b="1" i="0" cap="all" noProof="0" dirty="0">
+                <a:solidFill>
+                  <a:schemeClr val="bg1"/>
+                </a:solidFill>
+                <a:latin typeface="Montserrat" pitchFamily="2" charset="77"/>
+                <a:cs typeface="Impact"/>
+              </a:rPr>
+              <a:t>Together we are </a:t>
+            </a:r>
+            <a:br>
+              <a:rPr lang="en-US" sz="4400" b="1" i="0" cap="all" noProof="0" dirty="0">
+                <a:solidFill>
+                  <a:schemeClr val="bg1"/>
+                </a:solidFill>
+                <a:latin typeface="Montserrat" pitchFamily="2" charset="77"/>
+                <a:cs typeface="Impact"/>
+              </a:rPr>
+            </a:br>
+            <a:r>
+              <a:rPr lang="en-US" sz="4400" b="1" i="0" cap="all" noProof="0" dirty="0">
+                <a:solidFill>
+                  <a:schemeClr val="bg1"/>
+                </a:solidFill>
+                <a:latin typeface="Montserrat" pitchFamily="2" charset="77"/>
+                <a:cs typeface="Impact"/>
+              </a:rPr>
+              <a:t>#1 partner for businesses to harness the power of data </a:t>
+            </a:r>
+            <a:br>
+              <a:rPr lang="en-US" sz="4400" b="1" i="0" cap="all" noProof="0" dirty="0">
+                <a:solidFill>
+                  <a:schemeClr val="bg1"/>
+                </a:solidFill>
+                <a:latin typeface="Montserrat" pitchFamily="2" charset="77"/>
+                <a:cs typeface="Impact"/>
+              </a:rPr>
+            </a:br>
+            <a:r>
+              <a:rPr lang="en-US" sz="4400" b="1" i="0" cap="all" noProof="0" dirty="0">
+                <a:solidFill>
+                  <a:schemeClr val="bg1"/>
+                </a:solidFill>
+                <a:latin typeface="Montserrat" pitchFamily="2" charset="77"/>
+                <a:cs typeface="Impact"/>
+              </a:rPr>
+              <a:t>for a smarter life</a:t>
+            </a:r>
+            <a:endParaRPr lang="en-US" sz="4400" b="1" i="0" cap="all" noProof="0" dirty="0">
+              <a:solidFill>
+                <a:schemeClr val="bg1"/>
+              </a:solidFill>
+              <a:latin typeface="Montserrat" pitchFamily="2" charset="77"/>
+              <a:cs typeface="Open Sans" panose="020B0606030504020204" pitchFamily="34" charset="0"/>
+            </a:endParaRPr>
+          </a:p>
+        </p:txBody>
+      </p:sp>
+    </p:spTree>
+    <p:extLst>
+      <p:ext uri="{BB962C8B-B14F-4D97-AF65-F5344CB8AC3E}">
+        <p14:creationId xmlns:p14="http://schemas.microsoft.com/office/powerpoint/2010/main" val="1892944340"/>
+      </p:ext>
+    </p:extLst>
+  </p:cSld>
+  <p:clrMapOvr>
+    <a:masterClrMapping/>
+  </p:clrMapOvr>
+</p:sldLayout>
+</file>
+
+<file path=ppt/slideLayouts/slideLayout21.xml><?xml version="1.0" encoding="utf-8"?>
 <p:sldLayout xmlns:a="http://schemas.openxmlformats.org/drawingml/2006/main" xmlns:r="http://schemas.openxmlformats.org/officeDocument/2006/relationships" xmlns:p="http://schemas.openxmlformats.org/presentationml/2006/main" preserve="1" userDrawn="1">
   <p:cSld name="Outro Trivadis Logo">
     <p:bg>
@@ -3935,10 +4474,10 @@
       </p:grpSpPr>
       <p:pic>
         <p:nvPicPr>
-          <p:cNvPr id="5" name="Grafik 9">
+          <p:cNvPr id="3" name="Picture 2" descr="A picture containing text, clipart&#10;&#10;Description automatically generated">
             <a:extLst>
               <a:ext uri="{FF2B5EF4-FFF2-40B4-BE49-F238E27FC236}">
-                <a16:creationId xmlns:a16="http://schemas.microsoft.com/office/drawing/2014/main" id="{B7B2D3E9-C883-E94B-8958-523247E1404F}"/>
+                <a16:creationId xmlns:a16="http://schemas.microsoft.com/office/drawing/2014/main" id="{07BA4C07-10A2-6041-ACE0-479B21F285F2}"/>
               </a:ext>
             </a:extLst>
           </p:cNvPr>
@@ -3948,21 +4487,15 @@
           <p:nvPr userDrawn="1"/>
         </p:nvPicPr>
         <p:blipFill>
-          <a:blip r:embed="rId3">
-            <a:extLst>
-              <a:ext uri="{96DAC541-7B7A-43D3-8B79-37D633B846F1}">
-                <asvg:svgBlip xmlns:asvg="http://schemas.microsoft.com/office/drawing/2016/SVG/main" r:embed="rId4"/>
-              </a:ext>
-            </a:extLst>
-          </a:blip>
+          <a:blip r:embed="rId3"/>
           <a:stretch>
             <a:fillRect/>
           </a:stretch>
         </p:blipFill>
         <p:spPr>
           <a:xfrm>
-            <a:off x="1327677" y="1925420"/>
-            <a:ext cx="6488647" cy="1292660"/>
+            <a:off x="1523549" y="1924571"/>
+            <a:ext cx="9144902" cy="3008859"/>
           </a:xfrm>
           <a:prstGeom prst="rect">
             <a:avLst/>
@@ -4020,8 +4553,8 @@
         </p:blipFill>
         <p:spPr>
           <a:xfrm>
-            <a:off x="0" y="-2"/>
-            <a:ext cx="6076509" cy="3876263"/>
+            <a:off x="1" y="-2"/>
+            <a:ext cx="8102012" cy="5168351"/>
           </a:xfrm>
           <a:prstGeom prst="rect">
             <a:avLst/>
@@ -4046,8 +4579,8 @@
         </p:nvSpPr>
         <p:spPr>
           <a:xfrm>
-            <a:off x="327916" y="293812"/>
-            <a:ext cx="5427425" cy="1021556"/>
+            <a:off x="437222" y="391749"/>
+            <a:ext cx="7236567" cy="1362075"/>
           </a:xfrm>
         </p:spPr>
         <p:txBody>
@@ -4056,7 +4589,7 @@
           </a:bodyPr>
           <a:lstStyle>
             <a:lvl1pPr algn="l">
-              <a:defRPr lang="en-US" sz="3000" b="1" i="0" kern="1200" noProof="0" dirty="0">
+              <a:defRPr lang="en-US" sz="4000" b="1" i="0" kern="1200" noProof="0" dirty="0">
                 <a:solidFill>
                   <a:schemeClr val="bg1"/>
                 </a:solidFill>
@@ -4103,8 +4636,8 @@
         </p:blipFill>
         <p:spPr>
           <a:xfrm>
-            <a:off x="7835641" y="4626159"/>
-            <a:ext cx="851159" cy="282209"/>
+            <a:off x="10447522" y="6168213"/>
+            <a:ext cx="1134879" cy="376279"/>
           </a:xfrm>
           <a:prstGeom prst="rect">
             <a:avLst/>
@@ -4153,8 +4686,8 @@
         </p:nvSpPr>
         <p:spPr>
           <a:xfrm>
-            <a:off x="775253" y="293812"/>
-            <a:ext cx="8070574" cy="333361"/>
+            <a:off x="1033671" y="391750"/>
+            <a:ext cx="10760765" cy="444481"/>
           </a:xfrm>
         </p:spPr>
         <p:txBody>
@@ -4163,7 +4696,7 @@
           </a:bodyPr>
           <a:lstStyle>
             <a:lvl1pPr algn="l">
-              <a:defRPr sz="1800" cap="all" baseline="0"/>
+              <a:defRPr sz="2400" cap="all" baseline="0"/>
             </a:lvl1pPr>
           </a:lstStyle>
           <a:p>
@@ -4187,8 +4720,8 @@
         </p:nvSpPr>
         <p:spPr>
           <a:xfrm>
-            <a:off x="3210339" y="1962870"/>
-            <a:ext cx="5635487" cy="2519678"/>
+            <a:off x="4280453" y="2617160"/>
+            <a:ext cx="7513983" cy="3359571"/>
           </a:xfrm>
         </p:spPr>
         <p:txBody>
@@ -4196,7 +4729,7 @@
             <a:normAutofit/>
           </a:bodyPr>
           <a:lstStyle>
-            <a:lvl1pPr marL="257175" indent="-171450" algn="l" defTabSz="685800" rtl="0" eaLnBrk="1" latinLnBrk="0" hangingPunct="1">
+            <a:lvl1pPr marL="342891" indent="-228594" algn="l" defTabSz="914377" rtl="0" eaLnBrk="1" latinLnBrk="0" hangingPunct="1">
               <a:lnSpc>
                 <a:spcPct val="90000"/>
               </a:lnSpc>
@@ -4205,7 +4738,7 @@
               </a:buClr>
               <a:buFont typeface="Wingdings" pitchFamily="2" charset="2"/>
               <a:buChar char="§"/>
-              <a:defRPr lang="en-US" sz="1350" b="0" kern="1200" baseline="0" dirty="0" smtClean="0">
+              <a:defRPr lang="en-US" sz="1800" b="0" kern="1200" baseline="0" dirty="0" smtClean="0">
                 <a:solidFill>
                   <a:srgbClr val="1E2846"/>
                 </a:solidFill>
@@ -4214,7 +4747,7 @@
                 <a:cs typeface="Open Sans Light" panose="020B0306030504020204" pitchFamily="34" charset="0"/>
               </a:defRPr>
             </a:lvl1pPr>
-            <a:lvl2pPr marL="557213" indent="-171450" algn="l" defTabSz="685800" rtl="0" eaLnBrk="1" latinLnBrk="0" hangingPunct="1">
+            <a:lvl2pPr marL="742932" indent="-228594" algn="l" defTabSz="914377" rtl="0" eaLnBrk="1" latinLnBrk="0" hangingPunct="1">
               <a:lnSpc>
                 <a:spcPct val="90000"/>
               </a:lnSpc>
@@ -4223,7 +4756,7 @@
               </a:buClr>
               <a:buFont typeface="Courier New" panose="02070309020205020404" pitchFamily="49" charset="0"/>
               <a:buChar char="o"/>
-              <a:defRPr lang="en-US" sz="1350" b="0" kern="1200" baseline="0" dirty="0" smtClean="0">
+              <a:defRPr lang="en-US" sz="1800" b="0" kern="1200" baseline="0" dirty="0" smtClean="0">
                 <a:solidFill>
                   <a:srgbClr val="1E2846"/>
                 </a:solidFill>
@@ -4232,7 +4765,7 @@
                 <a:cs typeface="Open Sans Light" panose="020B0306030504020204" pitchFamily="34" charset="0"/>
               </a:defRPr>
             </a:lvl2pPr>
-            <a:lvl3pPr marL="857250" indent="-171450" algn="l" defTabSz="685800" rtl="0" eaLnBrk="1" latinLnBrk="0" hangingPunct="1">
+            <a:lvl3pPr marL="1142971" indent="-228594" algn="l" defTabSz="914377" rtl="0" eaLnBrk="1" latinLnBrk="0" hangingPunct="1">
               <a:lnSpc>
                 <a:spcPct val="90000"/>
               </a:lnSpc>
@@ -4241,7 +4774,7 @@
               </a:buClr>
               <a:buFont typeface="Courier New" panose="02070309020205020404" pitchFamily="49" charset="0"/>
               <a:buChar char="o"/>
-              <a:defRPr lang="en-US" sz="1350" b="0" kern="1200" baseline="0" dirty="0" smtClean="0">
+              <a:defRPr lang="en-US" sz="1800" b="0" kern="1200" baseline="0" dirty="0" smtClean="0">
                 <a:solidFill>
                   <a:srgbClr val="1E2846"/>
                 </a:solidFill>
@@ -4250,7 +4783,7 @@
                 <a:cs typeface="Open Sans Light" panose="020B0306030504020204" pitchFamily="34" charset="0"/>
               </a:defRPr>
             </a:lvl3pPr>
-            <a:lvl4pPr marL="1200150" indent="-171450" algn="l" defTabSz="685800" rtl="0" eaLnBrk="1" latinLnBrk="0" hangingPunct="1">
+            <a:lvl4pPr marL="1600160" indent="-228594" algn="l" defTabSz="914377" rtl="0" eaLnBrk="1" latinLnBrk="0" hangingPunct="1">
               <a:lnSpc>
                 <a:spcPct val="90000"/>
               </a:lnSpc>
@@ -4259,7 +4792,7 @@
               </a:buClr>
               <a:buFont typeface="Courier New" panose="02070309020205020404" pitchFamily="49" charset="0"/>
               <a:buChar char="o"/>
-              <a:defRPr lang="en-US" sz="1350" b="0" kern="1200" baseline="0" dirty="0" smtClean="0">
+              <a:defRPr lang="en-US" sz="1800" b="0" kern="1200" baseline="0" dirty="0" smtClean="0">
                 <a:solidFill>
                   <a:srgbClr val="1E2846"/>
                 </a:solidFill>
@@ -4268,7 +4801,7 @@
                 <a:cs typeface="Open Sans Light" panose="020B0306030504020204" pitchFamily="34" charset="0"/>
               </a:defRPr>
             </a:lvl4pPr>
-            <a:lvl5pPr marL="1543050" indent="-171450" algn="l" defTabSz="685800" rtl="0" eaLnBrk="1" latinLnBrk="0" hangingPunct="1">
+            <a:lvl5pPr marL="2057349" indent="-228594" algn="l" defTabSz="914377" rtl="0" eaLnBrk="1" latinLnBrk="0" hangingPunct="1">
               <a:lnSpc>
                 <a:spcPct val="90000"/>
               </a:lnSpc>
@@ -4277,7 +4810,7 @@
               </a:buClr>
               <a:buFont typeface="Courier New" panose="02070309020205020404" pitchFamily="49" charset="0"/>
               <a:buChar char="o"/>
-              <a:defRPr lang="en-US" sz="1350" b="0" kern="1200" baseline="0" dirty="0">
+              <a:defRPr lang="en-US" sz="1800" b="0" kern="1200" baseline="0" dirty="0">
                 <a:solidFill>
                   <a:srgbClr val="1E2846"/>
                 </a:solidFill>
@@ -4312,15 +4845,15 @@
         </p:nvSpPr>
         <p:spPr>
           <a:xfrm>
-            <a:off x="340913" y="293812"/>
-            <a:ext cx="434340" cy="324446"/>
+            <a:off x="454551" y="391749"/>
+            <a:ext cx="579120" cy="432595"/>
           </a:xfrm>
           <a:prstGeom prst="rect">
             <a:avLst/>
           </a:prstGeom>
         </p:spPr>
         <p:txBody>
-          <a:bodyPr vert="horz" lIns="68580" tIns="34290" rIns="68580" bIns="34290" rtlCol="0" anchor="ctr"/>
+          <a:bodyPr vert="horz" lIns="91440" tIns="45720" rIns="91440" bIns="45720" rtlCol="0" anchor="ctr"/>
           <a:lstStyle>
             <a:defPPr>
               <a:defRPr lang="en-US"/>
@@ -4418,11 +4951,11 @@
           </a:lstStyle>
           <a:p>
             <a:fld id="{C5EF2332-01BF-834F-8236-50238282D533}" type="slidenum">
-              <a:rPr lang="en-US" sz="1500" smtClean="0"/>
+              <a:rPr lang="en-US" sz="2000" smtClean="0"/>
               <a:pPr/>
               <a:t>‹#›</a:t>
             </a:fld>
-            <a:endParaRPr lang="en-US" sz="1500" dirty="0"/>
+            <a:endParaRPr lang="en-US" sz="2000" dirty="0"/>
           </a:p>
         </p:txBody>
       </p:sp>
@@ -4454,8 +4987,8 @@
         </p:blipFill>
         <p:spPr>
           <a:xfrm>
-            <a:off x="6199531" y="4561185"/>
-            <a:ext cx="2646296" cy="295307"/>
+            <a:off x="8266041" y="6081581"/>
+            <a:ext cx="3528395" cy="393743"/>
           </a:xfrm>
           <a:prstGeom prst="rect">
             <a:avLst/>
@@ -4477,8 +5010,8 @@
         </p:nvSpPr>
         <p:spPr>
           <a:xfrm>
-            <a:off x="7484338" y="4615234"/>
-            <a:ext cx="1207361" cy="248209"/>
+            <a:off x="9979118" y="6153645"/>
+            <a:ext cx="1609815" cy="300210"/>
           </a:xfrm>
           <a:prstGeom prst="rect">
             <a:avLst/>
@@ -4491,7 +5024,7 @@
           </a:bodyPr>
           <a:lstStyle/>
           <a:p>
-            <a:endParaRPr lang="en-US" sz="1013" noProof="0"/>
+            <a:endParaRPr lang="en-US" sz="1351" noProof="0"/>
           </a:p>
         </p:txBody>
       </p:sp>
@@ -4513,8 +5046,8 @@
         </p:nvSpPr>
         <p:spPr>
           <a:xfrm>
-            <a:off x="298174" y="1302026"/>
-            <a:ext cx="2723321" cy="2773018"/>
+            <a:off x="397566" y="1736035"/>
+            <a:ext cx="3631095" cy="3697357"/>
           </a:xfrm>
           <a:prstGeom prst="flowChartConnector">
             <a:avLst/>
@@ -4525,7 +5058,7 @@
           <a:lstStyle>
             <a:lvl1pPr marL="0" indent="0">
               <a:buNone/>
-              <a:defRPr lang="de-CH" sz="1350" b="1" kern="1200" baseline="0" dirty="0">
+              <a:defRPr lang="de-CH" sz="1800" b="1" kern="1200" baseline="0" dirty="0">
                 <a:solidFill>
                   <a:schemeClr val="bg1"/>
                 </a:solidFill>
@@ -4561,8 +5094,8 @@
         </p:nvSpPr>
         <p:spPr>
           <a:xfrm>
-            <a:off x="3210338" y="1303375"/>
-            <a:ext cx="5635487" cy="269789"/>
+            <a:off x="4280451" y="1737834"/>
+            <a:ext cx="7513983" cy="359719"/>
           </a:xfrm>
           <a:prstGeom prst="rect">
             <a:avLst/>
@@ -4575,7 +5108,7 @@
           <a:lstStyle>
             <a:lvl1pPr marL="0" indent="0">
               <a:buNone/>
-              <a:defRPr lang="de-DE" sz="1800" b="1" kern="1200" cap="all" spc="75" baseline="0" dirty="0" smtClean="0">
+              <a:defRPr lang="de-DE" sz="2400" b="1" kern="1200" cap="all" spc="100" baseline="0" dirty="0" smtClean="0">
                 <a:solidFill>
                   <a:srgbClr val="1E2846"/>
                 </a:solidFill>
@@ -4612,8 +5145,8 @@
         </p:nvSpPr>
         <p:spPr>
           <a:xfrm>
-            <a:off x="3209716" y="1598067"/>
-            <a:ext cx="5635487" cy="310754"/>
+            <a:off x="4279622" y="2130756"/>
+            <a:ext cx="7513983" cy="414339"/>
           </a:xfrm>
           <a:prstGeom prst="rect">
             <a:avLst/>
@@ -4626,7 +5159,7 @@
           <a:lstStyle>
             <a:lvl1pPr marL="0" indent="0">
               <a:buNone/>
-              <a:defRPr lang="de-CH" sz="1800" b="0" kern="1200" cap="all" spc="75" baseline="0" dirty="0" smtClean="0">
+              <a:defRPr lang="de-CH" sz="2400" b="0" kern="1200" cap="all" spc="100" baseline="0" dirty="0" smtClean="0">
                 <a:solidFill>
                   <a:srgbClr val="1E2846"/>
                 </a:solidFill>
@@ -4674,8 +5207,8 @@
         </p:blipFill>
         <p:spPr>
           <a:xfrm>
-            <a:off x="2024711" y="4128466"/>
-            <a:ext cx="424967" cy="432719"/>
+            <a:off x="2699615" y="5504622"/>
+            <a:ext cx="566623" cy="576959"/>
           </a:xfrm>
           <a:prstGeom prst="rect">
             <a:avLst/>
@@ -4710,8 +5243,8 @@
         </p:blipFill>
         <p:spPr>
           <a:xfrm>
-            <a:off x="1439667" y="4128466"/>
-            <a:ext cx="424967" cy="432719"/>
+            <a:off x="1919557" y="5504622"/>
+            <a:ext cx="566623" cy="576959"/>
           </a:xfrm>
           <a:prstGeom prst="rect">
             <a:avLst/>
@@ -4746,8 +5279,8 @@
         </p:blipFill>
         <p:spPr>
           <a:xfrm>
-            <a:off x="854622" y="4122183"/>
-            <a:ext cx="424967" cy="432719"/>
+            <a:off x="1139497" y="5496245"/>
+            <a:ext cx="566623" cy="576959"/>
           </a:xfrm>
           <a:prstGeom prst="rect">
             <a:avLst/>
@@ -4769,6 +5302,379 @@
 
 <file path=ppt/slideLayouts/slideLayout5.xml><?xml version="1.0" encoding="utf-8"?>
 <p:sldLayout xmlns:a="http://schemas.openxmlformats.org/drawingml/2006/main" xmlns:r="http://schemas.openxmlformats.org/officeDocument/2006/relationships" xmlns:p="http://schemas.openxmlformats.org/presentationml/2006/main" type="obj" preserve="1">
+  <p:cSld name="Agenda">
+    <p:spTree>
+      <p:nvGrpSpPr>
+        <p:cNvPr id="1" name=""/>
+        <p:cNvGrpSpPr/>
+        <p:nvPr/>
+      </p:nvGrpSpPr>
+      <p:grpSpPr>
+        <a:xfrm>
+          <a:off x="0" y="0"/>
+          <a:ext cx="0" cy="0"/>
+          <a:chOff x="0" y="0"/>
+          <a:chExt cx="0" cy="0"/>
+        </a:xfrm>
+      </p:grpSpPr>
+      <p:sp>
+        <p:nvSpPr>
+          <p:cNvPr id="2" name="Title 1"/>
+          <p:cNvSpPr>
+            <a:spLocks noGrp="1"/>
+          </p:cNvSpPr>
+          <p:nvPr>
+            <p:ph type="title"/>
+          </p:nvPr>
+        </p:nvSpPr>
+        <p:spPr>
+          <a:xfrm>
+            <a:off x="1033671" y="391750"/>
+            <a:ext cx="10760765" cy="444481"/>
+          </a:xfrm>
+        </p:spPr>
+        <p:txBody>
+          <a:bodyPr/>
+          <a:lstStyle>
+            <a:lvl1pPr algn="l">
+              <a:defRPr/>
+            </a:lvl1pPr>
+          </a:lstStyle>
+          <a:p>
+            <a:r>
+              <a:rPr lang="en-GB"/>
+              <a:t>Click to edit Master title style</a:t>
+            </a:r>
+            <a:endParaRPr lang="en-US" dirty="0"/>
+          </a:p>
+        </p:txBody>
+      </p:sp>
+      <p:sp>
+        <p:nvSpPr>
+          <p:cNvPr id="3" name="Content Placeholder 2"/>
+          <p:cNvSpPr>
+            <a:spLocks noGrp="1"/>
+          </p:cNvSpPr>
+          <p:nvPr>
+            <p:ph idx="1"/>
+          </p:nvPr>
+        </p:nvSpPr>
+        <p:spPr/>
+        <p:txBody>
+          <a:bodyPr>
+            <a:normAutofit/>
+          </a:bodyPr>
+          <a:lstStyle>
+            <a:lvl1pPr marL="342891" indent="-228594" algn="l" defTabSz="914377" rtl="0" eaLnBrk="1" latinLnBrk="0" hangingPunct="1">
+              <a:lnSpc>
+                <a:spcPct val="90000"/>
+              </a:lnSpc>
+              <a:buClr>
+                <a:srgbClr val="9600FF"/>
+              </a:buClr>
+              <a:buFont typeface="Wingdings" pitchFamily="2" charset="2"/>
+              <a:buChar char="§"/>
+              <a:defRPr lang="en-US" sz="1800" b="0" kern="1200" baseline="0" dirty="0" smtClean="0">
+                <a:solidFill>
+                  <a:srgbClr val="1E2846"/>
+                </a:solidFill>
+                <a:latin typeface="Open Sans Light" panose="020B0306030504020204" pitchFamily="34" charset="0"/>
+                <a:ea typeface="Open Sans Light" panose="020B0306030504020204" pitchFamily="34" charset="0"/>
+                <a:cs typeface="Open Sans Light" panose="020B0306030504020204" pitchFamily="34" charset="0"/>
+              </a:defRPr>
+            </a:lvl1pPr>
+            <a:lvl2pPr marL="742932" indent="-228594" algn="l" defTabSz="914377" rtl="0" eaLnBrk="1" latinLnBrk="0" hangingPunct="1">
+              <a:lnSpc>
+                <a:spcPct val="90000"/>
+              </a:lnSpc>
+              <a:buClr>
+                <a:srgbClr val="9600FF"/>
+              </a:buClr>
+              <a:buFont typeface="Courier New" panose="02070309020205020404" pitchFamily="49" charset="0"/>
+              <a:buChar char="o"/>
+              <a:defRPr lang="en-US" sz="1800" b="0" kern="1200" baseline="0" dirty="0" smtClean="0">
+                <a:solidFill>
+                  <a:srgbClr val="1E2846"/>
+                </a:solidFill>
+                <a:latin typeface="Open Sans Light" panose="020B0306030504020204" pitchFamily="34" charset="0"/>
+                <a:ea typeface="Open Sans Light" panose="020B0306030504020204" pitchFamily="34" charset="0"/>
+                <a:cs typeface="Open Sans Light" panose="020B0306030504020204" pitchFamily="34" charset="0"/>
+              </a:defRPr>
+            </a:lvl2pPr>
+            <a:lvl3pPr marL="1142971" indent="-228594" algn="l" defTabSz="914377" rtl="0" eaLnBrk="1" latinLnBrk="0" hangingPunct="1">
+              <a:lnSpc>
+                <a:spcPct val="90000"/>
+              </a:lnSpc>
+              <a:buClr>
+                <a:srgbClr val="9600FF"/>
+              </a:buClr>
+              <a:buFont typeface="Courier New" panose="02070309020205020404" pitchFamily="49" charset="0"/>
+              <a:buChar char="o"/>
+              <a:defRPr lang="en-US" sz="1800" b="0" kern="1200" baseline="0" dirty="0" smtClean="0">
+                <a:solidFill>
+                  <a:srgbClr val="1E2846"/>
+                </a:solidFill>
+                <a:latin typeface="Open Sans Light" panose="020B0306030504020204" pitchFamily="34" charset="0"/>
+                <a:ea typeface="Open Sans Light" panose="020B0306030504020204" pitchFamily="34" charset="0"/>
+                <a:cs typeface="Open Sans Light" panose="020B0306030504020204" pitchFamily="34" charset="0"/>
+              </a:defRPr>
+            </a:lvl3pPr>
+            <a:lvl4pPr marL="1600160" indent="-228594" algn="l" defTabSz="914377" rtl="0" eaLnBrk="1" latinLnBrk="0" hangingPunct="1">
+              <a:lnSpc>
+                <a:spcPct val="90000"/>
+              </a:lnSpc>
+              <a:buClr>
+                <a:srgbClr val="9600FF"/>
+              </a:buClr>
+              <a:buFont typeface="Courier New" panose="02070309020205020404" pitchFamily="49" charset="0"/>
+              <a:buChar char="o"/>
+              <a:defRPr lang="en-US" sz="1800" b="0" kern="1200" baseline="0" dirty="0" smtClean="0">
+                <a:solidFill>
+                  <a:srgbClr val="1E2846"/>
+                </a:solidFill>
+                <a:latin typeface="Open Sans Light" panose="020B0306030504020204" pitchFamily="34" charset="0"/>
+                <a:ea typeface="Open Sans Light" panose="020B0306030504020204" pitchFamily="34" charset="0"/>
+                <a:cs typeface="Open Sans Light" panose="020B0306030504020204" pitchFamily="34" charset="0"/>
+              </a:defRPr>
+            </a:lvl4pPr>
+            <a:lvl5pPr marL="2057349" indent="-228594" algn="l" defTabSz="914377" rtl="0" eaLnBrk="1" latinLnBrk="0" hangingPunct="1">
+              <a:lnSpc>
+                <a:spcPct val="90000"/>
+              </a:lnSpc>
+              <a:buClr>
+                <a:srgbClr val="9600FF"/>
+              </a:buClr>
+              <a:buFont typeface="Courier New" panose="02070309020205020404" pitchFamily="49" charset="0"/>
+              <a:buChar char="o"/>
+              <a:defRPr lang="en-US" sz="1800" b="0" kern="1200" baseline="0" dirty="0">
+                <a:solidFill>
+                  <a:srgbClr val="1E2846"/>
+                </a:solidFill>
+                <a:latin typeface="Open Sans Light" panose="020B0306030504020204" pitchFamily="34" charset="0"/>
+                <a:ea typeface="Open Sans Light" panose="020B0306030504020204" pitchFamily="34" charset="0"/>
+                <a:cs typeface="Open Sans Light" panose="020B0306030504020204" pitchFamily="34" charset="0"/>
+              </a:defRPr>
+            </a:lvl5pPr>
+          </a:lstStyle>
+          <a:p>
+            <a:pPr lvl="0"/>
+            <a:r>
+              <a:rPr lang="en-GB" dirty="0"/>
+              <a:t>Click to edit Master text styles</a:t>
+            </a:r>
+          </a:p>
+          <a:p>
+            <a:pPr lvl="1"/>
+            <a:r>
+              <a:rPr lang="en-GB" dirty="0"/>
+              <a:t>Second level</a:t>
+            </a:r>
+          </a:p>
+          <a:p>
+            <a:pPr lvl="2"/>
+            <a:r>
+              <a:rPr lang="en-GB" dirty="0"/>
+              <a:t>Third level</a:t>
+            </a:r>
+          </a:p>
+          <a:p>
+            <a:pPr lvl="3"/>
+            <a:r>
+              <a:rPr lang="en-GB" dirty="0"/>
+              <a:t>Fourth level</a:t>
+            </a:r>
+          </a:p>
+          <a:p>
+            <a:pPr lvl="4"/>
+            <a:r>
+              <a:rPr lang="en-GB" dirty="0"/>
+              <a:t>Fifth level</a:t>
+            </a:r>
+            <a:endParaRPr lang="en-US" dirty="0"/>
+          </a:p>
+        </p:txBody>
+      </p:sp>
+      <p:sp>
+        <p:nvSpPr>
+          <p:cNvPr id="5" name="Slide Number Placeholder 5">
+            <a:extLst>
+              <a:ext uri="{FF2B5EF4-FFF2-40B4-BE49-F238E27FC236}">
+                <a16:creationId xmlns:a16="http://schemas.microsoft.com/office/drawing/2014/main" id="{6370B13A-601D-2141-81B9-08398F1C9740}"/>
+              </a:ext>
+            </a:extLst>
+          </p:cNvPr>
+          <p:cNvSpPr txBox="1">
+            <a:spLocks/>
+          </p:cNvSpPr>
+          <p:nvPr userDrawn="1"/>
+        </p:nvSpPr>
+        <p:spPr>
+          <a:xfrm>
+            <a:off x="454551" y="391749"/>
+            <a:ext cx="579120" cy="432595"/>
+          </a:xfrm>
+          <a:prstGeom prst="rect">
+            <a:avLst/>
+          </a:prstGeom>
+        </p:spPr>
+        <p:txBody>
+          <a:bodyPr vert="horz" lIns="91440" tIns="45720" rIns="91440" bIns="45720" rtlCol="0" anchor="ctr"/>
+          <a:lstStyle>
+            <a:defPPr>
+              <a:defRPr lang="en-US"/>
+            </a:defPPr>
+            <a:lvl1pPr marL="0" algn="r" defTabSz="457200" rtl="0" eaLnBrk="1" latinLnBrk="0" hangingPunct="1">
+              <a:defRPr sz="2000" b="1" i="0" kern="1200">
+                <a:solidFill>
+                  <a:srgbClr val="9601FF"/>
+                </a:solidFill>
+                <a:latin typeface="Montserrat" pitchFamily="2" charset="77"/>
+                <a:ea typeface="+mn-ea"/>
+                <a:cs typeface="+mn-cs"/>
+              </a:defRPr>
+            </a:lvl1pPr>
+            <a:lvl2pPr marL="457200" algn="l" defTabSz="457200" rtl="0" eaLnBrk="1" latinLnBrk="0" hangingPunct="1">
+              <a:defRPr sz="1800" kern="1200">
+                <a:solidFill>
+                  <a:schemeClr val="tx1"/>
+                </a:solidFill>
+                <a:latin typeface="+mn-lt"/>
+                <a:ea typeface="+mn-ea"/>
+                <a:cs typeface="+mn-cs"/>
+              </a:defRPr>
+            </a:lvl2pPr>
+            <a:lvl3pPr marL="914400" algn="l" defTabSz="457200" rtl="0" eaLnBrk="1" latinLnBrk="0" hangingPunct="1">
+              <a:defRPr sz="1800" kern="1200">
+                <a:solidFill>
+                  <a:schemeClr val="tx1"/>
+                </a:solidFill>
+                <a:latin typeface="+mn-lt"/>
+                <a:ea typeface="+mn-ea"/>
+                <a:cs typeface="+mn-cs"/>
+              </a:defRPr>
+            </a:lvl3pPr>
+            <a:lvl4pPr marL="1371600" algn="l" defTabSz="457200" rtl="0" eaLnBrk="1" latinLnBrk="0" hangingPunct="1">
+              <a:defRPr sz="1800" kern="1200">
+                <a:solidFill>
+                  <a:schemeClr val="tx1"/>
+                </a:solidFill>
+                <a:latin typeface="+mn-lt"/>
+                <a:ea typeface="+mn-ea"/>
+                <a:cs typeface="+mn-cs"/>
+              </a:defRPr>
+            </a:lvl4pPr>
+            <a:lvl5pPr marL="1828800" algn="l" defTabSz="457200" rtl="0" eaLnBrk="1" latinLnBrk="0" hangingPunct="1">
+              <a:defRPr sz="1800" kern="1200">
+                <a:solidFill>
+                  <a:schemeClr val="tx1"/>
+                </a:solidFill>
+                <a:latin typeface="+mn-lt"/>
+                <a:ea typeface="+mn-ea"/>
+                <a:cs typeface="+mn-cs"/>
+              </a:defRPr>
+            </a:lvl5pPr>
+            <a:lvl6pPr marL="2286000" algn="l" defTabSz="457200" rtl="0" eaLnBrk="1" latinLnBrk="0" hangingPunct="1">
+              <a:defRPr sz="1800" kern="1200">
+                <a:solidFill>
+                  <a:schemeClr val="tx1"/>
+                </a:solidFill>
+                <a:latin typeface="+mn-lt"/>
+                <a:ea typeface="+mn-ea"/>
+                <a:cs typeface="+mn-cs"/>
+              </a:defRPr>
+            </a:lvl6pPr>
+            <a:lvl7pPr marL="2743200" algn="l" defTabSz="457200" rtl="0" eaLnBrk="1" latinLnBrk="0" hangingPunct="1">
+              <a:defRPr sz="1800" kern="1200">
+                <a:solidFill>
+                  <a:schemeClr val="tx1"/>
+                </a:solidFill>
+                <a:latin typeface="+mn-lt"/>
+                <a:ea typeface="+mn-ea"/>
+                <a:cs typeface="+mn-cs"/>
+              </a:defRPr>
+            </a:lvl7pPr>
+            <a:lvl8pPr marL="3200400" algn="l" defTabSz="457200" rtl="0" eaLnBrk="1" latinLnBrk="0" hangingPunct="1">
+              <a:defRPr sz="1800" kern="1200">
+                <a:solidFill>
+                  <a:schemeClr val="tx1"/>
+                </a:solidFill>
+                <a:latin typeface="+mn-lt"/>
+                <a:ea typeface="+mn-ea"/>
+                <a:cs typeface="+mn-cs"/>
+              </a:defRPr>
+            </a:lvl8pPr>
+            <a:lvl9pPr marL="3657600" algn="l" defTabSz="457200" rtl="0" eaLnBrk="1" latinLnBrk="0" hangingPunct="1">
+              <a:defRPr sz="1800" kern="1200">
+                <a:solidFill>
+                  <a:schemeClr val="tx1"/>
+                </a:solidFill>
+                <a:latin typeface="+mn-lt"/>
+                <a:ea typeface="+mn-ea"/>
+                <a:cs typeface="+mn-cs"/>
+              </a:defRPr>
+            </a:lvl9pPr>
+          </a:lstStyle>
+          <a:p>
+            <a:fld id="{C5EF2332-01BF-834F-8236-50238282D533}" type="slidenum">
+              <a:rPr lang="en-US" sz="2000" smtClean="0"/>
+              <a:pPr/>
+              <a:t>‹#›</a:t>
+            </a:fld>
+            <a:endParaRPr lang="en-US" sz="2000" dirty="0"/>
+          </a:p>
+        </p:txBody>
+      </p:sp>
+      <p:pic>
+        <p:nvPicPr>
+          <p:cNvPr id="6" name="Grafik 6">
+            <a:extLst>
+              <a:ext uri="{FF2B5EF4-FFF2-40B4-BE49-F238E27FC236}">
+                <a16:creationId xmlns:a16="http://schemas.microsoft.com/office/drawing/2014/main" id="{7D32D346-7AD6-D343-80E0-5A92C6B43FFB}"/>
+              </a:ext>
+            </a:extLst>
+          </p:cNvPr>
+          <p:cNvPicPr>
+            <a:picLocks noChangeAspect="1"/>
+          </p:cNvPicPr>
+          <p:nvPr userDrawn="1"/>
+        </p:nvPicPr>
+        <p:blipFill>
+          <a:blip r:embed="rId2">
+            <a:extLst>
+              <a:ext uri="{28A0092B-C50C-407E-A947-70E740481C1C}">
+                <a14:useLocalDpi xmlns:a14="http://schemas.microsoft.com/office/drawing/2010/main" val="0"/>
+              </a:ext>
+            </a:extLst>
+          </a:blip>
+          <a:stretch>
+            <a:fillRect/>
+          </a:stretch>
+        </p:blipFill>
+        <p:spPr>
+          <a:xfrm>
+            <a:off x="10447522" y="6168213"/>
+            <a:ext cx="1134879" cy="376279"/>
+          </a:xfrm>
+          <a:prstGeom prst="rect">
+            <a:avLst/>
+          </a:prstGeom>
+        </p:spPr>
+      </p:pic>
+    </p:spTree>
+    <p:extLst>
+      <p:ext uri="{BB962C8B-B14F-4D97-AF65-F5344CB8AC3E}">
+        <p14:creationId xmlns:p14="http://schemas.microsoft.com/office/powerpoint/2010/main" val="3063632115"/>
+      </p:ext>
+    </p:extLst>
+  </p:cSld>
+  <p:clrMapOvr>
+    <a:masterClrMapping/>
+  </p:clrMapOvr>
+</p:sldLayout>
+</file>
+
+<file path=ppt/slideLayouts/slideLayout6.xml><?xml version="1.0" encoding="utf-8"?>
+<p:sldLayout xmlns:a="http://schemas.openxmlformats.org/drawingml/2006/main" xmlns:r="http://schemas.openxmlformats.org/officeDocument/2006/relationships" xmlns:p="http://schemas.openxmlformats.org/presentationml/2006/main" type="obj" preserve="1">
   <p:cSld name="Title and Content">
     <p:spTree>
       <p:nvGrpSpPr>
@@ -4796,8 +5702,8 @@
         </p:nvSpPr>
         <p:spPr>
           <a:xfrm>
-            <a:off x="775253" y="293812"/>
-            <a:ext cx="8070574" cy="333361"/>
+            <a:off x="1033671" y="391750"/>
+            <a:ext cx="10760765" cy="444481"/>
           </a:xfrm>
         </p:spPr>
         <p:txBody>
@@ -4832,7 +5738,7 @@
             <a:normAutofit/>
           </a:bodyPr>
           <a:lstStyle>
-            <a:lvl1pPr marL="257175" indent="-171450" algn="l" defTabSz="685800" rtl="0" eaLnBrk="1" latinLnBrk="0" hangingPunct="1">
+            <a:lvl1pPr marL="342891" indent="-228594" algn="l" defTabSz="914377" rtl="0" eaLnBrk="1" latinLnBrk="0" hangingPunct="1">
               <a:lnSpc>
                 <a:spcPct val="90000"/>
               </a:lnSpc>
@@ -4841,7 +5747,7 @@
               </a:buClr>
               <a:buFont typeface="Wingdings" pitchFamily="2" charset="2"/>
               <a:buChar char="§"/>
-              <a:defRPr lang="en-US" sz="1350" b="0" kern="1200" baseline="0" dirty="0" smtClean="0">
+              <a:defRPr lang="en-US" sz="1800" b="0" kern="1200" baseline="0" dirty="0" smtClean="0">
                 <a:solidFill>
                   <a:srgbClr val="1E2846"/>
                 </a:solidFill>
@@ -4850,7 +5756,7 @@
                 <a:cs typeface="Open Sans Light" panose="020B0306030504020204" pitchFamily="34" charset="0"/>
               </a:defRPr>
             </a:lvl1pPr>
-            <a:lvl2pPr marL="557213" indent="-171450" algn="l" defTabSz="685800" rtl="0" eaLnBrk="1" latinLnBrk="0" hangingPunct="1">
+            <a:lvl2pPr marL="742932" indent="-228594" algn="l" defTabSz="914377" rtl="0" eaLnBrk="1" latinLnBrk="0" hangingPunct="1">
               <a:lnSpc>
                 <a:spcPct val="90000"/>
               </a:lnSpc>
@@ -4859,7 +5765,7 @@
               </a:buClr>
               <a:buFont typeface="Courier New" panose="02070309020205020404" pitchFamily="49" charset="0"/>
               <a:buChar char="o"/>
-              <a:defRPr lang="en-US" sz="1350" b="0" kern="1200" baseline="0" dirty="0" smtClean="0">
+              <a:defRPr lang="en-US" sz="1800" b="0" kern="1200" baseline="0" dirty="0" smtClean="0">
                 <a:solidFill>
                   <a:srgbClr val="1E2846"/>
                 </a:solidFill>
@@ -4868,7 +5774,7 @@
                 <a:cs typeface="Open Sans Light" panose="020B0306030504020204" pitchFamily="34" charset="0"/>
               </a:defRPr>
             </a:lvl2pPr>
-            <a:lvl3pPr marL="857250" indent="-171450" algn="l" defTabSz="685800" rtl="0" eaLnBrk="1" latinLnBrk="0" hangingPunct="1">
+            <a:lvl3pPr marL="1142971" indent="-228594" algn="l" defTabSz="914377" rtl="0" eaLnBrk="1" latinLnBrk="0" hangingPunct="1">
               <a:lnSpc>
                 <a:spcPct val="90000"/>
               </a:lnSpc>
@@ -4877,7 +5783,7 @@
               </a:buClr>
               <a:buFont typeface="Courier New" panose="02070309020205020404" pitchFamily="49" charset="0"/>
               <a:buChar char="o"/>
-              <a:defRPr lang="en-US" sz="1350" b="0" kern="1200" baseline="0" dirty="0" smtClean="0">
+              <a:defRPr lang="en-US" sz="1800" b="0" kern="1200" baseline="0" dirty="0" smtClean="0">
                 <a:solidFill>
                   <a:srgbClr val="1E2846"/>
                 </a:solidFill>
@@ -4886,7 +5792,7 @@
                 <a:cs typeface="Open Sans Light" panose="020B0306030504020204" pitchFamily="34" charset="0"/>
               </a:defRPr>
             </a:lvl3pPr>
-            <a:lvl4pPr marL="1200150" indent="-171450" algn="l" defTabSz="685800" rtl="0" eaLnBrk="1" latinLnBrk="0" hangingPunct="1">
+            <a:lvl4pPr marL="1600160" indent="-228594" algn="l" defTabSz="914377" rtl="0" eaLnBrk="1" latinLnBrk="0" hangingPunct="1">
               <a:lnSpc>
                 <a:spcPct val="90000"/>
               </a:lnSpc>
@@ -4895,7 +5801,7 @@
               </a:buClr>
               <a:buFont typeface="Courier New" panose="02070309020205020404" pitchFamily="49" charset="0"/>
               <a:buChar char="o"/>
-              <a:defRPr lang="en-US" sz="1350" b="0" kern="1200" baseline="0" dirty="0" smtClean="0">
+              <a:defRPr lang="en-US" sz="1800" b="0" kern="1200" baseline="0" dirty="0" smtClean="0">
                 <a:solidFill>
                   <a:srgbClr val="1E2846"/>
                 </a:solidFill>
@@ -4904,7 +5810,7 @@
                 <a:cs typeface="Open Sans Light" panose="020B0306030504020204" pitchFamily="34" charset="0"/>
               </a:defRPr>
             </a:lvl4pPr>
-            <a:lvl5pPr marL="1543050" indent="-171450" algn="l" defTabSz="685800" rtl="0" eaLnBrk="1" latinLnBrk="0" hangingPunct="1">
+            <a:lvl5pPr marL="2057349" indent="-228594" algn="l" defTabSz="914377" rtl="0" eaLnBrk="1" latinLnBrk="0" hangingPunct="1">
               <a:lnSpc>
                 <a:spcPct val="90000"/>
               </a:lnSpc>
@@ -4913,7 +5819,7 @@
               </a:buClr>
               <a:buFont typeface="Courier New" panose="02070309020205020404" pitchFamily="49" charset="0"/>
               <a:buChar char="o"/>
-              <a:defRPr lang="en-US" sz="1350" b="0" kern="1200" baseline="0" dirty="0">
+              <a:defRPr lang="en-US" sz="1800" b="0" kern="1200" baseline="0" dirty="0">
                 <a:solidFill>
                   <a:srgbClr val="1E2846"/>
                 </a:solidFill>
@@ -4977,15 +5883,15 @@
         </p:nvSpPr>
         <p:spPr>
           <a:xfrm>
-            <a:off x="340913" y="293812"/>
-            <a:ext cx="434340" cy="324446"/>
+            <a:off x="454551" y="391749"/>
+            <a:ext cx="579120" cy="432595"/>
           </a:xfrm>
           <a:prstGeom prst="rect">
             <a:avLst/>
           </a:prstGeom>
         </p:spPr>
         <p:txBody>
-          <a:bodyPr vert="horz" lIns="68580" tIns="34290" rIns="68580" bIns="34290" rtlCol="0" anchor="ctr"/>
+          <a:bodyPr vert="horz" lIns="91440" tIns="45720" rIns="91440" bIns="45720" rtlCol="0" anchor="ctr"/>
           <a:lstStyle>
             <a:defPPr>
               <a:defRPr lang="en-US"/>
@@ -5083,11 +5989,11 @@
           </a:lstStyle>
           <a:p>
             <a:fld id="{C5EF2332-01BF-834F-8236-50238282D533}" type="slidenum">
-              <a:rPr lang="en-US" sz="1500" smtClean="0"/>
+              <a:rPr lang="en-US" sz="2000" smtClean="0"/>
               <a:pPr/>
               <a:t>‹#›</a:t>
             </a:fld>
-            <a:endParaRPr lang="en-US" sz="1500" dirty="0"/>
+            <a:endParaRPr lang="en-US" sz="2000" dirty="0"/>
           </a:p>
         </p:txBody>
       </p:sp>
@@ -5119,8 +6025,8 @@
         </p:blipFill>
         <p:spPr>
           <a:xfrm>
-            <a:off x="7835641" y="4626159"/>
-            <a:ext cx="851159" cy="282209"/>
+            <a:off x="10447522" y="6168213"/>
+            <a:ext cx="1134879" cy="376279"/>
           </a:xfrm>
           <a:prstGeom prst="rect">
             <a:avLst/>
@@ -5140,7 +6046,7 @@
 </p:sldLayout>
 </file>
 
-<file path=ppt/slideLayouts/slideLayout6.xml><?xml version="1.0" encoding="utf-8"?>
+<file path=ppt/slideLayouts/slideLayout7.xml><?xml version="1.0" encoding="utf-8"?>
 <p:sldLayout xmlns:a="http://schemas.openxmlformats.org/drawingml/2006/main" xmlns:r="http://schemas.openxmlformats.org/officeDocument/2006/relationships" xmlns:p="http://schemas.openxmlformats.org/presentationml/2006/main" type="obj" preserve="1">
   <p:cSld name="Title, Subtitle and Content">
     <p:spTree>
@@ -5169,8 +6075,8 @@
         </p:nvSpPr>
         <p:spPr>
           <a:xfrm>
-            <a:off x="775253" y="293812"/>
-            <a:ext cx="8070574" cy="333361"/>
+            <a:off x="1033671" y="391750"/>
+            <a:ext cx="10760765" cy="444481"/>
           </a:xfrm>
         </p:spPr>
         <p:txBody>
@@ -5205,7 +6111,7 @@
             <a:normAutofit/>
           </a:bodyPr>
           <a:lstStyle>
-            <a:lvl1pPr marL="257175" indent="-171450" algn="l" defTabSz="685800" rtl="0" eaLnBrk="1" latinLnBrk="0" hangingPunct="1">
+            <a:lvl1pPr marL="342891" indent="-228594" algn="l" defTabSz="914377" rtl="0" eaLnBrk="1" latinLnBrk="0" hangingPunct="1">
               <a:lnSpc>
                 <a:spcPct val="90000"/>
               </a:lnSpc>
@@ -5214,7 +6120,7 @@
               </a:buClr>
               <a:buFont typeface="Wingdings" pitchFamily="2" charset="2"/>
               <a:buChar char="§"/>
-              <a:defRPr lang="en-US" sz="1350" b="0" kern="1200" baseline="0" dirty="0" smtClean="0">
+              <a:defRPr lang="en-US" sz="1800" b="0" kern="1200" baseline="0" dirty="0" smtClean="0">
                 <a:solidFill>
                   <a:srgbClr val="1E2846"/>
                 </a:solidFill>
@@ -5223,7 +6129,7 @@
                 <a:cs typeface="Open Sans Light" panose="020B0306030504020204" pitchFamily="34" charset="0"/>
               </a:defRPr>
             </a:lvl1pPr>
-            <a:lvl2pPr marL="557213" indent="-171450" algn="l" defTabSz="685800" rtl="0" eaLnBrk="1" latinLnBrk="0" hangingPunct="1">
+            <a:lvl2pPr marL="742932" indent="-228594" algn="l" defTabSz="914377" rtl="0" eaLnBrk="1" latinLnBrk="0" hangingPunct="1">
               <a:lnSpc>
                 <a:spcPct val="90000"/>
               </a:lnSpc>
@@ -5232,7 +6138,7 @@
               </a:buClr>
               <a:buFont typeface="Courier New" panose="02070309020205020404" pitchFamily="49" charset="0"/>
               <a:buChar char="o"/>
-              <a:defRPr lang="en-US" sz="1350" b="0" kern="1200" baseline="0" dirty="0" smtClean="0">
+              <a:defRPr lang="en-US" sz="1800" b="0" kern="1200" baseline="0" dirty="0" smtClean="0">
                 <a:solidFill>
                   <a:srgbClr val="1E2846"/>
                 </a:solidFill>
@@ -5241,7 +6147,7 @@
                 <a:cs typeface="Open Sans Light" panose="020B0306030504020204" pitchFamily="34" charset="0"/>
               </a:defRPr>
             </a:lvl2pPr>
-            <a:lvl3pPr marL="857250" indent="-171450" algn="l" defTabSz="685800" rtl="0" eaLnBrk="1" latinLnBrk="0" hangingPunct="1">
+            <a:lvl3pPr marL="1142971" indent="-228594" algn="l" defTabSz="914377" rtl="0" eaLnBrk="1" latinLnBrk="0" hangingPunct="1">
               <a:lnSpc>
                 <a:spcPct val="90000"/>
               </a:lnSpc>
@@ -5250,7 +6156,7 @@
               </a:buClr>
               <a:buFont typeface="Courier New" panose="02070309020205020404" pitchFamily="49" charset="0"/>
               <a:buChar char="o"/>
-              <a:defRPr lang="en-US" sz="1350" b="0" kern="1200" baseline="0" dirty="0" smtClean="0">
+              <a:defRPr lang="en-US" sz="1800" b="0" kern="1200" baseline="0" dirty="0" smtClean="0">
                 <a:solidFill>
                   <a:srgbClr val="1E2846"/>
                 </a:solidFill>
@@ -5259,7 +6165,7 @@
                 <a:cs typeface="Open Sans Light" panose="020B0306030504020204" pitchFamily="34" charset="0"/>
               </a:defRPr>
             </a:lvl3pPr>
-            <a:lvl4pPr marL="1200150" indent="-171450" algn="l" defTabSz="685800" rtl="0" eaLnBrk="1" latinLnBrk="0" hangingPunct="1">
+            <a:lvl4pPr marL="1600160" indent="-228594" algn="l" defTabSz="914377" rtl="0" eaLnBrk="1" latinLnBrk="0" hangingPunct="1">
               <a:lnSpc>
                 <a:spcPct val="90000"/>
               </a:lnSpc>
@@ -5268,7 +6174,7 @@
               </a:buClr>
               <a:buFont typeface="Courier New" panose="02070309020205020404" pitchFamily="49" charset="0"/>
               <a:buChar char="o"/>
-              <a:defRPr lang="en-US" sz="1350" b="0" kern="1200" baseline="0" dirty="0" smtClean="0">
+              <a:defRPr lang="en-US" sz="1800" b="0" kern="1200" baseline="0" dirty="0" smtClean="0">
                 <a:solidFill>
                   <a:srgbClr val="1E2846"/>
                 </a:solidFill>
@@ -5277,7 +6183,7 @@
                 <a:cs typeface="Open Sans Light" panose="020B0306030504020204" pitchFamily="34" charset="0"/>
               </a:defRPr>
             </a:lvl4pPr>
-            <a:lvl5pPr marL="1543050" indent="-171450" algn="l" defTabSz="685800" rtl="0" eaLnBrk="1" latinLnBrk="0" hangingPunct="1">
+            <a:lvl5pPr marL="2057349" indent="-228594" algn="l" defTabSz="914377" rtl="0" eaLnBrk="1" latinLnBrk="0" hangingPunct="1">
               <a:lnSpc>
                 <a:spcPct val="90000"/>
               </a:lnSpc>
@@ -5286,7 +6192,7 @@
               </a:buClr>
               <a:buFont typeface="Courier New" panose="02070309020205020404" pitchFamily="49" charset="0"/>
               <a:buChar char="o"/>
-              <a:defRPr lang="en-US" sz="1350" b="0" kern="1200" baseline="0" dirty="0">
+              <a:defRPr lang="en-US" sz="1800" b="0" kern="1200" baseline="0" dirty="0">
                 <a:solidFill>
                   <a:srgbClr val="1E2846"/>
                 </a:solidFill>
@@ -5350,15 +6256,15 @@
         </p:nvSpPr>
         <p:spPr>
           <a:xfrm>
-            <a:off x="340913" y="293812"/>
-            <a:ext cx="434340" cy="324446"/>
+            <a:off x="454551" y="391749"/>
+            <a:ext cx="579120" cy="432595"/>
           </a:xfrm>
           <a:prstGeom prst="rect">
             <a:avLst/>
           </a:prstGeom>
         </p:spPr>
         <p:txBody>
-          <a:bodyPr vert="horz" lIns="68580" tIns="34290" rIns="68580" bIns="34290" rtlCol="0" anchor="ctr"/>
+          <a:bodyPr vert="horz" lIns="91440" tIns="45720" rIns="91440" bIns="45720" rtlCol="0" anchor="ctr"/>
           <a:lstStyle>
             <a:defPPr>
               <a:defRPr lang="en-US"/>
@@ -5456,11 +6362,11 @@
           </a:lstStyle>
           <a:p>
             <a:fld id="{C5EF2332-01BF-834F-8236-50238282D533}" type="slidenum">
-              <a:rPr lang="en-US" sz="1500" smtClean="0"/>
+              <a:rPr lang="en-US" sz="2000" smtClean="0"/>
               <a:pPr/>
               <a:t>‹#›</a:t>
             </a:fld>
-            <a:endParaRPr lang="en-US" sz="1500" dirty="0"/>
+            <a:endParaRPr lang="en-US" sz="2000" dirty="0"/>
           </a:p>
         </p:txBody>
       </p:sp>
@@ -5492,8 +6398,8 @@
         </p:blipFill>
         <p:spPr>
           <a:xfrm>
-            <a:off x="7835641" y="4626159"/>
-            <a:ext cx="851159" cy="282209"/>
+            <a:off x="10447522" y="6168213"/>
+            <a:ext cx="1134879" cy="376279"/>
           </a:xfrm>
           <a:prstGeom prst="rect">
             <a:avLst/>
@@ -5516,15 +6422,15 @@
         </p:nvSpPr>
         <p:spPr>
           <a:xfrm>
-            <a:off x="775252" y="635696"/>
-            <a:ext cx="8070574" cy="333361"/>
+            <a:off x="1033670" y="847596"/>
+            <a:ext cx="10760765" cy="444481"/>
           </a:xfrm>
           <a:prstGeom prst="rect">
             <a:avLst/>
           </a:prstGeom>
         </p:spPr>
         <p:txBody>
-          <a:bodyPr vert="horz" lIns="68580" tIns="34290" rIns="68580" bIns="34290" rtlCol="0" anchor="ctr">
+          <a:bodyPr vert="horz" lIns="91440" tIns="45720" rIns="91440" bIns="45720" rtlCol="0" anchor="ctr">
             <a:normAutofit lnSpcReduction="10000"/>
           </a:bodyPr>
           <a:lstStyle>
@@ -5545,7 +6451,7 @@
           </a:lstStyle>
           <a:p>
             <a:r>
-              <a:rPr lang="en-GB" sz="1800" b="0" i="0" dirty="0">
+              <a:rPr lang="en-GB" sz="2400" b="0" i="0" dirty="0">
                 <a:latin typeface="Montserrat" pitchFamily="2" charset="77"/>
               </a:rPr>
               <a:t>Click to edit Master Subtitle</a:t>
@@ -5566,7 +6472,7 @@
 </p:sldLayout>
 </file>
 
-<file path=ppt/slideLayouts/slideLayout7.xml><?xml version="1.0" encoding="utf-8"?>
+<file path=ppt/slideLayouts/slideLayout8.xml><?xml version="1.0" encoding="utf-8"?>
 <p:sldLayout xmlns:a="http://schemas.openxmlformats.org/drawingml/2006/main" xmlns:r="http://schemas.openxmlformats.org/officeDocument/2006/relationships" xmlns:p="http://schemas.openxmlformats.org/presentationml/2006/main" preserve="1" userDrawn="1">
   <p:cSld name="Code">
     <p:spTree>
@@ -5628,8 +6534,8 @@
         </p:nvSpPr>
         <p:spPr>
           <a:xfrm>
-            <a:off x="298173" y="3864413"/>
-            <a:ext cx="8547653" cy="603895"/>
+            <a:off x="397565" y="5152552"/>
+            <a:ext cx="11396871" cy="805193"/>
           </a:xfrm>
           <a:prstGeom prst="rect">
             <a:avLst/>
@@ -5646,12 +6552,12 @@
         <p:txBody>
           <a:bodyPr/>
           <a:lstStyle>
-            <a:lvl1pPr marL="0" marR="0" indent="0" algn="l" defTabSz="685800" rtl="0" eaLnBrk="1" fontAlgn="auto" latinLnBrk="0" hangingPunct="1">
+            <a:lvl1pPr marL="0" marR="0" indent="0" algn="l" defTabSz="914377" rtl="0" eaLnBrk="1" fontAlgn="auto" latinLnBrk="0" hangingPunct="1">
               <a:lnSpc>
                 <a:spcPct val="90000"/>
               </a:lnSpc>
               <a:spcBef>
-                <a:spcPts val="750"/>
+                <a:spcPts val="1000"/>
               </a:spcBef>
               <a:spcAft>
                 <a:spcPts val="0"/>
@@ -5661,19 +6567,19 @@
               <a:buFontTx/>
               <a:buNone/>
               <a:tabLst/>
-              <a:defRPr sz="1050">
+              <a:defRPr sz="1400">
                 <a:latin typeface="Courier New" panose="02070309020205020404" pitchFamily="49" charset="0"/>
                 <a:cs typeface="Courier New" panose="02070309020205020404" pitchFamily="49" charset="0"/>
               </a:defRPr>
             </a:lvl1pPr>
           </a:lstStyle>
           <a:p>
-            <a:pPr marL="0" marR="0" lvl="0" indent="0" algn="l" defTabSz="685800" rtl="0" eaLnBrk="1" fontAlgn="auto" latinLnBrk="0" hangingPunct="1">
+            <a:pPr marL="0" marR="0" lvl="0" indent="0" algn="l" defTabSz="914377" rtl="0" eaLnBrk="1" fontAlgn="auto" latinLnBrk="0" hangingPunct="1">
               <a:lnSpc>
                 <a:spcPct val="90000"/>
               </a:lnSpc>
               <a:spcBef>
-                <a:spcPts val="750"/>
+                <a:spcPts val="1000"/>
               </a:spcBef>
               <a:spcAft>
                 <a:spcPts val="0"/>
@@ -5686,7 +6592,7 @@
               <a:defRPr/>
             </a:pPr>
             <a:r>
-              <a:rPr lang="en-US" noProof="0"/>
+              <a:rPr lang="en-US" noProof="0" dirty="0"/>
               <a:t>Placeholder: font Courier New, not smaller than 14pt</a:t>
             </a:r>
           </a:p>
@@ -5708,15 +6614,15 @@
         </p:nvSpPr>
         <p:spPr>
           <a:xfrm>
-            <a:off x="340913" y="300458"/>
-            <a:ext cx="434340" cy="324446"/>
+            <a:off x="454551" y="400611"/>
+            <a:ext cx="579120" cy="432595"/>
           </a:xfrm>
           <a:prstGeom prst="rect">
             <a:avLst/>
           </a:prstGeom>
         </p:spPr>
         <p:txBody>
-          <a:bodyPr vert="horz" lIns="68580" tIns="34290" rIns="68580" bIns="34290" rtlCol="0" anchor="ctr"/>
+          <a:bodyPr vert="horz" lIns="91440" tIns="45720" rIns="91440" bIns="45720" rtlCol="0" anchor="ctr"/>
           <a:lstStyle>
             <a:defPPr>
               <a:defRPr lang="en-US"/>
@@ -5814,11 +6720,11 @@
           </a:lstStyle>
           <a:p>
             <a:fld id="{C5EF2332-01BF-834F-8236-50238282D533}" type="slidenum">
-              <a:rPr lang="en-US" sz="1500" smtClean="0"/>
+              <a:rPr lang="en-US" sz="2000" smtClean="0"/>
               <a:pPr/>
               <a:t>‹#›</a:t>
             </a:fld>
-            <a:endParaRPr lang="en-US" sz="1500" dirty="0"/>
+            <a:endParaRPr lang="en-US" sz="2000" dirty="0"/>
           </a:p>
         </p:txBody>
       </p:sp>
@@ -5850,8 +6756,8 @@
         </p:blipFill>
         <p:spPr>
           <a:xfrm>
-            <a:off x="7835641" y="4626159"/>
-            <a:ext cx="851159" cy="282209"/>
+            <a:off x="10447522" y="6168213"/>
+            <a:ext cx="1134879" cy="376279"/>
           </a:xfrm>
           <a:prstGeom prst="rect">
             <a:avLst/>
@@ -5876,8 +6782,8 @@
         </p:nvSpPr>
         <p:spPr>
           <a:xfrm>
-            <a:off x="298174" y="1302026"/>
-            <a:ext cx="8547653" cy="2406191"/>
+            <a:off x="397566" y="1736035"/>
+            <a:ext cx="11396871" cy="3208255"/>
           </a:xfrm>
           <a:prstGeom prst="rect">
             <a:avLst/>
@@ -5891,35 +6797,35 @@
           <a:p>
             <a:pPr lvl="0"/>
             <a:r>
-              <a:rPr lang="en-GB"/>
+              <a:rPr lang="en-GB" dirty="0"/>
               <a:t>Click to edit Master text styles</a:t>
             </a:r>
           </a:p>
           <a:p>
             <a:pPr lvl="1"/>
             <a:r>
-              <a:rPr lang="en-GB"/>
+              <a:rPr lang="en-GB" dirty="0"/>
               <a:t>Second level</a:t>
             </a:r>
           </a:p>
           <a:p>
             <a:pPr lvl="2"/>
             <a:r>
-              <a:rPr lang="en-GB"/>
+              <a:rPr lang="en-GB" dirty="0"/>
               <a:t>Third level</a:t>
             </a:r>
           </a:p>
           <a:p>
             <a:pPr lvl="3"/>
             <a:r>
-              <a:rPr lang="en-GB"/>
+              <a:rPr lang="en-GB" dirty="0"/>
               <a:t>Fourth level</a:t>
             </a:r>
           </a:p>
           <a:p>
             <a:pPr lvl="4"/>
             <a:r>
-              <a:rPr lang="en-GB"/>
+              <a:rPr lang="en-GB" dirty="0"/>
               <a:t>Fifth level</a:t>
             </a:r>
             <a:endParaRPr lang="en-US" dirty="0"/>
@@ -5939,7 +6845,7 @@
 </p:sldLayout>
 </file>
 
-<file path=ppt/slideLayouts/slideLayout8.xml><?xml version="1.0" encoding="utf-8"?>
+<file path=ppt/slideLayouts/slideLayout9.xml><?xml version="1.0" encoding="utf-8"?>
 <p:sldLayout xmlns:a="http://schemas.openxmlformats.org/drawingml/2006/main" xmlns:r="http://schemas.openxmlformats.org/officeDocument/2006/relationships" xmlns:p="http://schemas.openxmlformats.org/presentationml/2006/main" preserve="1" userDrawn="1">
   <p:cSld name="Multiple Code">
     <p:spTree>
@@ -6001,8 +6907,8 @@
         </p:nvSpPr>
         <p:spPr>
           <a:xfrm>
-            <a:off x="298172" y="2109887"/>
-            <a:ext cx="8547652" cy="603895"/>
+            <a:off x="397563" y="2813184"/>
+            <a:ext cx="11396869" cy="805193"/>
           </a:xfrm>
           <a:prstGeom prst="rect">
             <a:avLst/>
@@ -6019,12 +6925,12 @@
         <p:txBody>
           <a:bodyPr/>
           <a:lstStyle>
-            <a:lvl1pPr marL="0" marR="0" indent="0" algn="l" defTabSz="685800" rtl="0" eaLnBrk="1" fontAlgn="auto" latinLnBrk="0" hangingPunct="1">
+            <a:lvl1pPr marL="0" marR="0" indent="0" algn="l" defTabSz="914377" rtl="0" eaLnBrk="1" fontAlgn="auto" latinLnBrk="0" hangingPunct="1">
               <a:lnSpc>
                 <a:spcPct val="90000"/>
               </a:lnSpc>
               <a:spcBef>
-                <a:spcPts val="750"/>
+                <a:spcPts val="1000"/>
               </a:spcBef>
               <a:spcAft>
                 <a:spcPts val="0"/>
@@ -6034,19 +6940,19 @@
               <a:buFontTx/>
               <a:buNone/>
               <a:tabLst/>
-              <a:defRPr sz="1050">
+              <a:defRPr sz="1400">
                 <a:latin typeface="Courier New" panose="02070309020205020404" pitchFamily="49" charset="0"/>
                 <a:cs typeface="Courier New" panose="02070309020205020404" pitchFamily="49" charset="0"/>
               </a:defRPr>
             </a:lvl1pPr>
           </a:lstStyle>
           <a:p>
-            <a:pPr marL="0" marR="0" lvl="0" indent="0" algn="l" defTabSz="685800" rtl="0" eaLnBrk="1" fontAlgn="auto" latinLnBrk="0" hangingPunct="1">
+            <a:pPr marL="0" marR="0" lvl="0" indent="0" algn="l" defTabSz="914377" rtl="0" eaLnBrk="1" fontAlgn="auto" latinLnBrk="0" hangingPunct="1">
               <a:lnSpc>
                 <a:spcPct val="90000"/>
               </a:lnSpc>
               <a:spcBef>
-                <a:spcPts val="750"/>
+                <a:spcPts val="1000"/>
               </a:spcBef>
               <a:spcAft>
                 <a:spcPts val="0"/>
@@ -6081,15 +6987,15 @@
         </p:nvSpPr>
         <p:spPr>
           <a:xfrm>
-            <a:off x="340913" y="300458"/>
-            <a:ext cx="434340" cy="324446"/>
+            <a:off x="454551" y="400611"/>
+            <a:ext cx="579120" cy="432595"/>
           </a:xfrm>
           <a:prstGeom prst="rect">
             <a:avLst/>
           </a:prstGeom>
         </p:spPr>
         <p:txBody>
-          <a:bodyPr vert="horz" lIns="68580" tIns="34290" rIns="68580" bIns="34290" rtlCol="0" anchor="ctr"/>
+          <a:bodyPr vert="horz" lIns="91440" tIns="45720" rIns="91440" bIns="45720" rtlCol="0" anchor="ctr"/>
           <a:lstStyle>
             <a:defPPr>
               <a:defRPr lang="en-US"/>
@@ -6187,11 +7093,11 @@
           </a:lstStyle>
           <a:p>
             <a:fld id="{C5EF2332-01BF-834F-8236-50238282D533}" type="slidenum">
-              <a:rPr lang="en-US" sz="1500" smtClean="0"/>
+              <a:rPr lang="en-US" sz="2000" smtClean="0"/>
               <a:pPr/>
               <a:t>‹#›</a:t>
             </a:fld>
-            <a:endParaRPr lang="en-US" sz="1500" dirty="0"/>
+            <a:endParaRPr lang="en-US" sz="2000" dirty="0"/>
           </a:p>
         </p:txBody>
       </p:sp>
@@ -6223,8 +7129,8 @@
         </p:blipFill>
         <p:spPr>
           <a:xfrm>
-            <a:off x="7835641" y="4626159"/>
-            <a:ext cx="851159" cy="282209"/>
+            <a:off x="10447522" y="6168213"/>
+            <a:ext cx="1134879" cy="376279"/>
           </a:xfrm>
           <a:prstGeom prst="rect">
             <a:avLst/>
@@ -6249,8 +7155,8 @@
         </p:nvSpPr>
         <p:spPr>
           <a:xfrm>
-            <a:off x="298174" y="1302027"/>
-            <a:ext cx="8547653" cy="685800"/>
+            <a:off x="397566" y="1736036"/>
+            <a:ext cx="11396871" cy="914400"/>
           </a:xfrm>
           <a:prstGeom prst="rect">
             <a:avLst/>
@@ -6261,7 +7167,7 @@
             <a:normAutofit/>
           </a:bodyPr>
           <a:lstStyle>
-            <a:lvl2pPr marL="385763" indent="0">
+            <a:lvl2pPr marL="514338" indent="0">
               <a:buNone/>
               <a:defRPr/>
             </a:lvl2pPr>
@@ -6293,8 +7199,8 @@
         </p:nvSpPr>
         <p:spPr>
           <a:xfrm>
-            <a:off x="298171" y="3639211"/>
-            <a:ext cx="8547651" cy="603895"/>
+            <a:off x="397562" y="4852282"/>
+            <a:ext cx="11396868" cy="805193"/>
           </a:xfrm>
           <a:prstGeom prst="rect">
             <a:avLst/>
@@ -6311,12 +7217,12 @@
         <p:txBody>
           <a:bodyPr/>
           <a:lstStyle>
-            <a:lvl1pPr marL="0" marR="0" indent="0" algn="l" defTabSz="685800" rtl="0" eaLnBrk="1" fontAlgn="auto" latinLnBrk="0" hangingPunct="1">
+            <a:lvl1pPr marL="0" marR="0" indent="0" algn="l" defTabSz="914377" rtl="0" eaLnBrk="1" fontAlgn="auto" latinLnBrk="0" hangingPunct="1">
               <a:lnSpc>
                 <a:spcPct val="90000"/>
               </a:lnSpc>
               <a:spcBef>
-                <a:spcPts val="750"/>
+                <a:spcPts val="1000"/>
               </a:spcBef>
               <a:spcAft>
                 <a:spcPts val="0"/>
@@ -6326,19 +7232,19 @@
               <a:buFontTx/>
               <a:buNone/>
               <a:tabLst/>
-              <a:defRPr sz="1050">
+              <a:defRPr sz="1400">
                 <a:latin typeface="Courier New" panose="02070309020205020404" pitchFamily="49" charset="0"/>
                 <a:cs typeface="Courier New" panose="02070309020205020404" pitchFamily="49" charset="0"/>
               </a:defRPr>
             </a:lvl1pPr>
           </a:lstStyle>
           <a:p>
-            <a:pPr marL="0" marR="0" lvl="0" indent="0" algn="l" defTabSz="685800" rtl="0" eaLnBrk="1" fontAlgn="auto" latinLnBrk="0" hangingPunct="1">
+            <a:pPr marL="0" marR="0" lvl="0" indent="0" algn="l" defTabSz="914377" rtl="0" eaLnBrk="1" fontAlgn="auto" latinLnBrk="0" hangingPunct="1">
               <a:lnSpc>
                 <a:spcPct val="90000"/>
               </a:lnSpc>
               <a:spcBef>
-                <a:spcPts val="750"/>
+                <a:spcPts val="1000"/>
               </a:spcBef>
               <a:spcAft>
                 <a:spcPts val="0"/>
@@ -6375,8 +7281,8 @@
         </p:nvSpPr>
         <p:spPr>
           <a:xfrm>
-            <a:off x="298171" y="2833596"/>
-            <a:ext cx="8547652" cy="685800"/>
+            <a:off x="397562" y="3778128"/>
+            <a:ext cx="11396869" cy="914400"/>
           </a:xfrm>
           <a:prstGeom prst="rect">
             <a:avLst/>
@@ -6387,7 +7293,7 @@
             <a:normAutofit/>
           </a:bodyPr>
           <a:lstStyle>
-            <a:lvl2pPr marL="385763" indent="0">
+            <a:lvl2pPr marL="514338" indent="0">
               <a:buNone/>
               <a:defRPr/>
             </a:lvl2pPr>
@@ -6405,541 +7311,6 @@
     <p:extLst>
       <p:ext uri="{BB962C8B-B14F-4D97-AF65-F5344CB8AC3E}">
         <p14:creationId xmlns:p14="http://schemas.microsoft.com/office/powerpoint/2010/main" val="3988839080"/>
-      </p:ext>
-    </p:extLst>
-  </p:cSld>
-  <p:clrMapOvr>
-    <a:masterClrMapping/>
-  </p:clrMapOvr>
-</p:sldLayout>
-</file>
-
-<file path=ppt/slideLayouts/slideLayout9.xml><?xml version="1.0" encoding="utf-8"?>
-<p:sldLayout xmlns:a="http://schemas.openxmlformats.org/drawingml/2006/main" xmlns:r="http://schemas.openxmlformats.org/officeDocument/2006/relationships" xmlns:p="http://schemas.openxmlformats.org/presentationml/2006/main" preserve="1" userDrawn="1">
-  <p:cSld name="Two Content">
-    <p:spTree>
-      <p:nvGrpSpPr>
-        <p:cNvPr id="1" name=""/>
-        <p:cNvGrpSpPr/>
-        <p:nvPr/>
-      </p:nvGrpSpPr>
-      <p:grpSpPr>
-        <a:xfrm>
-          <a:off x="0" y="0"/>
-          <a:ext cx="0" cy="0"/>
-          <a:chOff x="0" y="0"/>
-          <a:chExt cx="0" cy="0"/>
-        </a:xfrm>
-      </p:grpSpPr>
-      <p:sp>
-        <p:nvSpPr>
-          <p:cNvPr id="13" name="Content Placeholder 2">
-            <a:extLst>
-              <a:ext uri="{FF2B5EF4-FFF2-40B4-BE49-F238E27FC236}">
-                <a16:creationId xmlns:a16="http://schemas.microsoft.com/office/drawing/2014/main" id="{E2EB2FFC-66FE-7645-920C-E8E0DB726771}"/>
-              </a:ext>
-            </a:extLst>
-          </p:cNvPr>
-          <p:cNvSpPr>
-            <a:spLocks noGrp="1"/>
-          </p:cNvSpPr>
-          <p:nvPr>
-            <p:ph idx="12"/>
-          </p:nvPr>
-        </p:nvSpPr>
-        <p:spPr>
-          <a:xfrm>
-            <a:off x="4661454" y="1302026"/>
-            <a:ext cx="4184373" cy="3538331"/>
-          </a:xfrm>
-        </p:spPr>
-        <p:txBody>
-          <a:bodyPr>
-            <a:normAutofit/>
-          </a:bodyPr>
-          <a:lstStyle>
-            <a:lvl1pPr marL="257175" indent="-171450" algn="l" defTabSz="685800" rtl="0" eaLnBrk="1" latinLnBrk="0" hangingPunct="1">
-              <a:lnSpc>
-                <a:spcPct val="90000"/>
-              </a:lnSpc>
-              <a:buClr>
-                <a:srgbClr val="9600FF"/>
-              </a:buClr>
-              <a:buFont typeface="Wingdings" pitchFamily="2" charset="2"/>
-              <a:buChar char="§"/>
-              <a:defRPr lang="en-US" sz="1350" b="0" kern="1200" baseline="0" dirty="0" smtClean="0">
-                <a:solidFill>
-                  <a:srgbClr val="1E2846"/>
-                </a:solidFill>
-                <a:latin typeface="Open Sans Light" panose="020B0306030504020204" pitchFamily="34" charset="0"/>
-                <a:ea typeface="Open Sans Light" panose="020B0306030504020204" pitchFamily="34" charset="0"/>
-                <a:cs typeface="Open Sans Light" panose="020B0306030504020204" pitchFamily="34" charset="0"/>
-              </a:defRPr>
-            </a:lvl1pPr>
-            <a:lvl2pPr marL="557213" indent="-171450" algn="l" defTabSz="685800" rtl="0" eaLnBrk="1" latinLnBrk="0" hangingPunct="1">
-              <a:lnSpc>
-                <a:spcPct val="90000"/>
-              </a:lnSpc>
-              <a:buClr>
-                <a:srgbClr val="9600FF"/>
-              </a:buClr>
-              <a:buFont typeface="Courier New" panose="02070309020205020404" pitchFamily="49" charset="0"/>
-              <a:buChar char="o"/>
-              <a:defRPr lang="en-US" sz="1350" b="0" kern="1200" baseline="0" dirty="0" smtClean="0">
-                <a:solidFill>
-                  <a:srgbClr val="1E2846"/>
-                </a:solidFill>
-                <a:latin typeface="Open Sans Light" panose="020B0306030504020204" pitchFamily="34" charset="0"/>
-                <a:ea typeface="Open Sans Light" panose="020B0306030504020204" pitchFamily="34" charset="0"/>
-                <a:cs typeface="Open Sans Light" panose="020B0306030504020204" pitchFamily="34" charset="0"/>
-              </a:defRPr>
-            </a:lvl2pPr>
-            <a:lvl3pPr marL="857250" indent="-171450" algn="l" defTabSz="685800" rtl="0" eaLnBrk="1" latinLnBrk="0" hangingPunct="1">
-              <a:lnSpc>
-                <a:spcPct val="90000"/>
-              </a:lnSpc>
-              <a:buClr>
-                <a:srgbClr val="9600FF"/>
-              </a:buClr>
-              <a:buFont typeface="Courier New" panose="02070309020205020404" pitchFamily="49" charset="0"/>
-              <a:buChar char="o"/>
-              <a:defRPr lang="en-US" sz="1350" b="0" kern="1200" baseline="0" dirty="0" smtClean="0">
-                <a:solidFill>
-                  <a:srgbClr val="1E2846"/>
-                </a:solidFill>
-                <a:latin typeface="Open Sans Light" panose="020B0306030504020204" pitchFamily="34" charset="0"/>
-                <a:ea typeface="Open Sans Light" panose="020B0306030504020204" pitchFamily="34" charset="0"/>
-                <a:cs typeface="Open Sans Light" panose="020B0306030504020204" pitchFamily="34" charset="0"/>
-              </a:defRPr>
-            </a:lvl3pPr>
-            <a:lvl4pPr marL="1200150" indent="-171450" algn="l" defTabSz="685800" rtl="0" eaLnBrk="1" latinLnBrk="0" hangingPunct="1">
-              <a:lnSpc>
-                <a:spcPct val="90000"/>
-              </a:lnSpc>
-              <a:buClr>
-                <a:srgbClr val="9600FF"/>
-              </a:buClr>
-              <a:buFont typeface="Courier New" panose="02070309020205020404" pitchFamily="49" charset="0"/>
-              <a:buChar char="o"/>
-              <a:defRPr lang="en-US" sz="1350" b="0" kern="1200" baseline="0" dirty="0" smtClean="0">
-                <a:solidFill>
-                  <a:srgbClr val="1E2846"/>
-                </a:solidFill>
-                <a:latin typeface="Open Sans Light" panose="020B0306030504020204" pitchFamily="34" charset="0"/>
-                <a:ea typeface="Open Sans Light" panose="020B0306030504020204" pitchFamily="34" charset="0"/>
-                <a:cs typeface="Open Sans Light" panose="020B0306030504020204" pitchFamily="34" charset="0"/>
-              </a:defRPr>
-            </a:lvl4pPr>
-            <a:lvl5pPr marL="1543050" indent="-171450" algn="l" defTabSz="685800" rtl="0" eaLnBrk="1" latinLnBrk="0" hangingPunct="1">
-              <a:lnSpc>
-                <a:spcPct val="90000"/>
-              </a:lnSpc>
-              <a:buClr>
-                <a:srgbClr val="9600FF"/>
-              </a:buClr>
-              <a:buFont typeface="Courier New" panose="02070309020205020404" pitchFamily="49" charset="0"/>
-              <a:buChar char="o"/>
-              <a:defRPr lang="en-US" sz="1350" b="0" kern="1200" baseline="0" dirty="0">
-                <a:solidFill>
-                  <a:srgbClr val="1E2846"/>
-                </a:solidFill>
-                <a:latin typeface="Open Sans Light" panose="020B0306030504020204" pitchFamily="34" charset="0"/>
-                <a:ea typeface="Open Sans Light" panose="020B0306030504020204" pitchFamily="34" charset="0"/>
-                <a:cs typeface="Open Sans Light" panose="020B0306030504020204" pitchFamily="34" charset="0"/>
-              </a:defRPr>
-            </a:lvl5pPr>
-          </a:lstStyle>
-          <a:p>
-            <a:pPr lvl="0"/>
-            <a:r>
-              <a:rPr lang="en-GB"/>
-              <a:t>Click to edit Master text styles</a:t>
-            </a:r>
-          </a:p>
-          <a:p>
-            <a:pPr lvl="1"/>
-            <a:r>
-              <a:rPr lang="en-GB"/>
-              <a:t>Second level</a:t>
-            </a:r>
-          </a:p>
-          <a:p>
-            <a:pPr lvl="2"/>
-            <a:r>
-              <a:rPr lang="en-GB"/>
-              <a:t>Third level</a:t>
-            </a:r>
-          </a:p>
-          <a:p>
-            <a:pPr lvl="3"/>
-            <a:r>
-              <a:rPr lang="en-GB"/>
-              <a:t>Fourth level</a:t>
-            </a:r>
-          </a:p>
-          <a:p>
-            <a:pPr lvl="4"/>
-            <a:r>
-              <a:rPr lang="en-GB"/>
-              <a:t>Fifth level</a:t>
-            </a:r>
-            <a:endParaRPr lang="en-US" dirty="0"/>
-          </a:p>
-        </p:txBody>
-      </p:sp>
-      <p:sp>
-        <p:nvSpPr>
-          <p:cNvPr id="2" name="Title 1"/>
-          <p:cNvSpPr>
-            <a:spLocks noGrp="1"/>
-          </p:cNvSpPr>
-          <p:nvPr>
-            <p:ph type="title"/>
-          </p:nvPr>
-        </p:nvSpPr>
-        <p:spPr/>
-        <p:txBody>
-          <a:bodyPr/>
-          <a:lstStyle>
-            <a:lvl1pPr algn="l">
-              <a:defRPr/>
-            </a:lvl1pPr>
-          </a:lstStyle>
-          <a:p>
-            <a:r>
-              <a:rPr lang="en-GB"/>
-              <a:t>Click to edit Master title style</a:t>
-            </a:r>
-            <a:endParaRPr lang="en-US" dirty="0"/>
-          </a:p>
-        </p:txBody>
-      </p:sp>
-      <p:sp>
-        <p:nvSpPr>
-          <p:cNvPr id="8" name="Slide Number Placeholder 5">
-            <a:extLst>
-              <a:ext uri="{FF2B5EF4-FFF2-40B4-BE49-F238E27FC236}">
-                <a16:creationId xmlns:a16="http://schemas.microsoft.com/office/drawing/2014/main" id="{DE32C557-44D6-2048-B960-D9CB2DE4D077}"/>
-              </a:ext>
-            </a:extLst>
-          </p:cNvPr>
-          <p:cNvSpPr txBox="1">
-            <a:spLocks/>
-          </p:cNvSpPr>
-          <p:nvPr userDrawn="1"/>
-        </p:nvSpPr>
-        <p:spPr>
-          <a:xfrm>
-            <a:off x="340913" y="300458"/>
-            <a:ext cx="434340" cy="324446"/>
-          </a:xfrm>
-          <a:prstGeom prst="rect">
-            <a:avLst/>
-          </a:prstGeom>
-        </p:spPr>
-        <p:txBody>
-          <a:bodyPr vert="horz" lIns="68580" tIns="34290" rIns="68580" bIns="34290" rtlCol="0" anchor="ctr"/>
-          <a:lstStyle>
-            <a:defPPr>
-              <a:defRPr lang="en-US"/>
-            </a:defPPr>
-            <a:lvl1pPr marL="0" algn="r" defTabSz="457200" rtl="0" eaLnBrk="1" latinLnBrk="0" hangingPunct="1">
-              <a:defRPr sz="2000" b="1" i="0" kern="1200">
-                <a:solidFill>
-                  <a:srgbClr val="9601FF"/>
-                </a:solidFill>
-                <a:latin typeface="Montserrat" pitchFamily="2" charset="77"/>
-                <a:ea typeface="+mn-ea"/>
-                <a:cs typeface="+mn-cs"/>
-              </a:defRPr>
-            </a:lvl1pPr>
-            <a:lvl2pPr marL="457200" algn="l" defTabSz="457200" rtl="0" eaLnBrk="1" latinLnBrk="0" hangingPunct="1">
-              <a:defRPr sz="1800" kern="1200">
-                <a:solidFill>
-                  <a:schemeClr val="tx1"/>
-                </a:solidFill>
-                <a:latin typeface="+mn-lt"/>
-                <a:ea typeface="+mn-ea"/>
-                <a:cs typeface="+mn-cs"/>
-              </a:defRPr>
-            </a:lvl2pPr>
-            <a:lvl3pPr marL="914400" algn="l" defTabSz="457200" rtl="0" eaLnBrk="1" latinLnBrk="0" hangingPunct="1">
-              <a:defRPr sz="1800" kern="1200">
-                <a:solidFill>
-                  <a:schemeClr val="tx1"/>
-                </a:solidFill>
-                <a:latin typeface="+mn-lt"/>
-                <a:ea typeface="+mn-ea"/>
-                <a:cs typeface="+mn-cs"/>
-              </a:defRPr>
-            </a:lvl3pPr>
-            <a:lvl4pPr marL="1371600" algn="l" defTabSz="457200" rtl="0" eaLnBrk="1" latinLnBrk="0" hangingPunct="1">
-              <a:defRPr sz="1800" kern="1200">
-                <a:solidFill>
-                  <a:schemeClr val="tx1"/>
-                </a:solidFill>
-                <a:latin typeface="+mn-lt"/>
-                <a:ea typeface="+mn-ea"/>
-                <a:cs typeface="+mn-cs"/>
-              </a:defRPr>
-            </a:lvl4pPr>
-            <a:lvl5pPr marL="1828800" algn="l" defTabSz="457200" rtl="0" eaLnBrk="1" latinLnBrk="0" hangingPunct="1">
-              <a:defRPr sz="1800" kern="1200">
-                <a:solidFill>
-                  <a:schemeClr val="tx1"/>
-                </a:solidFill>
-                <a:latin typeface="+mn-lt"/>
-                <a:ea typeface="+mn-ea"/>
-                <a:cs typeface="+mn-cs"/>
-              </a:defRPr>
-            </a:lvl5pPr>
-            <a:lvl6pPr marL="2286000" algn="l" defTabSz="457200" rtl="0" eaLnBrk="1" latinLnBrk="0" hangingPunct="1">
-              <a:defRPr sz="1800" kern="1200">
-                <a:solidFill>
-                  <a:schemeClr val="tx1"/>
-                </a:solidFill>
-                <a:latin typeface="+mn-lt"/>
-                <a:ea typeface="+mn-ea"/>
-                <a:cs typeface="+mn-cs"/>
-              </a:defRPr>
-            </a:lvl6pPr>
-            <a:lvl7pPr marL="2743200" algn="l" defTabSz="457200" rtl="0" eaLnBrk="1" latinLnBrk="0" hangingPunct="1">
-              <a:defRPr sz="1800" kern="1200">
-                <a:solidFill>
-                  <a:schemeClr val="tx1"/>
-                </a:solidFill>
-                <a:latin typeface="+mn-lt"/>
-                <a:ea typeface="+mn-ea"/>
-                <a:cs typeface="+mn-cs"/>
-              </a:defRPr>
-            </a:lvl7pPr>
-            <a:lvl8pPr marL="3200400" algn="l" defTabSz="457200" rtl="0" eaLnBrk="1" latinLnBrk="0" hangingPunct="1">
-              <a:defRPr sz="1800" kern="1200">
-                <a:solidFill>
-                  <a:schemeClr val="tx1"/>
-                </a:solidFill>
-                <a:latin typeface="+mn-lt"/>
-                <a:ea typeface="+mn-ea"/>
-                <a:cs typeface="+mn-cs"/>
-              </a:defRPr>
-            </a:lvl8pPr>
-            <a:lvl9pPr marL="3657600" algn="l" defTabSz="457200" rtl="0" eaLnBrk="1" latinLnBrk="0" hangingPunct="1">
-              <a:defRPr sz="1800" kern="1200">
-                <a:solidFill>
-                  <a:schemeClr val="tx1"/>
-                </a:solidFill>
-                <a:latin typeface="+mn-lt"/>
-                <a:ea typeface="+mn-ea"/>
-                <a:cs typeface="+mn-cs"/>
-              </a:defRPr>
-            </a:lvl9pPr>
-          </a:lstStyle>
-          <a:p>
-            <a:fld id="{C5EF2332-01BF-834F-8236-50238282D533}" type="slidenum">
-              <a:rPr lang="en-US" sz="1500" smtClean="0"/>
-              <a:pPr/>
-              <a:t>‹#›</a:t>
-            </a:fld>
-            <a:endParaRPr lang="en-US" sz="1500" dirty="0"/>
-          </a:p>
-        </p:txBody>
-      </p:sp>
-      <p:pic>
-        <p:nvPicPr>
-          <p:cNvPr id="6" name="Grafik 6">
-            <a:extLst>
-              <a:ext uri="{FF2B5EF4-FFF2-40B4-BE49-F238E27FC236}">
-                <a16:creationId xmlns:a16="http://schemas.microsoft.com/office/drawing/2014/main" id="{5D0532B0-7B97-F943-8F75-FFD570A7A171}"/>
-              </a:ext>
-            </a:extLst>
-          </p:cNvPr>
-          <p:cNvPicPr>
-            <a:picLocks noChangeAspect="1"/>
-          </p:cNvPicPr>
-          <p:nvPr userDrawn="1"/>
-        </p:nvPicPr>
-        <p:blipFill>
-          <a:blip r:embed="rId2">
-            <a:extLst>
-              <a:ext uri="{28A0092B-C50C-407E-A947-70E740481C1C}">
-                <a14:useLocalDpi xmlns:a14="http://schemas.microsoft.com/office/drawing/2010/main" val="0"/>
-              </a:ext>
-            </a:extLst>
-          </a:blip>
-          <a:stretch>
-            <a:fillRect/>
-          </a:stretch>
-        </p:blipFill>
-        <p:spPr>
-          <a:xfrm>
-            <a:off x="7835641" y="4626159"/>
-            <a:ext cx="851159" cy="282209"/>
-          </a:xfrm>
-          <a:prstGeom prst="rect">
-            <a:avLst/>
-          </a:prstGeom>
-        </p:spPr>
-      </p:pic>
-      <p:sp>
-        <p:nvSpPr>
-          <p:cNvPr id="12" name="Content Placeholder 2">
-            <a:extLst>
-              <a:ext uri="{FF2B5EF4-FFF2-40B4-BE49-F238E27FC236}">
-                <a16:creationId xmlns:a16="http://schemas.microsoft.com/office/drawing/2014/main" id="{030F73DC-8E5A-5B4C-B435-6DE4F1A44F68}"/>
-              </a:ext>
-            </a:extLst>
-          </p:cNvPr>
-          <p:cNvSpPr>
-            <a:spLocks noGrp="1"/>
-          </p:cNvSpPr>
-          <p:nvPr>
-            <p:ph idx="11"/>
-          </p:nvPr>
-        </p:nvSpPr>
-        <p:spPr>
-          <a:xfrm>
-            <a:off x="298175" y="1302026"/>
-            <a:ext cx="4184373" cy="3538331"/>
-          </a:xfrm>
-        </p:spPr>
-        <p:txBody>
-          <a:bodyPr>
-            <a:normAutofit/>
-          </a:bodyPr>
-          <a:lstStyle>
-            <a:lvl1pPr marL="257175" indent="-171450" algn="l" defTabSz="685800" rtl="0" eaLnBrk="1" latinLnBrk="0" hangingPunct="1">
-              <a:lnSpc>
-                <a:spcPct val="90000"/>
-              </a:lnSpc>
-              <a:buClr>
-                <a:srgbClr val="9600FF"/>
-              </a:buClr>
-              <a:buFont typeface="Wingdings" pitchFamily="2" charset="2"/>
-              <a:buChar char="§"/>
-              <a:defRPr lang="en-US" sz="1350" b="0" kern="1200" baseline="0" dirty="0" smtClean="0">
-                <a:solidFill>
-                  <a:srgbClr val="1E2846"/>
-                </a:solidFill>
-                <a:latin typeface="Open Sans Light" panose="020B0306030504020204" pitchFamily="34" charset="0"/>
-                <a:ea typeface="Open Sans Light" panose="020B0306030504020204" pitchFamily="34" charset="0"/>
-                <a:cs typeface="Open Sans Light" panose="020B0306030504020204" pitchFamily="34" charset="0"/>
-              </a:defRPr>
-            </a:lvl1pPr>
-            <a:lvl2pPr marL="557213" indent="-171450" algn="l" defTabSz="685800" rtl="0" eaLnBrk="1" latinLnBrk="0" hangingPunct="1">
-              <a:lnSpc>
-                <a:spcPct val="90000"/>
-              </a:lnSpc>
-              <a:buClr>
-                <a:srgbClr val="9600FF"/>
-              </a:buClr>
-              <a:buFont typeface="Courier New" panose="02070309020205020404" pitchFamily="49" charset="0"/>
-              <a:buChar char="o"/>
-              <a:defRPr lang="en-US" sz="1350" b="0" kern="1200" baseline="0" dirty="0" smtClean="0">
-                <a:solidFill>
-                  <a:srgbClr val="1E2846"/>
-                </a:solidFill>
-                <a:latin typeface="Open Sans Light" panose="020B0306030504020204" pitchFamily="34" charset="0"/>
-                <a:ea typeface="Open Sans Light" panose="020B0306030504020204" pitchFamily="34" charset="0"/>
-                <a:cs typeface="Open Sans Light" panose="020B0306030504020204" pitchFamily="34" charset="0"/>
-              </a:defRPr>
-            </a:lvl2pPr>
-            <a:lvl3pPr marL="857250" indent="-171450" algn="l" defTabSz="685800" rtl="0" eaLnBrk="1" latinLnBrk="0" hangingPunct="1">
-              <a:lnSpc>
-                <a:spcPct val="90000"/>
-              </a:lnSpc>
-              <a:buClr>
-                <a:srgbClr val="9600FF"/>
-              </a:buClr>
-              <a:buFont typeface="Courier New" panose="02070309020205020404" pitchFamily="49" charset="0"/>
-              <a:buChar char="o"/>
-              <a:defRPr lang="en-US" sz="1350" b="0" kern="1200" baseline="0" dirty="0" smtClean="0">
-                <a:solidFill>
-                  <a:srgbClr val="1E2846"/>
-                </a:solidFill>
-                <a:latin typeface="Open Sans Light" panose="020B0306030504020204" pitchFamily="34" charset="0"/>
-                <a:ea typeface="Open Sans Light" panose="020B0306030504020204" pitchFamily="34" charset="0"/>
-                <a:cs typeface="Open Sans Light" panose="020B0306030504020204" pitchFamily="34" charset="0"/>
-              </a:defRPr>
-            </a:lvl3pPr>
-            <a:lvl4pPr marL="1200150" indent="-171450" algn="l" defTabSz="685800" rtl="0" eaLnBrk="1" latinLnBrk="0" hangingPunct="1">
-              <a:lnSpc>
-                <a:spcPct val="90000"/>
-              </a:lnSpc>
-              <a:buClr>
-                <a:srgbClr val="9600FF"/>
-              </a:buClr>
-              <a:buFont typeface="Courier New" panose="02070309020205020404" pitchFamily="49" charset="0"/>
-              <a:buChar char="o"/>
-              <a:defRPr lang="en-US" sz="1350" b="0" kern="1200" baseline="0" dirty="0" smtClean="0">
-                <a:solidFill>
-                  <a:srgbClr val="1E2846"/>
-                </a:solidFill>
-                <a:latin typeface="Open Sans Light" panose="020B0306030504020204" pitchFamily="34" charset="0"/>
-                <a:ea typeface="Open Sans Light" panose="020B0306030504020204" pitchFamily="34" charset="0"/>
-                <a:cs typeface="Open Sans Light" panose="020B0306030504020204" pitchFamily="34" charset="0"/>
-              </a:defRPr>
-            </a:lvl4pPr>
-            <a:lvl5pPr marL="1543050" indent="-171450" algn="l" defTabSz="685800" rtl="0" eaLnBrk="1" latinLnBrk="0" hangingPunct="1">
-              <a:lnSpc>
-                <a:spcPct val="90000"/>
-              </a:lnSpc>
-              <a:buClr>
-                <a:srgbClr val="9600FF"/>
-              </a:buClr>
-              <a:buFont typeface="Courier New" panose="02070309020205020404" pitchFamily="49" charset="0"/>
-              <a:buChar char="o"/>
-              <a:defRPr lang="en-US" sz="1350" b="0" kern="1200" baseline="0" dirty="0">
-                <a:solidFill>
-                  <a:srgbClr val="1E2846"/>
-                </a:solidFill>
-                <a:latin typeface="Open Sans Light" panose="020B0306030504020204" pitchFamily="34" charset="0"/>
-                <a:ea typeface="Open Sans Light" panose="020B0306030504020204" pitchFamily="34" charset="0"/>
-                <a:cs typeface="Open Sans Light" panose="020B0306030504020204" pitchFamily="34" charset="0"/>
-              </a:defRPr>
-            </a:lvl5pPr>
-          </a:lstStyle>
-          <a:p>
-            <a:pPr lvl="0"/>
-            <a:r>
-              <a:rPr lang="en-GB"/>
-              <a:t>Click to edit Master text styles</a:t>
-            </a:r>
-          </a:p>
-          <a:p>
-            <a:pPr lvl="1"/>
-            <a:r>
-              <a:rPr lang="en-GB"/>
-              <a:t>Second level</a:t>
-            </a:r>
-          </a:p>
-          <a:p>
-            <a:pPr lvl="2"/>
-            <a:r>
-              <a:rPr lang="en-GB"/>
-              <a:t>Third level</a:t>
-            </a:r>
-          </a:p>
-          <a:p>
-            <a:pPr lvl="3"/>
-            <a:r>
-              <a:rPr lang="en-GB"/>
-              <a:t>Fourth level</a:t>
-            </a:r>
-          </a:p>
-          <a:p>
-            <a:pPr lvl="4"/>
-            <a:r>
-              <a:rPr lang="en-GB"/>
-              <a:t>Fifth level</a:t>
-            </a:r>
-            <a:endParaRPr lang="en-US" dirty="0"/>
-          </a:p>
-        </p:txBody>
-      </p:sp>
-    </p:spTree>
-    <p:extLst>
-      <p:ext uri="{BB962C8B-B14F-4D97-AF65-F5344CB8AC3E}">
-        <p14:creationId xmlns:p14="http://schemas.microsoft.com/office/powerpoint/2010/main" val="2619886245"/>
       </p:ext>
     </p:extLst>
   </p:cSld>
@@ -6983,8 +7354,8 @@
         </p:nvSpPr>
         <p:spPr>
           <a:xfrm>
-            <a:off x="775253" y="300459"/>
-            <a:ext cx="8070574" cy="333361"/>
+            <a:off x="1033671" y="400613"/>
+            <a:ext cx="10760765" cy="444481"/>
           </a:xfrm>
           <a:prstGeom prst="rect">
             <a:avLst/>
@@ -6996,12 +7367,12 @@
           </a:bodyPr>
           <a:lstStyle/>
           <a:p>
-            <a:pPr marL="0" lvl="0" indent="0" algn="l" defTabSz="685800" rtl="0" eaLnBrk="1" latinLnBrk="0" hangingPunct="1">
+            <a:pPr marL="0" lvl="0" indent="0" algn="l" defTabSz="914377" rtl="0" eaLnBrk="1" latinLnBrk="0" hangingPunct="1">
               <a:lnSpc>
                 <a:spcPct val="90000"/>
               </a:lnSpc>
               <a:spcBef>
-                <a:spcPts val="750"/>
+                <a:spcPts val="1000"/>
               </a:spcBef>
               <a:buFont typeface="Arial" panose="020B0604020202020204" pitchFamily="34" charset="0"/>
               <a:buNone/>
@@ -7025,8 +7396,8 @@
         </p:nvSpPr>
         <p:spPr>
           <a:xfrm>
-            <a:off x="298174" y="1302026"/>
-            <a:ext cx="8547653" cy="3538331"/>
+            <a:off x="397566" y="1736035"/>
+            <a:ext cx="11396871" cy="4717775"/>
           </a:xfrm>
           <a:prstGeom prst="rect">
             <a:avLst/>
@@ -7040,35 +7411,35 @@
           <a:p>
             <a:pPr lvl="0"/>
             <a:r>
-              <a:rPr lang="en-GB"/>
+              <a:rPr lang="en-GB" dirty="0"/>
               <a:t>Click to edit Master text styles</a:t>
             </a:r>
           </a:p>
           <a:p>
             <a:pPr lvl="1"/>
             <a:r>
-              <a:rPr lang="en-GB"/>
+              <a:rPr lang="en-GB" dirty="0"/>
               <a:t>Second level</a:t>
             </a:r>
           </a:p>
           <a:p>
             <a:pPr lvl="2"/>
             <a:r>
-              <a:rPr lang="en-GB"/>
+              <a:rPr lang="en-GB" dirty="0"/>
               <a:t>Third level</a:t>
             </a:r>
           </a:p>
           <a:p>
             <a:pPr lvl="3"/>
             <a:r>
-              <a:rPr lang="en-GB"/>
+              <a:rPr lang="en-GB" dirty="0"/>
               <a:t>Fourth level</a:t>
             </a:r>
           </a:p>
           <a:p>
             <a:pPr lvl="4"/>
             <a:r>
-              <a:rPr lang="en-GB"/>
+              <a:rPr lang="en-GB" dirty="0"/>
               <a:t>Fifth level</a:t>
             </a:r>
             <a:endParaRPr lang="en-US" dirty="0"/>
@@ -7088,31 +7459,32 @@
     <p:sldLayoutId id="2147483651" r:id="rId2"/>
     <p:sldLayoutId id="2147483669" r:id="rId3"/>
     <p:sldLayoutId id="2147483671" r:id="rId4"/>
-    <p:sldLayoutId id="2147483650" r:id="rId5"/>
-    <p:sldLayoutId id="2147483673" r:id="rId6"/>
-    <p:sldLayoutId id="2147483660" r:id="rId7"/>
-    <p:sldLayoutId id="2147483668" r:id="rId8"/>
-    <p:sldLayoutId id="2147483652" r:id="rId9"/>
-    <p:sldLayoutId id="2147483653" r:id="rId10"/>
-    <p:sldLayoutId id="2147483654" r:id="rId11"/>
-    <p:sldLayoutId id="2147483655" r:id="rId12"/>
-    <p:sldLayoutId id="2147483670" r:id="rId13"/>
-    <p:sldLayoutId id="2147483657" r:id="rId14"/>
-    <p:sldLayoutId id="2147483658" r:id="rId15"/>
-    <p:sldLayoutId id="2147483659" r:id="rId16"/>
-    <p:sldLayoutId id="2147483665" r:id="rId17"/>
-    <p:sldLayoutId id="2147483667" r:id="rId18"/>
-    <p:sldLayoutId id="2147483666" r:id="rId19"/>
-    <p:sldLayoutId id="2147483664" r:id="rId20"/>
+    <p:sldLayoutId id="2147483674" r:id="rId5"/>
+    <p:sldLayoutId id="2147483650" r:id="rId6"/>
+    <p:sldLayoutId id="2147483673" r:id="rId7"/>
+    <p:sldLayoutId id="2147483660" r:id="rId8"/>
+    <p:sldLayoutId id="2147483668" r:id="rId9"/>
+    <p:sldLayoutId id="2147483652" r:id="rId10"/>
+    <p:sldLayoutId id="2147483653" r:id="rId11"/>
+    <p:sldLayoutId id="2147483654" r:id="rId12"/>
+    <p:sldLayoutId id="2147483655" r:id="rId13"/>
+    <p:sldLayoutId id="2147483670" r:id="rId14"/>
+    <p:sldLayoutId id="2147483657" r:id="rId15"/>
+    <p:sldLayoutId id="2147483658" r:id="rId16"/>
+    <p:sldLayoutId id="2147483659" r:id="rId17"/>
+    <p:sldLayoutId id="2147483665" r:id="rId18"/>
+    <p:sldLayoutId id="2147483667" r:id="rId19"/>
+    <p:sldLayoutId id="2147483666" r:id="rId20"/>
+    <p:sldLayoutId id="2147483664" r:id="rId21"/>
   </p:sldLayoutIdLst>
   <p:txStyles>
     <p:titleStyle>
-      <a:lvl1pPr algn="ctr" defTabSz="342900" rtl="0" eaLnBrk="1" latinLnBrk="0" hangingPunct="1">
+      <a:lvl1pPr algn="ctr" defTabSz="457189" rtl="0" eaLnBrk="1" latinLnBrk="0" hangingPunct="1">
         <a:spcBef>
           <a:spcPct val="0"/>
         </a:spcBef>
         <a:buNone/>
-        <a:defRPr lang="en-US" sz="1800" b="1" i="0" kern="1200" cap="all" baseline="0" dirty="0">
+        <a:defRPr lang="en-US" sz="2400" b="1" i="0" kern="1200" cap="all" baseline="0" dirty="0">
           <a:solidFill>
             <a:srgbClr val="1E2846"/>
           </a:solidFill>
@@ -7123,19 +7495,19 @@
       </a:lvl1pPr>
     </p:titleStyle>
     <p:bodyStyle>
-      <a:lvl1pPr marL="257175" indent="-171450" algn="l" defTabSz="685800" rtl="0" eaLnBrk="1" latinLnBrk="0" hangingPunct="1">
+      <a:lvl1pPr marL="342891" indent="-228594" algn="l" defTabSz="914377" rtl="0" eaLnBrk="1" latinLnBrk="0" hangingPunct="1">
         <a:lnSpc>
           <a:spcPct val="90000"/>
         </a:lnSpc>
         <a:spcBef>
-          <a:spcPct val="20000"/>
+          <a:spcPts val="500"/>
         </a:spcBef>
         <a:buClr>
           <a:srgbClr val="9600FF"/>
         </a:buClr>
         <a:buFont typeface="Wingdings" pitchFamily="2" charset="2"/>
         <a:buChar char="§"/>
-        <a:defRPr lang="en-US" sz="1350" b="0" kern="1200" baseline="0" dirty="0" smtClean="0">
+        <a:defRPr lang="en-US" sz="1800" b="0" kern="1200" baseline="0" dirty="0" smtClean="0">
           <a:solidFill>
             <a:srgbClr val="1E2846"/>
           </a:solidFill>
@@ -7144,19 +7516,19 @@
           <a:cs typeface="Open Sans Light" panose="020B0306030504020204" pitchFamily="34" charset="0"/>
         </a:defRPr>
       </a:lvl1pPr>
-      <a:lvl2pPr marL="557213" indent="-171450" algn="l" defTabSz="685800" rtl="0" eaLnBrk="1" latinLnBrk="0" hangingPunct="1">
+      <a:lvl2pPr marL="742932" indent="-228594" algn="l" defTabSz="914377" rtl="0" eaLnBrk="1" latinLnBrk="0" hangingPunct="1">
         <a:lnSpc>
           <a:spcPct val="90000"/>
         </a:lnSpc>
         <a:spcBef>
-          <a:spcPct val="20000"/>
+          <a:spcPts val="500"/>
         </a:spcBef>
         <a:buClr>
           <a:srgbClr val="9600FF"/>
         </a:buClr>
         <a:buFont typeface="Courier New" panose="02070309020205020404" pitchFamily="49" charset="0"/>
         <a:buChar char="o"/>
-        <a:defRPr lang="en-US" sz="1350" b="0" kern="1200" baseline="0" dirty="0" smtClean="0">
+        <a:defRPr lang="en-US" sz="1800" b="0" kern="1200" baseline="0" dirty="0" smtClean="0">
           <a:solidFill>
             <a:srgbClr val="1E2846"/>
           </a:solidFill>
@@ -7165,19 +7537,19 @@
           <a:cs typeface="Open Sans Light" panose="020B0306030504020204" pitchFamily="34" charset="0"/>
         </a:defRPr>
       </a:lvl2pPr>
-      <a:lvl3pPr marL="857250" indent="-171450" algn="l" defTabSz="685800" rtl="0" eaLnBrk="1" latinLnBrk="0" hangingPunct="1">
+      <a:lvl3pPr marL="1142971" indent="-228594" algn="l" defTabSz="914377" rtl="0" eaLnBrk="1" latinLnBrk="0" hangingPunct="1">
         <a:lnSpc>
           <a:spcPct val="90000"/>
         </a:lnSpc>
         <a:spcBef>
-          <a:spcPct val="20000"/>
+          <a:spcPts val="500"/>
         </a:spcBef>
         <a:buClr>
           <a:srgbClr val="9600FF"/>
         </a:buClr>
         <a:buFont typeface="Courier New" panose="02070309020205020404" pitchFamily="49" charset="0"/>
         <a:buChar char="o"/>
-        <a:defRPr lang="en-US" sz="1350" b="0" kern="1200" baseline="0" dirty="0" smtClean="0">
+        <a:defRPr lang="en-US" sz="1800" b="0" kern="1200" baseline="0" dirty="0" smtClean="0">
           <a:solidFill>
             <a:srgbClr val="1E2846"/>
           </a:solidFill>
@@ -7186,19 +7558,19 @@
           <a:cs typeface="Open Sans Light" panose="020B0306030504020204" pitchFamily="34" charset="0"/>
         </a:defRPr>
       </a:lvl3pPr>
-      <a:lvl4pPr marL="1200150" indent="-171450" algn="l" defTabSz="685800" rtl="0" eaLnBrk="1" latinLnBrk="0" hangingPunct="1">
+      <a:lvl4pPr marL="1600160" indent="-228594" algn="l" defTabSz="914377" rtl="0" eaLnBrk="1" latinLnBrk="0" hangingPunct="1">
         <a:lnSpc>
           <a:spcPct val="90000"/>
         </a:lnSpc>
         <a:spcBef>
-          <a:spcPct val="20000"/>
+          <a:spcPts val="500"/>
         </a:spcBef>
         <a:buClr>
           <a:srgbClr val="9600FF"/>
         </a:buClr>
         <a:buFont typeface="Courier New" panose="02070309020205020404" pitchFamily="49" charset="0"/>
         <a:buChar char="o"/>
-        <a:defRPr lang="en-US" sz="1350" b="0" kern="1200" baseline="0" dirty="0" smtClean="0">
+        <a:defRPr lang="en-US" sz="1800" b="0" kern="1200" baseline="0" dirty="0" smtClean="0">
           <a:solidFill>
             <a:srgbClr val="1E2846"/>
           </a:solidFill>
@@ -7207,19 +7579,19 @@
           <a:cs typeface="Open Sans Light" panose="020B0306030504020204" pitchFamily="34" charset="0"/>
         </a:defRPr>
       </a:lvl4pPr>
-      <a:lvl5pPr marL="1543050" indent="-171450" algn="l" defTabSz="685800" rtl="0" eaLnBrk="1" latinLnBrk="0" hangingPunct="1">
+      <a:lvl5pPr marL="2057349" indent="-228594" algn="l" defTabSz="914377" rtl="0" eaLnBrk="1" latinLnBrk="0" hangingPunct="1">
         <a:lnSpc>
           <a:spcPct val="90000"/>
         </a:lnSpc>
         <a:spcBef>
-          <a:spcPct val="20000"/>
+          <a:spcPts val="500"/>
         </a:spcBef>
         <a:buClr>
           <a:srgbClr val="9600FF"/>
         </a:buClr>
         <a:buFont typeface="Courier New" panose="02070309020205020404" pitchFamily="49" charset="0"/>
         <a:buChar char="o"/>
-        <a:defRPr lang="en-US" sz="1350" b="0" kern="1200" baseline="0" dirty="0">
+        <a:defRPr lang="en-US" sz="1800" b="0" kern="1200" baseline="0" dirty="0">
           <a:solidFill>
             <a:srgbClr val="1E2846"/>
           </a:solidFill>
@@ -7228,13 +7600,13 @@
           <a:cs typeface="Open Sans Light" panose="020B0306030504020204" pitchFamily="34" charset="0"/>
         </a:defRPr>
       </a:lvl5pPr>
-      <a:lvl6pPr marL="1885950" indent="-171450" algn="l" defTabSz="342900" rtl="0" eaLnBrk="1" latinLnBrk="0" hangingPunct="1">
+      <a:lvl6pPr marL="2514537" indent="-228594" algn="l" defTabSz="457189" rtl="0" eaLnBrk="1" latinLnBrk="0" hangingPunct="1">
         <a:spcBef>
           <a:spcPct val="20000"/>
         </a:spcBef>
         <a:buFont typeface="Arial"/>
         <a:buChar char="•"/>
-        <a:defRPr sz="1500" kern="1200">
+        <a:defRPr sz="2000" kern="1200">
           <a:solidFill>
             <a:schemeClr val="tx1"/>
           </a:solidFill>
@@ -7243,13 +7615,13 @@
           <a:cs typeface="+mn-cs"/>
         </a:defRPr>
       </a:lvl6pPr>
-      <a:lvl7pPr marL="2228850" indent="-171450" algn="l" defTabSz="342900" rtl="0" eaLnBrk="1" latinLnBrk="0" hangingPunct="1">
+      <a:lvl7pPr marL="2971726" indent="-228594" algn="l" defTabSz="457189" rtl="0" eaLnBrk="1" latinLnBrk="0" hangingPunct="1">
         <a:spcBef>
           <a:spcPct val="20000"/>
         </a:spcBef>
         <a:buFont typeface="Arial"/>
         <a:buChar char="•"/>
-        <a:defRPr sz="1500" kern="1200">
+        <a:defRPr sz="2000" kern="1200">
           <a:solidFill>
             <a:schemeClr val="tx1"/>
           </a:solidFill>
@@ -7258,13 +7630,13 @@
           <a:cs typeface="+mn-cs"/>
         </a:defRPr>
       </a:lvl7pPr>
-      <a:lvl8pPr marL="2571750" indent="-171450" algn="l" defTabSz="342900" rtl="0" eaLnBrk="1" latinLnBrk="0" hangingPunct="1">
+      <a:lvl8pPr marL="3428914" indent="-228594" algn="l" defTabSz="457189" rtl="0" eaLnBrk="1" latinLnBrk="0" hangingPunct="1">
         <a:spcBef>
           <a:spcPct val="20000"/>
         </a:spcBef>
         <a:buFont typeface="Arial"/>
         <a:buChar char="•"/>
-        <a:defRPr sz="1500" kern="1200">
+        <a:defRPr sz="2000" kern="1200">
           <a:solidFill>
             <a:schemeClr val="tx1"/>
           </a:solidFill>
@@ -7273,13 +7645,13 @@
           <a:cs typeface="+mn-cs"/>
         </a:defRPr>
       </a:lvl8pPr>
-      <a:lvl9pPr marL="2914650" indent="-171450" algn="l" defTabSz="342900" rtl="0" eaLnBrk="1" latinLnBrk="0" hangingPunct="1">
+      <a:lvl9pPr marL="3886103" indent="-228594" algn="l" defTabSz="457189" rtl="0" eaLnBrk="1" latinLnBrk="0" hangingPunct="1">
         <a:spcBef>
           <a:spcPct val="20000"/>
         </a:spcBef>
         <a:buFont typeface="Arial"/>
         <a:buChar char="•"/>
-        <a:defRPr sz="1500" kern="1200">
+        <a:defRPr sz="2000" kern="1200">
           <a:solidFill>
             <a:schemeClr val="tx1"/>
           </a:solidFill>
@@ -7293,8 +7665,8 @@
       <a:defPPr>
         <a:defRPr lang="en-US"/>
       </a:defPPr>
-      <a:lvl1pPr marL="0" algn="l" defTabSz="342900" rtl="0" eaLnBrk="1" latinLnBrk="0" hangingPunct="1">
-        <a:defRPr sz="1350" kern="1200">
+      <a:lvl1pPr marL="0" algn="l" defTabSz="457189" rtl="0" eaLnBrk="1" latinLnBrk="0" hangingPunct="1">
+        <a:defRPr sz="1800" kern="1200">
           <a:solidFill>
             <a:schemeClr val="tx1"/>
           </a:solidFill>
@@ -7303,8 +7675,8 @@
           <a:cs typeface="+mn-cs"/>
         </a:defRPr>
       </a:lvl1pPr>
-      <a:lvl2pPr marL="342900" algn="l" defTabSz="342900" rtl="0" eaLnBrk="1" latinLnBrk="0" hangingPunct="1">
-        <a:defRPr sz="1350" kern="1200">
+      <a:lvl2pPr marL="457189" algn="l" defTabSz="457189" rtl="0" eaLnBrk="1" latinLnBrk="0" hangingPunct="1">
+        <a:defRPr sz="1800" kern="1200">
           <a:solidFill>
             <a:schemeClr val="tx1"/>
           </a:solidFill>
@@ -7313,8 +7685,8 @@
           <a:cs typeface="+mn-cs"/>
         </a:defRPr>
       </a:lvl2pPr>
-      <a:lvl3pPr marL="685800" algn="l" defTabSz="342900" rtl="0" eaLnBrk="1" latinLnBrk="0" hangingPunct="1">
-        <a:defRPr sz="1350" kern="1200">
+      <a:lvl3pPr marL="914377" algn="l" defTabSz="457189" rtl="0" eaLnBrk="1" latinLnBrk="0" hangingPunct="1">
+        <a:defRPr sz="1800" kern="1200">
           <a:solidFill>
             <a:schemeClr val="tx1"/>
           </a:solidFill>
@@ -7323,8 +7695,8 @@
           <a:cs typeface="+mn-cs"/>
         </a:defRPr>
       </a:lvl3pPr>
-      <a:lvl4pPr marL="1028700" algn="l" defTabSz="342900" rtl="0" eaLnBrk="1" latinLnBrk="0" hangingPunct="1">
-        <a:defRPr sz="1350" kern="1200">
+      <a:lvl4pPr marL="1371566" algn="l" defTabSz="457189" rtl="0" eaLnBrk="1" latinLnBrk="0" hangingPunct="1">
+        <a:defRPr sz="1800" kern="1200">
           <a:solidFill>
             <a:schemeClr val="tx1"/>
           </a:solidFill>
@@ -7333,8 +7705,8 @@
           <a:cs typeface="+mn-cs"/>
         </a:defRPr>
       </a:lvl4pPr>
-      <a:lvl5pPr marL="1371600" algn="l" defTabSz="342900" rtl="0" eaLnBrk="1" latinLnBrk="0" hangingPunct="1">
-        <a:defRPr sz="1350" kern="1200">
+      <a:lvl5pPr marL="1828754" algn="l" defTabSz="457189" rtl="0" eaLnBrk="1" latinLnBrk="0" hangingPunct="1">
+        <a:defRPr sz="1800" kern="1200">
           <a:solidFill>
             <a:schemeClr val="tx1"/>
           </a:solidFill>
@@ -7343,8 +7715,8 @@
           <a:cs typeface="+mn-cs"/>
         </a:defRPr>
       </a:lvl5pPr>
-      <a:lvl6pPr marL="1714500" algn="l" defTabSz="342900" rtl="0" eaLnBrk="1" latinLnBrk="0" hangingPunct="1">
-        <a:defRPr sz="1350" kern="1200">
+      <a:lvl6pPr marL="2285943" algn="l" defTabSz="457189" rtl="0" eaLnBrk="1" latinLnBrk="0" hangingPunct="1">
+        <a:defRPr sz="1800" kern="1200">
           <a:solidFill>
             <a:schemeClr val="tx1"/>
           </a:solidFill>
@@ -7353,8 +7725,8 @@
           <a:cs typeface="+mn-cs"/>
         </a:defRPr>
       </a:lvl6pPr>
-      <a:lvl7pPr marL="2057400" algn="l" defTabSz="342900" rtl="0" eaLnBrk="1" latinLnBrk="0" hangingPunct="1">
-        <a:defRPr sz="1350" kern="1200">
+      <a:lvl7pPr marL="2743131" algn="l" defTabSz="457189" rtl="0" eaLnBrk="1" latinLnBrk="0" hangingPunct="1">
+        <a:defRPr sz="1800" kern="1200">
           <a:solidFill>
             <a:schemeClr val="tx1"/>
           </a:solidFill>
@@ -7363,8 +7735,8 @@
           <a:cs typeface="+mn-cs"/>
         </a:defRPr>
       </a:lvl7pPr>
-      <a:lvl8pPr marL="2400300" algn="l" defTabSz="342900" rtl="0" eaLnBrk="1" latinLnBrk="0" hangingPunct="1">
-        <a:defRPr sz="1350" kern="1200">
+      <a:lvl8pPr marL="3200320" algn="l" defTabSz="457189" rtl="0" eaLnBrk="1" latinLnBrk="0" hangingPunct="1">
+        <a:defRPr sz="1800" kern="1200">
           <a:solidFill>
             <a:schemeClr val="tx1"/>
           </a:solidFill>
@@ -7373,8 +7745,8 @@
           <a:cs typeface="+mn-cs"/>
         </a:defRPr>
       </a:lvl8pPr>
-      <a:lvl9pPr marL="2743200" algn="l" defTabSz="342900" rtl="0" eaLnBrk="1" latinLnBrk="0" hangingPunct="1">
-        <a:defRPr sz="1350" kern="1200">
+      <a:lvl9pPr marL="3657509" algn="l" defTabSz="457189" rtl="0" eaLnBrk="1" latinLnBrk="0" hangingPunct="1">
+        <a:defRPr sz="1800" kern="1200">
           <a:solidFill>
             <a:schemeClr val="tx1"/>
           </a:solidFill>
@@ -7462,6 +7834,36 @@
 </p:sld>
 </file>
 
+<file path=ppt/slides/slide10.xml><?xml version="1.0" encoding="utf-8"?>
+<p:sld xmlns:a="http://schemas.openxmlformats.org/drawingml/2006/main" xmlns:r="http://schemas.openxmlformats.org/officeDocument/2006/relationships" xmlns:p="http://schemas.openxmlformats.org/presentationml/2006/main">
+  <p:cSld>
+    <p:spTree>
+      <p:nvGrpSpPr>
+        <p:cNvPr id="1" name=""/>
+        <p:cNvGrpSpPr/>
+        <p:nvPr/>
+      </p:nvGrpSpPr>
+      <p:grpSpPr>
+        <a:xfrm>
+          <a:off x="0" y="0"/>
+          <a:ext cx="0" cy="0"/>
+          <a:chOff x="0" y="0"/>
+          <a:chExt cx="0" cy="0"/>
+        </a:xfrm>
+      </p:grpSpPr>
+    </p:spTree>
+    <p:extLst>
+      <p:ext uri="{BB962C8B-B14F-4D97-AF65-F5344CB8AC3E}">
+        <p14:creationId xmlns:p14="http://schemas.microsoft.com/office/powerpoint/2010/main" val="601020214"/>
+      </p:ext>
+    </p:extLst>
+  </p:cSld>
+  <p:clrMapOvr>
+    <a:masterClrMapping/>
+  </p:clrMapOvr>
+</p:sld>
+</file>
+
 <file path=ppt/slides/slide2.xml><?xml version="1.0" encoding="utf-8"?>
 <p:sld xmlns:a="http://schemas.openxmlformats.org/drawingml/2006/main" xmlns:r="http://schemas.openxmlformats.org/officeDocument/2006/relationships" xmlns:p="http://schemas.openxmlformats.org/presentationml/2006/main">
   <p:cSld>
@@ -7481,10 +7883,10 @@
       </p:grpSpPr>
       <p:sp>
         <p:nvSpPr>
-          <p:cNvPr id="10" name="Title 9">
+          <p:cNvPr id="2" name="Title 1">
             <a:extLst>
               <a:ext uri="{FF2B5EF4-FFF2-40B4-BE49-F238E27FC236}">
-                <a16:creationId xmlns:a16="http://schemas.microsoft.com/office/drawing/2014/main" id="{CACE8106-946F-8245-A538-3CED66F2B88A}"/>
+                <a16:creationId xmlns:a16="http://schemas.microsoft.com/office/drawing/2014/main" id="{11E4B242-22D2-BE42-9AAB-B4B48F8D37FE}"/>
               </a:ext>
             </a:extLst>
           </p:cNvPr>
@@ -7497,9 +7899,7 @@
         </p:nvSpPr>
         <p:spPr/>
         <p:txBody>
-          <a:bodyPr>
-            <a:normAutofit fontScale="90000"/>
-          </a:bodyPr>
+          <a:bodyPr/>
           <a:lstStyle/>
           <a:p>
             <a:endParaRPr lang="en-US"/>
@@ -7508,10 +7908,10 @@
       </p:sp>
       <p:sp>
         <p:nvSpPr>
-          <p:cNvPr id="11" name="Content Placeholder 10">
+          <p:cNvPr id="3" name="Content Placeholder 2">
             <a:extLst>
               <a:ext uri="{FF2B5EF4-FFF2-40B4-BE49-F238E27FC236}">
-                <a16:creationId xmlns:a16="http://schemas.microsoft.com/office/drawing/2014/main" id="{671ECB8E-039E-644A-8D5E-C235043DD8B3}"/>
+                <a16:creationId xmlns:a16="http://schemas.microsoft.com/office/drawing/2014/main" id="{46A2EE3D-B16F-5B41-987C-93E0D54DC7AE}"/>
               </a:ext>
             </a:extLst>
           </p:cNvPr>
@@ -7531,6 +7931,104 @@
           </a:p>
         </p:txBody>
       </p:sp>
+      <p:sp>
+        <p:nvSpPr>
+          <p:cNvPr id="6" name="Picture Placeholder 5">
+            <a:extLst>
+              <a:ext uri="{FF2B5EF4-FFF2-40B4-BE49-F238E27FC236}">
+                <a16:creationId xmlns:a16="http://schemas.microsoft.com/office/drawing/2014/main" id="{EC8F19B4-E6C7-8C41-BA21-1C8DA49386E5}"/>
+              </a:ext>
+            </a:extLst>
+          </p:cNvPr>
+          <p:cNvSpPr>
+            <a:spLocks noGrp="1"/>
+          </p:cNvSpPr>
+          <p:nvPr>
+            <p:ph type="pic" sz="quarter" idx="15"/>
+          </p:nvPr>
+        </p:nvSpPr>
+        <p:spPr/>
+      </p:sp>
+      <p:sp>
+        <p:nvSpPr>
+          <p:cNvPr id="4" name="Content Placeholder 3">
+            <a:extLst>
+              <a:ext uri="{FF2B5EF4-FFF2-40B4-BE49-F238E27FC236}">
+                <a16:creationId xmlns:a16="http://schemas.microsoft.com/office/drawing/2014/main" id="{8B9E2F79-0A36-1E45-9D60-398A01A5313C}"/>
+              </a:ext>
+            </a:extLst>
+          </p:cNvPr>
+          <p:cNvSpPr>
+            <a:spLocks noGrp="1"/>
+          </p:cNvSpPr>
+          <p:nvPr>
+            <p:ph sz="quarter" idx="12"/>
+          </p:nvPr>
+        </p:nvSpPr>
+        <p:spPr/>
+        <p:txBody>
+          <a:bodyPr/>
+          <a:lstStyle/>
+          <a:p>
+            <a:endParaRPr lang="en-US"/>
+          </a:p>
+        </p:txBody>
+      </p:sp>
+      <p:sp>
+        <p:nvSpPr>
+          <p:cNvPr id="5" name="Content Placeholder 4">
+            <a:extLst>
+              <a:ext uri="{FF2B5EF4-FFF2-40B4-BE49-F238E27FC236}">
+                <a16:creationId xmlns:a16="http://schemas.microsoft.com/office/drawing/2014/main" id="{6A353096-EA33-7147-840C-D17D6CB46AE7}"/>
+              </a:ext>
+            </a:extLst>
+          </p:cNvPr>
+          <p:cNvSpPr>
+            <a:spLocks noGrp="1"/>
+          </p:cNvSpPr>
+          <p:nvPr>
+            <p:ph sz="quarter" idx="13"/>
+          </p:nvPr>
+        </p:nvSpPr>
+        <p:spPr/>
+        <p:txBody>
+          <a:bodyPr/>
+          <a:lstStyle/>
+          <a:p>
+            <a:endParaRPr lang="en-US"/>
+          </a:p>
+        </p:txBody>
+      </p:sp>
+      <p:pic>
+        <p:nvPicPr>
+          <p:cNvPr id="7" name="Picture 6">
+            <a:extLst>
+              <a:ext uri="{FF2B5EF4-FFF2-40B4-BE49-F238E27FC236}">
+                <a16:creationId xmlns:a16="http://schemas.microsoft.com/office/drawing/2014/main" id="{B3807C0C-80A2-8748-9273-665AF170A2C0}"/>
+              </a:ext>
+            </a:extLst>
+          </p:cNvPr>
+          <p:cNvPicPr>
+            <a:picLocks noChangeAspect="1"/>
+          </p:cNvPicPr>
+          <p:nvPr/>
+        </p:nvPicPr>
+        <p:blipFill>
+          <a:blip r:embed="rId2"/>
+          <a:stretch>
+            <a:fillRect/>
+          </a:stretch>
+        </p:blipFill>
+        <p:spPr>
+          <a:xfrm>
+            <a:off x="238241" y="1028693"/>
+            <a:ext cx="1854200" cy="889000"/>
+          </a:xfrm>
+          <a:prstGeom prst="rect">
+            <a:avLst/>
+          </a:prstGeom>
+        </p:spPr>
+      </p:pic>
     </p:spTree>
     <p:extLst>
       <p:ext uri="{BB962C8B-B14F-4D97-AF65-F5344CB8AC3E}">
@@ -7563,10 +8061,10 @@
       </p:grpSpPr>
       <p:sp>
         <p:nvSpPr>
-          <p:cNvPr id="5" name="Title 4">
+          <p:cNvPr id="2" name="Title 1">
             <a:extLst>
               <a:ext uri="{FF2B5EF4-FFF2-40B4-BE49-F238E27FC236}">
-                <a16:creationId xmlns:a16="http://schemas.microsoft.com/office/drawing/2014/main" id="{04965CDB-2E3A-2244-B54D-110A203D9EE3}"/>
+                <a16:creationId xmlns:a16="http://schemas.microsoft.com/office/drawing/2014/main" id="{9B14587D-F902-6E4B-A2AA-C2BD7D96CB74}"/>
               </a:ext>
             </a:extLst>
           </p:cNvPr>
@@ -7579,7 +8077,9 @@
         </p:nvSpPr>
         <p:spPr/>
         <p:txBody>
-          <a:bodyPr/>
+          <a:bodyPr>
+            <a:normAutofit fontScale="90000"/>
+          </a:bodyPr>
           <a:lstStyle/>
           <a:p>
             <a:endParaRPr lang="en-US"/>
@@ -7588,10 +8088,10 @@
       </p:sp>
       <p:sp>
         <p:nvSpPr>
-          <p:cNvPr id="6" name="Text Placeholder 5">
+          <p:cNvPr id="3" name="Content Placeholder 2">
             <a:extLst>
               <a:ext uri="{FF2B5EF4-FFF2-40B4-BE49-F238E27FC236}">
-                <a16:creationId xmlns:a16="http://schemas.microsoft.com/office/drawing/2014/main" id="{FBDD4783-F34A-A347-9485-3C878980721B}"/>
+                <a16:creationId xmlns:a16="http://schemas.microsoft.com/office/drawing/2014/main" id="{D938191E-2326-B54E-980D-026F8D932955}"/>
               </a:ext>
             </a:extLst>
           </p:cNvPr>
@@ -7599,7 +8099,7 @@
             <a:spLocks noGrp="1"/>
           </p:cNvSpPr>
           <p:nvPr>
-            <p:ph type="body" idx="1"/>
+            <p:ph idx="1"/>
           </p:nvPr>
         </p:nvSpPr>
         <p:spPr/>
@@ -7611,6 +8111,36 @@
           </a:p>
         </p:txBody>
       </p:sp>
+      <p:pic>
+        <p:nvPicPr>
+          <p:cNvPr id="4" name="Picture 3">
+            <a:extLst>
+              <a:ext uri="{FF2B5EF4-FFF2-40B4-BE49-F238E27FC236}">
+                <a16:creationId xmlns:a16="http://schemas.microsoft.com/office/drawing/2014/main" id="{A189631A-CE77-9B48-9776-93DC7413D744}"/>
+              </a:ext>
+            </a:extLst>
+          </p:cNvPr>
+          <p:cNvPicPr>
+            <a:picLocks noChangeAspect="1"/>
+          </p:cNvPicPr>
+          <p:nvPr/>
+        </p:nvPicPr>
+        <p:blipFill>
+          <a:blip r:embed="rId2"/>
+          <a:stretch>
+            <a:fillRect/>
+          </a:stretch>
+        </p:blipFill>
+        <p:spPr>
+          <a:xfrm>
+            <a:off x="140627" y="921237"/>
+            <a:ext cx="2705100" cy="863600"/>
+          </a:xfrm>
+          <a:prstGeom prst="rect">
+            <a:avLst/>
+          </a:prstGeom>
+        </p:spPr>
+      </p:pic>
     </p:spTree>
     <p:extLst>
       <p:ext uri="{BB962C8B-B14F-4D97-AF65-F5344CB8AC3E}">
@@ -7643,35 +8173,10 @@
       </p:grpSpPr>
       <p:sp>
         <p:nvSpPr>
-          <p:cNvPr id="15" name="Content Placeholder 14">
+          <p:cNvPr id="2" name="Title 1">
             <a:extLst>
               <a:ext uri="{FF2B5EF4-FFF2-40B4-BE49-F238E27FC236}">
-                <a16:creationId xmlns:a16="http://schemas.microsoft.com/office/drawing/2014/main" id="{D660ED66-4C43-0D45-9002-E479D8DADA86}"/>
-              </a:ext>
-            </a:extLst>
-          </p:cNvPr>
-          <p:cNvSpPr>
-            <a:spLocks noGrp="1"/>
-          </p:cNvSpPr>
-          <p:nvPr>
-            <p:ph idx="12"/>
-          </p:nvPr>
-        </p:nvSpPr>
-        <p:spPr/>
-        <p:txBody>
-          <a:bodyPr/>
-          <a:lstStyle/>
-          <a:p>
-            <a:endParaRPr lang="en-US"/>
-          </a:p>
-        </p:txBody>
-      </p:sp>
-      <p:sp>
-        <p:nvSpPr>
-          <p:cNvPr id="13" name="Title 12">
-            <a:extLst>
-              <a:ext uri="{FF2B5EF4-FFF2-40B4-BE49-F238E27FC236}">
-                <a16:creationId xmlns:a16="http://schemas.microsoft.com/office/drawing/2014/main" id="{60430A94-B456-B34B-B575-89735CC83F05}"/>
+                <a16:creationId xmlns:a16="http://schemas.microsoft.com/office/drawing/2014/main" id="{B186176C-5AC5-9E4B-BFB9-1FCA25AA6902}"/>
               </a:ext>
             </a:extLst>
           </p:cNvPr>
@@ -7695,10 +8200,10 @@
       </p:sp>
       <p:sp>
         <p:nvSpPr>
-          <p:cNvPr id="14" name="Content Placeholder 13">
+          <p:cNvPr id="3" name="Content Placeholder 2">
             <a:extLst>
               <a:ext uri="{FF2B5EF4-FFF2-40B4-BE49-F238E27FC236}">
-                <a16:creationId xmlns:a16="http://schemas.microsoft.com/office/drawing/2014/main" id="{5BC86756-E572-334C-AF02-E6DAB5A4675C}"/>
+                <a16:creationId xmlns:a16="http://schemas.microsoft.com/office/drawing/2014/main" id="{AF0EA3A6-7580-2B4C-BBCF-682B6EB0DADC}"/>
               </a:ext>
             </a:extLst>
           </p:cNvPr>
@@ -7706,7 +8211,7 @@
             <a:spLocks noGrp="1"/>
           </p:cNvSpPr>
           <p:nvPr>
-            <p:ph idx="11"/>
+            <p:ph idx="1"/>
           </p:nvPr>
         </p:nvSpPr>
         <p:spPr/>
@@ -7718,6 +8223,36 @@
           </a:p>
         </p:txBody>
       </p:sp>
+      <p:pic>
+        <p:nvPicPr>
+          <p:cNvPr id="4" name="Picture 3">
+            <a:extLst>
+              <a:ext uri="{FF2B5EF4-FFF2-40B4-BE49-F238E27FC236}">
+                <a16:creationId xmlns:a16="http://schemas.microsoft.com/office/drawing/2014/main" id="{26F30E17-7F07-454D-97B2-CD599BE1C0B7}"/>
+              </a:ext>
+            </a:extLst>
+          </p:cNvPr>
+          <p:cNvPicPr>
+            <a:picLocks noChangeAspect="1"/>
+          </p:cNvPicPr>
+          <p:nvPr/>
+        </p:nvPicPr>
+        <p:blipFill>
+          <a:blip r:embed="rId2"/>
+          <a:stretch>
+            <a:fillRect/>
+          </a:stretch>
+        </p:blipFill>
+        <p:spPr>
+          <a:xfrm>
+            <a:off x="397563" y="1032909"/>
+            <a:ext cx="1854200" cy="2120900"/>
+          </a:xfrm>
+          <a:prstGeom prst="rect">
+            <a:avLst/>
+          </a:prstGeom>
+        </p:spPr>
+      </p:pic>
     </p:spTree>
     <p:extLst>
       <p:ext uri="{BB962C8B-B14F-4D97-AF65-F5344CB8AC3E}">
@@ -7748,10 +8283,117 @@
           <a:chExt cx="0" cy="0"/>
         </a:xfrm>
       </p:grpSpPr>
+      <p:sp>
+        <p:nvSpPr>
+          <p:cNvPr id="4" name="Title 3">
+            <a:extLst>
+              <a:ext uri="{FF2B5EF4-FFF2-40B4-BE49-F238E27FC236}">
+                <a16:creationId xmlns:a16="http://schemas.microsoft.com/office/drawing/2014/main" id="{24FAA5F0-B118-604E-B07E-BB208F041437}"/>
+              </a:ext>
+            </a:extLst>
+          </p:cNvPr>
+          <p:cNvSpPr>
+            <a:spLocks noGrp="1"/>
+          </p:cNvSpPr>
+          <p:nvPr>
+            <p:ph type="title"/>
+          </p:nvPr>
+        </p:nvSpPr>
+        <p:spPr/>
+        <p:txBody>
+          <a:bodyPr>
+            <a:normAutofit fontScale="90000"/>
+          </a:bodyPr>
+          <a:lstStyle/>
+          <a:p>
+            <a:endParaRPr lang="en-US"/>
+          </a:p>
+        </p:txBody>
+      </p:sp>
+      <p:sp>
+        <p:nvSpPr>
+          <p:cNvPr id="6" name="Text Placeholder 5">
+            <a:extLst>
+              <a:ext uri="{FF2B5EF4-FFF2-40B4-BE49-F238E27FC236}">
+                <a16:creationId xmlns:a16="http://schemas.microsoft.com/office/drawing/2014/main" id="{AE35D254-35D1-C847-8788-732E991B2D58}"/>
+              </a:ext>
+            </a:extLst>
+          </p:cNvPr>
+          <p:cNvSpPr>
+            <a:spLocks noGrp="1"/>
+          </p:cNvSpPr>
+          <p:nvPr>
+            <p:ph type="body" sz="quarter" idx="20"/>
+          </p:nvPr>
+        </p:nvSpPr>
+        <p:spPr/>
+        <p:txBody>
+          <a:bodyPr/>
+          <a:lstStyle/>
+          <a:p>
+            <a:endParaRPr lang="en-US"/>
+          </a:p>
+        </p:txBody>
+      </p:sp>
+      <p:sp>
+        <p:nvSpPr>
+          <p:cNvPr id="5" name="Content Placeholder 4">
+            <a:extLst>
+              <a:ext uri="{FF2B5EF4-FFF2-40B4-BE49-F238E27FC236}">
+                <a16:creationId xmlns:a16="http://schemas.microsoft.com/office/drawing/2014/main" id="{7BD87F6F-2442-944C-A29D-AFD83834E9BA}"/>
+              </a:ext>
+            </a:extLst>
+          </p:cNvPr>
+          <p:cNvSpPr>
+            <a:spLocks noGrp="1"/>
+          </p:cNvSpPr>
+          <p:nvPr>
+            <p:ph idx="1"/>
+          </p:nvPr>
+        </p:nvSpPr>
+        <p:spPr/>
+        <p:txBody>
+          <a:bodyPr/>
+          <a:lstStyle/>
+          <a:p>
+            <a:endParaRPr lang="en-US"/>
+          </a:p>
+        </p:txBody>
+      </p:sp>
+      <p:pic>
+        <p:nvPicPr>
+          <p:cNvPr id="8" name="Picture 7">
+            <a:extLst>
+              <a:ext uri="{FF2B5EF4-FFF2-40B4-BE49-F238E27FC236}">
+                <a16:creationId xmlns:a16="http://schemas.microsoft.com/office/drawing/2014/main" id="{216E0545-D647-7349-B806-E6045EBA1F0C}"/>
+              </a:ext>
+            </a:extLst>
+          </p:cNvPr>
+          <p:cNvPicPr>
+            <a:picLocks noChangeAspect="1"/>
+          </p:cNvPicPr>
+          <p:nvPr/>
+        </p:nvPicPr>
+        <p:blipFill>
+          <a:blip r:embed="rId2"/>
+          <a:stretch>
+            <a:fillRect/>
+          </a:stretch>
+        </p:blipFill>
+        <p:spPr>
+          <a:xfrm>
+            <a:off x="106571" y="3006190"/>
+            <a:ext cx="1854200" cy="1092200"/>
+          </a:xfrm>
+          <a:prstGeom prst="rect">
+            <a:avLst/>
+          </a:prstGeom>
+        </p:spPr>
+      </p:pic>
     </p:spTree>
     <p:extLst>
       <p:ext uri="{BB962C8B-B14F-4D97-AF65-F5344CB8AC3E}">
-        <p14:creationId xmlns:p14="http://schemas.microsoft.com/office/powerpoint/2010/main" val="1148132141"/>
+        <p14:creationId xmlns:p14="http://schemas.microsoft.com/office/powerpoint/2010/main" val="839525510"/>
       </p:ext>
     </p:extLst>
   </p:cSld>
@@ -7778,10 +8420,444 @@
           <a:chExt cx="0" cy="0"/>
         </a:xfrm>
       </p:grpSpPr>
+      <p:sp>
+        <p:nvSpPr>
+          <p:cNvPr id="5" name="Title 4">
+            <a:extLst>
+              <a:ext uri="{FF2B5EF4-FFF2-40B4-BE49-F238E27FC236}">
+                <a16:creationId xmlns:a16="http://schemas.microsoft.com/office/drawing/2014/main" id="{9EFFDDC4-F422-9749-9F1F-B33DE55FB3C2}"/>
+              </a:ext>
+            </a:extLst>
+          </p:cNvPr>
+          <p:cNvSpPr>
+            <a:spLocks noGrp="1"/>
+          </p:cNvSpPr>
+          <p:nvPr>
+            <p:ph type="title"/>
+          </p:nvPr>
+        </p:nvSpPr>
+        <p:spPr/>
+        <p:txBody>
+          <a:bodyPr/>
+          <a:lstStyle/>
+          <a:p>
+            <a:endParaRPr lang="en-US"/>
+          </a:p>
+        </p:txBody>
+      </p:sp>
+      <p:sp>
+        <p:nvSpPr>
+          <p:cNvPr id="6" name="Text Placeholder 5">
+            <a:extLst>
+              <a:ext uri="{FF2B5EF4-FFF2-40B4-BE49-F238E27FC236}">
+                <a16:creationId xmlns:a16="http://schemas.microsoft.com/office/drawing/2014/main" id="{86FD392C-9D9C-8E4D-8D15-010115E8EF4F}"/>
+              </a:ext>
+            </a:extLst>
+          </p:cNvPr>
+          <p:cNvSpPr>
+            <a:spLocks noGrp="1"/>
+          </p:cNvSpPr>
+          <p:nvPr>
+            <p:ph type="body" idx="1"/>
+          </p:nvPr>
+        </p:nvSpPr>
+        <p:spPr/>
+        <p:txBody>
+          <a:bodyPr/>
+          <a:lstStyle/>
+          <a:p>
+            <a:endParaRPr lang="en-US"/>
+          </a:p>
+        </p:txBody>
+      </p:sp>
+      <p:pic>
+        <p:nvPicPr>
+          <p:cNvPr id="8" name="Picture 7">
+            <a:extLst>
+              <a:ext uri="{FF2B5EF4-FFF2-40B4-BE49-F238E27FC236}">
+                <a16:creationId xmlns:a16="http://schemas.microsoft.com/office/drawing/2014/main" id="{76E55A47-FB68-A44D-A689-407FB216BD6F}"/>
+              </a:ext>
+            </a:extLst>
+          </p:cNvPr>
+          <p:cNvPicPr>
+            <a:picLocks noChangeAspect="1"/>
+          </p:cNvPicPr>
+          <p:nvPr/>
+        </p:nvPicPr>
+        <p:blipFill>
+          <a:blip r:embed="rId2"/>
+          <a:stretch>
+            <a:fillRect/>
+          </a:stretch>
+        </p:blipFill>
+        <p:spPr>
+          <a:xfrm>
+            <a:off x="473611" y="1178721"/>
+            <a:ext cx="1854200" cy="1092200"/>
+          </a:xfrm>
+          <a:prstGeom prst="rect">
+            <a:avLst/>
+          </a:prstGeom>
+        </p:spPr>
+      </p:pic>
     </p:spTree>
     <p:extLst>
       <p:ext uri="{BB962C8B-B14F-4D97-AF65-F5344CB8AC3E}">
-        <p14:creationId xmlns:p14="http://schemas.microsoft.com/office/powerpoint/2010/main" val="601020214"/>
+        <p14:creationId xmlns:p14="http://schemas.microsoft.com/office/powerpoint/2010/main" val="2786848621"/>
+      </p:ext>
+    </p:extLst>
+  </p:cSld>
+  <p:clrMapOvr>
+    <a:masterClrMapping/>
+  </p:clrMapOvr>
+</p:sld>
+</file>
+
+<file path=ppt/slides/slide7.xml><?xml version="1.0" encoding="utf-8"?>
+<p:sld xmlns:a="http://schemas.openxmlformats.org/drawingml/2006/main" xmlns:r="http://schemas.openxmlformats.org/officeDocument/2006/relationships" xmlns:p="http://schemas.openxmlformats.org/presentationml/2006/main">
+  <p:cSld>
+    <p:spTree>
+      <p:nvGrpSpPr>
+        <p:cNvPr id="1" name=""/>
+        <p:cNvGrpSpPr/>
+        <p:nvPr/>
+      </p:nvGrpSpPr>
+      <p:grpSpPr>
+        <a:xfrm>
+          <a:off x="0" y="0"/>
+          <a:ext cx="0" cy="0"/>
+          <a:chOff x="0" y="0"/>
+          <a:chExt cx="0" cy="0"/>
+        </a:xfrm>
+      </p:grpSpPr>
+      <p:sp>
+        <p:nvSpPr>
+          <p:cNvPr id="7" name="Title 6">
+            <a:extLst>
+              <a:ext uri="{FF2B5EF4-FFF2-40B4-BE49-F238E27FC236}">
+                <a16:creationId xmlns:a16="http://schemas.microsoft.com/office/drawing/2014/main" id="{4DDD890E-24AB-B942-9E9F-42A4A5F63112}"/>
+              </a:ext>
+            </a:extLst>
+          </p:cNvPr>
+          <p:cNvSpPr>
+            <a:spLocks noGrp="1"/>
+          </p:cNvSpPr>
+          <p:nvPr>
+            <p:ph type="title"/>
+          </p:nvPr>
+        </p:nvSpPr>
+        <p:spPr/>
+        <p:txBody>
+          <a:bodyPr>
+            <a:normAutofit fontScale="90000"/>
+          </a:bodyPr>
+          <a:lstStyle/>
+          <a:p>
+            <a:endParaRPr lang="en-US"/>
+          </a:p>
+        </p:txBody>
+      </p:sp>
+      <p:sp>
+        <p:nvSpPr>
+          <p:cNvPr id="9" name="Text Placeholder 8">
+            <a:extLst>
+              <a:ext uri="{FF2B5EF4-FFF2-40B4-BE49-F238E27FC236}">
+                <a16:creationId xmlns:a16="http://schemas.microsoft.com/office/drawing/2014/main" id="{9FA27AFA-8283-1B47-8C3D-AB826A51779B}"/>
+              </a:ext>
+            </a:extLst>
+          </p:cNvPr>
+          <p:cNvSpPr>
+            <a:spLocks noGrp="1"/>
+          </p:cNvSpPr>
+          <p:nvPr>
+            <p:ph type="body" sz="quarter" idx="20"/>
+          </p:nvPr>
+        </p:nvSpPr>
+        <p:spPr/>
+        <p:txBody>
+          <a:bodyPr/>
+          <a:lstStyle/>
+          <a:p>
+            <a:endParaRPr lang="en-US"/>
+          </a:p>
+        </p:txBody>
+      </p:sp>
+      <p:sp>
+        <p:nvSpPr>
+          <p:cNvPr id="8" name="Content Placeholder 7">
+            <a:extLst>
+              <a:ext uri="{FF2B5EF4-FFF2-40B4-BE49-F238E27FC236}">
+                <a16:creationId xmlns:a16="http://schemas.microsoft.com/office/drawing/2014/main" id="{BE40A955-BBEA-3B4E-BBCE-172AF5835DB4}"/>
+              </a:ext>
+            </a:extLst>
+          </p:cNvPr>
+          <p:cNvSpPr>
+            <a:spLocks noGrp="1"/>
+          </p:cNvSpPr>
+          <p:nvPr>
+            <p:ph idx="1"/>
+          </p:nvPr>
+        </p:nvSpPr>
+        <p:spPr/>
+        <p:txBody>
+          <a:bodyPr/>
+          <a:lstStyle/>
+          <a:p>
+            <a:endParaRPr lang="en-US"/>
+          </a:p>
+        </p:txBody>
+      </p:sp>
+      <p:sp>
+        <p:nvSpPr>
+          <p:cNvPr id="10" name="Text Placeholder 9">
+            <a:extLst>
+              <a:ext uri="{FF2B5EF4-FFF2-40B4-BE49-F238E27FC236}">
+                <a16:creationId xmlns:a16="http://schemas.microsoft.com/office/drawing/2014/main" id="{7CEC4CE7-6001-9245-91EE-29679BC86F98}"/>
+              </a:ext>
+            </a:extLst>
+          </p:cNvPr>
+          <p:cNvSpPr>
+            <a:spLocks noGrp="1"/>
+          </p:cNvSpPr>
+          <p:nvPr>
+            <p:ph type="body" sz="quarter" idx="21"/>
+          </p:nvPr>
+        </p:nvSpPr>
+        <p:spPr/>
+        <p:txBody>
+          <a:bodyPr/>
+          <a:lstStyle/>
+          <a:p>
+            <a:endParaRPr lang="en-US"/>
+          </a:p>
+        </p:txBody>
+      </p:sp>
+      <p:sp>
+        <p:nvSpPr>
+          <p:cNvPr id="11" name="Content Placeholder 10">
+            <a:extLst>
+              <a:ext uri="{FF2B5EF4-FFF2-40B4-BE49-F238E27FC236}">
+                <a16:creationId xmlns:a16="http://schemas.microsoft.com/office/drawing/2014/main" id="{A4C91F26-0508-6542-9393-F1BC6B02418F}"/>
+              </a:ext>
+            </a:extLst>
+          </p:cNvPr>
+          <p:cNvSpPr>
+            <a:spLocks noGrp="1"/>
+          </p:cNvSpPr>
+          <p:nvPr>
+            <p:ph idx="22"/>
+          </p:nvPr>
+        </p:nvSpPr>
+        <p:spPr/>
+        <p:txBody>
+          <a:bodyPr/>
+          <a:lstStyle/>
+          <a:p>
+            <a:endParaRPr lang="en-US"/>
+          </a:p>
+        </p:txBody>
+      </p:sp>
+      <p:pic>
+        <p:nvPicPr>
+          <p:cNvPr id="13" name="Picture 12">
+            <a:extLst>
+              <a:ext uri="{FF2B5EF4-FFF2-40B4-BE49-F238E27FC236}">
+                <a16:creationId xmlns:a16="http://schemas.microsoft.com/office/drawing/2014/main" id="{3BC9CC6D-5D06-E44C-BCF1-4169B4E706F5}"/>
+              </a:ext>
+            </a:extLst>
+          </p:cNvPr>
+          <p:cNvPicPr>
+            <a:picLocks noChangeAspect="1"/>
+          </p:cNvPicPr>
+          <p:nvPr/>
+        </p:nvPicPr>
+        <p:blipFill>
+          <a:blip r:embed="rId2"/>
+          <a:stretch>
+            <a:fillRect/>
+          </a:stretch>
+        </p:blipFill>
+        <p:spPr>
+          <a:xfrm>
+            <a:off x="106571" y="1108562"/>
+            <a:ext cx="1854200" cy="1092200"/>
+          </a:xfrm>
+          <a:prstGeom prst="rect">
+            <a:avLst/>
+          </a:prstGeom>
+        </p:spPr>
+      </p:pic>
+    </p:spTree>
+    <p:extLst>
+      <p:ext uri="{BB962C8B-B14F-4D97-AF65-F5344CB8AC3E}">
+        <p14:creationId xmlns:p14="http://schemas.microsoft.com/office/powerpoint/2010/main" val="4270724040"/>
+      </p:ext>
+    </p:extLst>
+  </p:cSld>
+  <p:clrMapOvr>
+    <a:masterClrMapping/>
+  </p:clrMapOvr>
+</p:sld>
+</file>
+
+<file path=ppt/slides/slide8.xml><?xml version="1.0" encoding="utf-8"?>
+<p:sld xmlns:a="http://schemas.openxmlformats.org/drawingml/2006/main" xmlns:r="http://schemas.openxmlformats.org/officeDocument/2006/relationships" xmlns:p="http://schemas.openxmlformats.org/presentationml/2006/main">
+  <p:cSld>
+    <p:spTree>
+      <p:nvGrpSpPr>
+        <p:cNvPr id="1" name=""/>
+        <p:cNvGrpSpPr/>
+        <p:nvPr/>
+      </p:nvGrpSpPr>
+      <p:grpSpPr>
+        <a:xfrm>
+          <a:off x="0" y="0"/>
+          <a:ext cx="0" cy="0"/>
+          <a:chOff x="0" y="0"/>
+          <a:chExt cx="0" cy="0"/>
+        </a:xfrm>
+      </p:grpSpPr>
+      <p:sp>
+        <p:nvSpPr>
+          <p:cNvPr id="6" name="Content Placeholder 5">
+            <a:extLst>
+              <a:ext uri="{FF2B5EF4-FFF2-40B4-BE49-F238E27FC236}">
+                <a16:creationId xmlns:a16="http://schemas.microsoft.com/office/drawing/2014/main" id="{AB4F4B01-521A-8A46-AA8A-46B1DB65E777}"/>
+              </a:ext>
+            </a:extLst>
+          </p:cNvPr>
+          <p:cNvSpPr>
+            <a:spLocks noGrp="1"/>
+          </p:cNvSpPr>
+          <p:nvPr>
+            <p:ph idx="12"/>
+          </p:nvPr>
+        </p:nvSpPr>
+        <p:spPr/>
+        <p:txBody>
+          <a:bodyPr/>
+          <a:lstStyle/>
+          <a:p>
+            <a:endParaRPr lang="en-US"/>
+          </a:p>
+        </p:txBody>
+      </p:sp>
+      <p:sp>
+        <p:nvSpPr>
+          <p:cNvPr id="4" name="Title 3">
+            <a:extLst>
+              <a:ext uri="{FF2B5EF4-FFF2-40B4-BE49-F238E27FC236}">
+                <a16:creationId xmlns:a16="http://schemas.microsoft.com/office/drawing/2014/main" id="{B467EADF-7D3D-B049-8EB1-E68EFCAE8A9B}"/>
+              </a:ext>
+            </a:extLst>
+          </p:cNvPr>
+          <p:cNvSpPr>
+            <a:spLocks noGrp="1"/>
+          </p:cNvSpPr>
+          <p:nvPr>
+            <p:ph type="title"/>
+          </p:nvPr>
+        </p:nvSpPr>
+        <p:spPr/>
+        <p:txBody>
+          <a:bodyPr>
+            <a:normAutofit fontScale="90000"/>
+          </a:bodyPr>
+          <a:lstStyle/>
+          <a:p>
+            <a:endParaRPr lang="en-US"/>
+          </a:p>
+        </p:txBody>
+      </p:sp>
+      <p:sp>
+        <p:nvSpPr>
+          <p:cNvPr id="5" name="Content Placeholder 4">
+            <a:extLst>
+              <a:ext uri="{FF2B5EF4-FFF2-40B4-BE49-F238E27FC236}">
+                <a16:creationId xmlns:a16="http://schemas.microsoft.com/office/drawing/2014/main" id="{AC74EDB3-F939-4047-9127-D4A6082AF39B}"/>
+              </a:ext>
+            </a:extLst>
+          </p:cNvPr>
+          <p:cNvSpPr>
+            <a:spLocks noGrp="1"/>
+          </p:cNvSpPr>
+          <p:nvPr>
+            <p:ph idx="11"/>
+          </p:nvPr>
+        </p:nvSpPr>
+        <p:spPr/>
+        <p:txBody>
+          <a:bodyPr/>
+          <a:lstStyle/>
+          <a:p>
+            <a:endParaRPr lang="en-US"/>
+          </a:p>
+        </p:txBody>
+      </p:sp>
+      <p:pic>
+        <p:nvPicPr>
+          <p:cNvPr id="2" name="Picture 1">
+            <a:extLst>
+              <a:ext uri="{FF2B5EF4-FFF2-40B4-BE49-F238E27FC236}">
+                <a16:creationId xmlns:a16="http://schemas.microsoft.com/office/drawing/2014/main" id="{17A96BD2-0F20-1440-9276-45998FB2C858}"/>
+              </a:ext>
+            </a:extLst>
+          </p:cNvPr>
+          <p:cNvPicPr>
+            <a:picLocks noChangeAspect="1"/>
+          </p:cNvPicPr>
+          <p:nvPr/>
+        </p:nvPicPr>
+        <p:blipFill>
+          <a:blip r:embed="rId2"/>
+          <a:stretch>
+            <a:fillRect/>
+          </a:stretch>
+        </p:blipFill>
+        <p:spPr>
+          <a:xfrm>
+            <a:off x="159025" y="1189935"/>
+            <a:ext cx="1854200" cy="1092200"/>
+          </a:xfrm>
+          <a:prstGeom prst="rect">
+            <a:avLst/>
+          </a:prstGeom>
+        </p:spPr>
+      </p:pic>
+    </p:spTree>
+    <p:extLst>
+      <p:ext uri="{BB962C8B-B14F-4D97-AF65-F5344CB8AC3E}">
+        <p14:creationId xmlns:p14="http://schemas.microsoft.com/office/powerpoint/2010/main" val="1473685648"/>
+      </p:ext>
+    </p:extLst>
+  </p:cSld>
+  <p:clrMapOvr>
+    <a:masterClrMapping/>
+  </p:clrMapOvr>
+</p:sld>
+</file>
+
+<file path=ppt/slides/slide9.xml><?xml version="1.0" encoding="utf-8"?>
+<p:sld xmlns:a="http://schemas.openxmlformats.org/drawingml/2006/main" xmlns:r="http://schemas.openxmlformats.org/officeDocument/2006/relationships" xmlns:p="http://schemas.openxmlformats.org/presentationml/2006/main">
+  <p:cSld>
+    <p:spTree>
+      <p:nvGrpSpPr>
+        <p:cNvPr id="1" name=""/>
+        <p:cNvGrpSpPr/>
+        <p:nvPr/>
+      </p:nvGrpSpPr>
+      <p:grpSpPr>
+        <a:xfrm>
+          <a:off x="0" y="0"/>
+          <a:ext cx="0" cy="0"/>
+          <a:chOff x="0" y="0"/>
+          <a:chExt cx="0" cy="0"/>
+        </a:xfrm>
+      </p:grpSpPr>
+    </p:spTree>
+    <p:extLst>
+      <p:ext uri="{BB962C8B-B14F-4D97-AF65-F5344CB8AC3E}">
+        <p14:creationId xmlns:p14="http://schemas.microsoft.com/office/powerpoint/2010/main" val="1148132141"/>
       </p:ext>
     </p:extLst>
   </p:cSld>

--- a/templates/trivadis.pptx
+++ b/templates/trivadis.pptx
@@ -3103,8 +3103,8 @@
 </file>
 
 <file path=ppt/slideLayouts/slideLayout16.xml><?xml version="1.0" encoding="utf-8"?>
-<p:sldLayout xmlns:a="http://schemas.openxmlformats.org/drawingml/2006/main" xmlns:r="http://schemas.openxmlformats.org/officeDocument/2006/relationships" xmlns:p="http://schemas.openxmlformats.org/presentationml/2006/main" type="vertTx" preserve="1">
-  <p:cSld name="Title and Vertical Text">
+<p:sldLayout xmlns:a="http://schemas.openxmlformats.org/drawingml/2006/main" xmlns:r="http://schemas.openxmlformats.org/officeDocument/2006/relationships" xmlns:p="http://schemas.openxmlformats.org/presentationml/2006/main" type="picTx" preserve="1">
+  <p:cSld name="Content with Caption">
     <p:spTree>
       <p:nvGrpSpPr>
         <p:cNvPr id="1" name=""/>
@@ -3129,12 +3129,17 @@
             <p:ph type="title"/>
           </p:nvPr>
         </p:nvSpPr>
-        <p:spPr/>
+        <p:spPr>
+          <a:xfrm>
+            <a:off x="2389717" y="4800600"/>
+            <a:ext cx="7315200" cy="566739"/>
+          </a:xfrm>
+        </p:spPr>
         <p:txBody>
-          <a:bodyPr/>
+          <a:bodyPr anchor="b"/>
           <a:lstStyle>
             <a:lvl1pPr algn="l">
-              <a:defRPr/>
+              <a:defRPr sz="2000" b="1"/>
             </a:lvl1pPr>
           </a:lstStyle>
           <a:p>
@@ -3142,24 +3147,131 @@
               <a:rPr lang="en-GB"/>
               <a:t>Click to edit Master title style</a:t>
             </a:r>
-            <a:endParaRPr lang="en-US" dirty="0"/>
+            <a:endParaRPr lang="en-US"/>
           </a:p>
         </p:txBody>
       </p:sp>
       <p:sp>
         <p:nvSpPr>
-          <p:cNvPr id="3" name="Vertical Text Placeholder 2"/>
+          <p:cNvPr id="3" name="Picture Placeholder 2"/>
           <p:cNvSpPr>
             <a:spLocks noGrp="1"/>
           </p:cNvSpPr>
           <p:nvPr>
-            <p:ph type="body" orient="vert" idx="1"/>
+            <p:ph type="pic" idx="1"/>
           </p:nvPr>
         </p:nvSpPr>
-        <p:spPr/>
+        <p:spPr>
+          <a:xfrm>
+            <a:off x="2389717" y="612775"/>
+            <a:ext cx="7315200" cy="4114800"/>
+          </a:xfrm>
+        </p:spPr>
         <p:txBody>
-          <a:bodyPr vert="eaVert"/>
-          <a:lstStyle/>
+          <a:bodyPr/>
+          <a:lstStyle>
+            <a:lvl1pPr marL="0" indent="0">
+              <a:buNone/>
+              <a:defRPr sz="3200"/>
+            </a:lvl1pPr>
+            <a:lvl2pPr marL="457189" indent="0">
+              <a:buNone/>
+              <a:defRPr sz="2800"/>
+            </a:lvl2pPr>
+            <a:lvl3pPr marL="914377" indent="0">
+              <a:buNone/>
+              <a:defRPr sz="2400"/>
+            </a:lvl3pPr>
+            <a:lvl4pPr marL="1371566" indent="0">
+              <a:buNone/>
+              <a:defRPr sz="2000"/>
+            </a:lvl4pPr>
+            <a:lvl5pPr marL="1828754" indent="0">
+              <a:buNone/>
+              <a:defRPr sz="2000"/>
+            </a:lvl5pPr>
+            <a:lvl6pPr marL="2285943" indent="0">
+              <a:buNone/>
+              <a:defRPr sz="2000"/>
+            </a:lvl6pPr>
+            <a:lvl7pPr marL="2743131" indent="0">
+              <a:buNone/>
+              <a:defRPr sz="2000"/>
+            </a:lvl7pPr>
+            <a:lvl8pPr marL="3200320" indent="0">
+              <a:buNone/>
+              <a:defRPr sz="2000"/>
+            </a:lvl8pPr>
+            <a:lvl9pPr marL="3657509" indent="0">
+              <a:buNone/>
+              <a:defRPr sz="2000"/>
+            </a:lvl9pPr>
+          </a:lstStyle>
+          <a:p>
+            <a:r>
+              <a:rPr lang="en-GB"/>
+              <a:t>Click icon to add picture</a:t>
+            </a:r>
+            <a:endParaRPr lang="en-US"/>
+          </a:p>
+        </p:txBody>
+      </p:sp>
+      <p:sp>
+        <p:nvSpPr>
+          <p:cNvPr id="4" name="Text Placeholder 3"/>
+          <p:cNvSpPr>
+            <a:spLocks noGrp="1"/>
+          </p:cNvSpPr>
+          <p:nvPr>
+            <p:ph type="body" sz="half" idx="2"/>
+          </p:nvPr>
+        </p:nvSpPr>
+        <p:spPr>
+          <a:xfrm>
+            <a:off x="2389717" y="5367338"/>
+            <a:ext cx="7315200" cy="804863"/>
+          </a:xfrm>
+        </p:spPr>
+        <p:txBody>
+          <a:bodyPr/>
+          <a:lstStyle>
+            <a:lvl1pPr marL="0" indent="0">
+              <a:buNone/>
+              <a:defRPr sz="1400"/>
+            </a:lvl1pPr>
+            <a:lvl2pPr marL="457189" indent="0">
+              <a:buNone/>
+              <a:defRPr sz="1200"/>
+            </a:lvl2pPr>
+            <a:lvl3pPr marL="914377" indent="0">
+              <a:buNone/>
+              <a:defRPr sz="1000"/>
+            </a:lvl3pPr>
+            <a:lvl4pPr marL="1371566" indent="0">
+              <a:buNone/>
+              <a:defRPr sz="900"/>
+            </a:lvl4pPr>
+            <a:lvl5pPr marL="1828754" indent="0">
+              <a:buNone/>
+              <a:defRPr sz="900"/>
+            </a:lvl5pPr>
+            <a:lvl6pPr marL="2285943" indent="0">
+              <a:buNone/>
+              <a:defRPr sz="900"/>
+            </a:lvl6pPr>
+            <a:lvl7pPr marL="2743131" indent="0">
+              <a:buNone/>
+              <a:defRPr sz="900"/>
+            </a:lvl7pPr>
+            <a:lvl8pPr marL="3200320" indent="0">
+              <a:buNone/>
+              <a:defRPr sz="900"/>
+            </a:lvl8pPr>
+            <a:lvl9pPr marL="3657509" indent="0">
+              <a:buNone/>
+              <a:defRPr sz="900"/>
+            </a:lvl9pPr>
+          </a:lstStyle>
           <a:p>
             <a:pPr lvl="0"/>
             <a:r>
@@ -3167,35 +3279,6 @@
               <a:t>Click to edit Master text styles</a:t>
             </a:r>
           </a:p>
-          <a:p>
-            <a:pPr lvl="1"/>
-            <a:r>
-              <a:rPr lang="en-GB"/>
-              <a:t>Second level</a:t>
-            </a:r>
-          </a:p>
-          <a:p>
-            <a:pPr lvl="2"/>
-            <a:r>
-              <a:rPr lang="en-GB"/>
-              <a:t>Third level</a:t>
-            </a:r>
-          </a:p>
-          <a:p>
-            <a:pPr lvl="3"/>
-            <a:r>
-              <a:rPr lang="en-GB"/>
-              <a:t>Fourth level</a:t>
-            </a:r>
-          </a:p>
-          <a:p>
-            <a:pPr lvl="4"/>
-            <a:r>
-              <a:rPr lang="en-GB"/>
-              <a:t>Fifth level</a:t>
-            </a:r>
-            <a:endParaRPr lang="en-US"/>
-          </a:p>
         </p:txBody>
       </p:sp>
       <p:sp>
@@ -3203,7 +3286,7 @@
           <p:cNvPr id="5" name="Slide Number Placeholder 5">
             <a:extLst>
               <a:ext uri="{FF2B5EF4-FFF2-40B4-BE49-F238E27FC236}">
-                <a16:creationId xmlns:a16="http://schemas.microsoft.com/office/drawing/2014/main" id="{4DF582D5-12D7-214C-9D68-3FDBB18477DA}"/>
+                <a16:creationId xmlns:a16="http://schemas.microsoft.com/office/drawing/2014/main" id="{B74AA157-58A9-9D41-8A72-1B17396F0876}"/>
               </a:ext>
             </a:extLst>
           </p:cNvPr>
@@ -3331,6 +3414,245 @@
     </p:spTree>
     <p:extLst>
       <p:ext uri="{BB962C8B-B14F-4D97-AF65-F5344CB8AC3E}">
+        <p14:creationId xmlns:p14="http://schemas.microsoft.com/office/powerpoint/2010/main" val="201017952"/>
+      </p:ext>
+    </p:extLst>
+  </p:cSld>
+  <p:clrMapOvr>
+    <a:masterClrMapping/>
+  </p:clrMapOvr>
+</p:sldLayout>
+</file>
+
+<file path=ppt/slideLayouts/slideLayout17.xml><?xml version="1.0" encoding="utf-8"?>
+<p:sldLayout xmlns:a="http://schemas.openxmlformats.org/drawingml/2006/main" xmlns:r="http://schemas.openxmlformats.org/officeDocument/2006/relationships" xmlns:p="http://schemas.openxmlformats.org/presentationml/2006/main" type="vertTx" preserve="1">
+  <p:cSld name="Title and Vertical Text">
+    <p:spTree>
+      <p:nvGrpSpPr>
+        <p:cNvPr id="1" name=""/>
+        <p:cNvGrpSpPr/>
+        <p:nvPr/>
+      </p:nvGrpSpPr>
+      <p:grpSpPr>
+        <a:xfrm>
+          <a:off x="0" y="0"/>
+          <a:ext cx="0" cy="0"/>
+          <a:chOff x="0" y="0"/>
+          <a:chExt cx="0" cy="0"/>
+        </a:xfrm>
+      </p:grpSpPr>
+      <p:sp>
+        <p:nvSpPr>
+          <p:cNvPr id="2" name="Title 1"/>
+          <p:cNvSpPr>
+            <a:spLocks noGrp="1"/>
+          </p:cNvSpPr>
+          <p:nvPr>
+            <p:ph type="title"/>
+          </p:nvPr>
+        </p:nvSpPr>
+        <p:spPr/>
+        <p:txBody>
+          <a:bodyPr/>
+          <a:lstStyle>
+            <a:lvl1pPr algn="l">
+              <a:defRPr/>
+            </a:lvl1pPr>
+          </a:lstStyle>
+          <a:p>
+            <a:r>
+              <a:rPr lang="en-GB"/>
+              <a:t>Click to edit Master title style</a:t>
+            </a:r>
+            <a:endParaRPr lang="en-US" dirty="0"/>
+          </a:p>
+        </p:txBody>
+      </p:sp>
+      <p:sp>
+        <p:nvSpPr>
+          <p:cNvPr id="3" name="Vertical Text Placeholder 2"/>
+          <p:cNvSpPr>
+            <a:spLocks noGrp="1"/>
+          </p:cNvSpPr>
+          <p:nvPr>
+            <p:ph type="body" orient="vert" idx="1"/>
+          </p:nvPr>
+        </p:nvSpPr>
+        <p:spPr/>
+        <p:txBody>
+          <a:bodyPr vert="eaVert"/>
+          <a:lstStyle/>
+          <a:p>
+            <a:pPr lvl="0"/>
+            <a:r>
+              <a:rPr lang="en-GB"/>
+              <a:t>Click to edit Master text styles</a:t>
+            </a:r>
+          </a:p>
+          <a:p>
+            <a:pPr lvl="1"/>
+            <a:r>
+              <a:rPr lang="en-GB"/>
+              <a:t>Second level</a:t>
+            </a:r>
+          </a:p>
+          <a:p>
+            <a:pPr lvl="2"/>
+            <a:r>
+              <a:rPr lang="en-GB"/>
+              <a:t>Third level</a:t>
+            </a:r>
+          </a:p>
+          <a:p>
+            <a:pPr lvl="3"/>
+            <a:r>
+              <a:rPr lang="en-GB"/>
+              <a:t>Fourth level</a:t>
+            </a:r>
+          </a:p>
+          <a:p>
+            <a:pPr lvl="4"/>
+            <a:r>
+              <a:rPr lang="en-GB"/>
+              <a:t>Fifth level</a:t>
+            </a:r>
+            <a:endParaRPr lang="en-US"/>
+          </a:p>
+        </p:txBody>
+      </p:sp>
+      <p:sp>
+        <p:nvSpPr>
+          <p:cNvPr id="5" name="Slide Number Placeholder 5">
+            <a:extLst>
+              <a:ext uri="{FF2B5EF4-FFF2-40B4-BE49-F238E27FC236}">
+                <a16:creationId xmlns:a16="http://schemas.microsoft.com/office/drawing/2014/main" id="{4DF582D5-12D7-214C-9D68-3FDBB18477DA}"/>
+              </a:ext>
+            </a:extLst>
+          </p:cNvPr>
+          <p:cNvSpPr txBox="1">
+            <a:spLocks/>
+          </p:cNvSpPr>
+          <p:nvPr userDrawn="1"/>
+        </p:nvSpPr>
+        <p:spPr>
+          <a:xfrm>
+            <a:off x="454551" y="400611"/>
+            <a:ext cx="579120" cy="432595"/>
+          </a:xfrm>
+          <a:prstGeom prst="rect">
+            <a:avLst/>
+          </a:prstGeom>
+        </p:spPr>
+        <p:txBody>
+          <a:bodyPr vert="horz" lIns="91440" tIns="45720" rIns="91440" bIns="45720" rtlCol="0" anchor="ctr"/>
+          <a:lstStyle>
+            <a:defPPr>
+              <a:defRPr lang="en-US"/>
+            </a:defPPr>
+            <a:lvl1pPr marL="0" algn="r" defTabSz="457200" rtl="0" eaLnBrk="1" latinLnBrk="0" hangingPunct="1">
+              <a:defRPr sz="2000" b="1" i="0" kern="1200">
+                <a:solidFill>
+                  <a:srgbClr val="9601FF"/>
+                </a:solidFill>
+                <a:latin typeface="Montserrat" pitchFamily="2" charset="77"/>
+                <a:ea typeface="+mn-ea"/>
+                <a:cs typeface="+mn-cs"/>
+              </a:defRPr>
+            </a:lvl1pPr>
+            <a:lvl2pPr marL="457200" algn="l" defTabSz="457200" rtl="0" eaLnBrk="1" latinLnBrk="0" hangingPunct="1">
+              <a:defRPr sz="1800" kern="1200">
+                <a:solidFill>
+                  <a:schemeClr val="tx1"/>
+                </a:solidFill>
+                <a:latin typeface="+mn-lt"/>
+                <a:ea typeface="+mn-ea"/>
+                <a:cs typeface="+mn-cs"/>
+              </a:defRPr>
+            </a:lvl2pPr>
+            <a:lvl3pPr marL="914400" algn="l" defTabSz="457200" rtl="0" eaLnBrk="1" latinLnBrk="0" hangingPunct="1">
+              <a:defRPr sz="1800" kern="1200">
+                <a:solidFill>
+                  <a:schemeClr val="tx1"/>
+                </a:solidFill>
+                <a:latin typeface="+mn-lt"/>
+                <a:ea typeface="+mn-ea"/>
+                <a:cs typeface="+mn-cs"/>
+              </a:defRPr>
+            </a:lvl3pPr>
+            <a:lvl4pPr marL="1371600" algn="l" defTabSz="457200" rtl="0" eaLnBrk="1" latinLnBrk="0" hangingPunct="1">
+              <a:defRPr sz="1800" kern="1200">
+                <a:solidFill>
+                  <a:schemeClr val="tx1"/>
+                </a:solidFill>
+                <a:latin typeface="+mn-lt"/>
+                <a:ea typeface="+mn-ea"/>
+                <a:cs typeface="+mn-cs"/>
+              </a:defRPr>
+            </a:lvl4pPr>
+            <a:lvl5pPr marL="1828800" algn="l" defTabSz="457200" rtl="0" eaLnBrk="1" latinLnBrk="0" hangingPunct="1">
+              <a:defRPr sz="1800" kern="1200">
+                <a:solidFill>
+                  <a:schemeClr val="tx1"/>
+                </a:solidFill>
+                <a:latin typeface="+mn-lt"/>
+                <a:ea typeface="+mn-ea"/>
+                <a:cs typeface="+mn-cs"/>
+              </a:defRPr>
+            </a:lvl5pPr>
+            <a:lvl6pPr marL="2286000" algn="l" defTabSz="457200" rtl="0" eaLnBrk="1" latinLnBrk="0" hangingPunct="1">
+              <a:defRPr sz="1800" kern="1200">
+                <a:solidFill>
+                  <a:schemeClr val="tx1"/>
+                </a:solidFill>
+                <a:latin typeface="+mn-lt"/>
+                <a:ea typeface="+mn-ea"/>
+                <a:cs typeface="+mn-cs"/>
+              </a:defRPr>
+            </a:lvl6pPr>
+            <a:lvl7pPr marL="2743200" algn="l" defTabSz="457200" rtl="0" eaLnBrk="1" latinLnBrk="0" hangingPunct="1">
+              <a:defRPr sz="1800" kern="1200">
+                <a:solidFill>
+                  <a:schemeClr val="tx1"/>
+                </a:solidFill>
+                <a:latin typeface="+mn-lt"/>
+                <a:ea typeface="+mn-ea"/>
+                <a:cs typeface="+mn-cs"/>
+              </a:defRPr>
+            </a:lvl7pPr>
+            <a:lvl8pPr marL="3200400" algn="l" defTabSz="457200" rtl="0" eaLnBrk="1" latinLnBrk="0" hangingPunct="1">
+              <a:defRPr sz="1800" kern="1200">
+                <a:solidFill>
+                  <a:schemeClr val="tx1"/>
+                </a:solidFill>
+                <a:latin typeface="+mn-lt"/>
+                <a:ea typeface="+mn-ea"/>
+                <a:cs typeface="+mn-cs"/>
+              </a:defRPr>
+            </a:lvl8pPr>
+            <a:lvl9pPr marL="3657600" algn="l" defTabSz="457200" rtl="0" eaLnBrk="1" latinLnBrk="0" hangingPunct="1">
+              <a:defRPr sz="1800" kern="1200">
+                <a:solidFill>
+                  <a:schemeClr val="tx1"/>
+                </a:solidFill>
+                <a:latin typeface="+mn-lt"/>
+                <a:ea typeface="+mn-ea"/>
+                <a:cs typeface="+mn-cs"/>
+              </a:defRPr>
+            </a:lvl9pPr>
+          </a:lstStyle>
+          <a:p>
+            <a:fld id="{C5EF2332-01BF-834F-8236-50238282D533}" type="slidenum">
+              <a:rPr lang="en-US" sz="2000" smtClean="0"/>
+              <a:pPr/>
+              <a:t>‹#›</a:t>
+            </a:fld>
+            <a:endParaRPr lang="en-US" sz="2000" dirty="0"/>
+          </a:p>
+        </p:txBody>
+      </p:sp>
+    </p:spTree>
+    <p:extLst>
+      <p:ext uri="{BB962C8B-B14F-4D97-AF65-F5344CB8AC3E}">
         <p14:creationId xmlns:p14="http://schemas.microsoft.com/office/powerpoint/2010/main" val="313914798"/>
       </p:ext>
     </p:extLst>
@@ -3341,7 +3663,7 @@
 </p:sldLayout>
 </file>
 
-<file path=ppt/slideLayouts/slideLayout17.xml><?xml version="1.0" encoding="utf-8"?>
+<file path=ppt/slideLayouts/slideLayout18.xml><?xml version="1.0" encoding="utf-8"?>
 <p:sldLayout xmlns:a="http://schemas.openxmlformats.org/drawingml/2006/main" xmlns:r="http://schemas.openxmlformats.org/officeDocument/2006/relationships" xmlns:p="http://schemas.openxmlformats.org/presentationml/2006/main" type="vertTitleAndTx" preserve="1">
   <p:cSld name="Vertical Title and Text">
     <p:spTree>
@@ -3456,7 +3778,7 @@
 </p:sldLayout>
 </file>
 
-<file path=ppt/slideLayouts/slideLayout18.xml><?xml version="1.0" encoding="utf-8"?>
+<file path=ppt/slideLayouts/slideLayout19.xml><?xml version="1.0" encoding="utf-8"?>
 <p:sldLayout xmlns:a="http://schemas.openxmlformats.org/drawingml/2006/main" xmlns:r="http://schemas.openxmlformats.org/officeDocument/2006/relationships" xmlns:p="http://schemas.openxmlformats.org/presentationml/2006/main" preserve="1" userDrawn="1">
   <p:cSld name="Gradient Highlight Slide">
     <p:bg>
@@ -3707,86 +4029,6 @@
     <p:extLst>
       <p:ext uri="{BB962C8B-B14F-4D97-AF65-F5344CB8AC3E}">
         <p14:creationId xmlns:p14="http://schemas.microsoft.com/office/powerpoint/2010/main" val="2700902730"/>
-      </p:ext>
-    </p:extLst>
-  </p:cSld>
-  <p:clrMapOvr>
-    <a:masterClrMapping/>
-  </p:clrMapOvr>
-</p:sldLayout>
-</file>
-
-<file path=ppt/slideLayouts/slideLayout19.xml><?xml version="1.0" encoding="utf-8"?>
-<p:sldLayout xmlns:a="http://schemas.openxmlformats.org/drawingml/2006/main" xmlns:r="http://schemas.openxmlformats.org/officeDocument/2006/relationships" xmlns:p="http://schemas.openxmlformats.org/presentationml/2006/main" preserve="1" userDrawn="1">
-  <p:cSld name="Gradient Slide blank">
-    <p:bg>
-      <p:bgPr>
-        <a:blipFill dpi="0" rotWithShape="1">
-          <a:blip r:embed="rId2">
-            <a:lum/>
-          </a:blip>
-          <a:srcRect/>
-          <a:stretch>
-            <a:fillRect/>
-          </a:stretch>
-        </a:blipFill>
-        <a:effectLst/>
-      </p:bgPr>
-    </p:bg>
-    <p:spTree>
-      <p:nvGrpSpPr>
-        <p:cNvPr id="1" name=""/>
-        <p:cNvGrpSpPr/>
-        <p:nvPr/>
-      </p:nvGrpSpPr>
-      <p:grpSpPr>
-        <a:xfrm>
-          <a:off x="0" y="0"/>
-          <a:ext cx="0" cy="0"/>
-          <a:chOff x="0" y="0"/>
-          <a:chExt cx="0" cy="0"/>
-        </a:xfrm>
-      </p:grpSpPr>
-      <p:pic>
-        <p:nvPicPr>
-          <p:cNvPr id="9" name="Grafik 6">
-            <a:extLst>
-              <a:ext uri="{FF2B5EF4-FFF2-40B4-BE49-F238E27FC236}">
-                <a16:creationId xmlns:a16="http://schemas.microsoft.com/office/drawing/2014/main" id="{831D9137-EED9-064E-A932-4B446A543436}"/>
-              </a:ext>
-            </a:extLst>
-          </p:cNvPr>
-          <p:cNvPicPr>
-            <a:picLocks noChangeAspect="1"/>
-          </p:cNvPicPr>
-          <p:nvPr userDrawn="1"/>
-        </p:nvPicPr>
-        <p:blipFill>
-          <a:blip r:embed="rId3">
-            <a:extLst>
-              <a:ext uri="{28A0092B-C50C-407E-A947-70E740481C1C}">
-                <a14:useLocalDpi xmlns:a14="http://schemas.microsoft.com/office/drawing/2010/main" val="0"/>
-              </a:ext>
-            </a:extLst>
-          </a:blip>
-          <a:stretch>
-            <a:fillRect/>
-          </a:stretch>
-        </p:blipFill>
-        <p:spPr>
-          <a:xfrm>
-            <a:off x="10447013" y="6168213"/>
-            <a:ext cx="1135388" cy="376279"/>
-          </a:xfrm>
-          <a:prstGeom prst="rect">
-            <a:avLst/>
-          </a:prstGeom>
-        </p:spPr>
-      </p:pic>
-    </p:spTree>
-    <p:extLst>
-      <p:ext uri="{BB962C8B-B14F-4D97-AF65-F5344CB8AC3E}">
-        <p14:creationId xmlns:p14="http://schemas.microsoft.com/office/powerpoint/2010/main" val="2371078665"/>
       </p:ext>
     </p:extLst>
   </p:cSld>
@@ -4179,6 +4421,86 @@
 
 <file path=ppt/slideLayouts/slideLayout20.xml><?xml version="1.0" encoding="utf-8"?>
 <p:sldLayout xmlns:a="http://schemas.openxmlformats.org/drawingml/2006/main" xmlns:r="http://schemas.openxmlformats.org/officeDocument/2006/relationships" xmlns:p="http://schemas.openxmlformats.org/presentationml/2006/main" preserve="1" userDrawn="1">
+  <p:cSld name="Gradient Slide blank">
+    <p:bg>
+      <p:bgPr>
+        <a:blipFill dpi="0" rotWithShape="1">
+          <a:blip r:embed="rId2">
+            <a:lum/>
+          </a:blip>
+          <a:srcRect/>
+          <a:stretch>
+            <a:fillRect/>
+          </a:stretch>
+        </a:blipFill>
+        <a:effectLst/>
+      </p:bgPr>
+    </p:bg>
+    <p:spTree>
+      <p:nvGrpSpPr>
+        <p:cNvPr id="1" name=""/>
+        <p:cNvGrpSpPr/>
+        <p:nvPr/>
+      </p:nvGrpSpPr>
+      <p:grpSpPr>
+        <a:xfrm>
+          <a:off x="0" y="0"/>
+          <a:ext cx="0" cy="0"/>
+          <a:chOff x="0" y="0"/>
+          <a:chExt cx="0" cy="0"/>
+        </a:xfrm>
+      </p:grpSpPr>
+      <p:pic>
+        <p:nvPicPr>
+          <p:cNvPr id="9" name="Grafik 6">
+            <a:extLst>
+              <a:ext uri="{FF2B5EF4-FFF2-40B4-BE49-F238E27FC236}">
+                <a16:creationId xmlns:a16="http://schemas.microsoft.com/office/drawing/2014/main" id="{831D9137-EED9-064E-A932-4B446A543436}"/>
+              </a:ext>
+            </a:extLst>
+          </p:cNvPr>
+          <p:cNvPicPr>
+            <a:picLocks noChangeAspect="1"/>
+          </p:cNvPicPr>
+          <p:nvPr userDrawn="1"/>
+        </p:nvPicPr>
+        <p:blipFill>
+          <a:blip r:embed="rId3">
+            <a:extLst>
+              <a:ext uri="{28A0092B-C50C-407E-A947-70E740481C1C}">
+                <a14:useLocalDpi xmlns:a14="http://schemas.microsoft.com/office/drawing/2010/main" val="0"/>
+              </a:ext>
+            </a:extLst>
+          </a:blip>
+          <a:stretch>
+            <a:fillRect/>
+          </a:stretch>
+        </p:blipFill>
+        <p:spPr>
+          <a:xfrm>
+            <a:off x="10447013" y="6168213"/>
+            <a:ext cx="1135388" cy="376279"/>
+          </a:xfrm>
+          <a:prstGeom prst="rect">
+            <a:avLst/>
+          </a:prstGeom>
+        </p:spPr>
+      </p:pic>
+    </p:spTree>
+    <p:extLst>
+      <p:ext uri="{BB962C8B-B14F-4D97-AF65-F5344CB8AC3E}">
+        <p14:creationId xmlns:p14="http://schemas.microsoft.com/office/powerpoint/2010/main" val="2371078665"/>
+      </p:ext>
+    </p:extLst>
+  </p:cSld>
+  <p:clrMapOvr>
+    <a:masterClrMapping/>
+  </p:clrMapOvr>
+</p:sldLayout>
+</file>
+
+<file path=ppt/slideLayouts/slideLayout21.xml><?xml version="1.0" encoding="utf-8"?>
+<p:sldLayout xmlns:a="http://schemas.openxmlformats.org/drawingml/2006/main" xmlns:r="http://schemas.openxmlformats.org/officeDocument/2006/relationships" xmlns:p="http://schemas.openxmlformats.org/presentationml/2006/main" preserve="1" userDrawn="1">
   <p:cSld name="Trivadis Claim">
     <p:bg>
       <p:bgPr>
@@ -4441,7 +4763,7 @@
 </p:sldLayout>
 </file>
 
-<file path=ppt/slideLayouts/slideLayout21.xml><?xml version="1.0" encoding="utf-8"?>
+<file path=ppt/slideLayouts/slideLayout22.xml><?xml version="1.0" encoding="utf-8"?>
 <p:sldLayout xmlns:a="http://schemas.openxmlformats.org/drawingml/2006/main" xmlns:r="http://schemas.openxmlformats.org/officeDocument/2006/relationships" xmlns:p="http://schemas.openxmlformats.org/presentationml/2006/main" preserve="1" userDrawn="1">
   <p:cSld name="Outro Trivadis Logo">
     <p:bg>
@@ -7470,12 +7792,13 @@
     <p:sldLayoutId id="2147483655" r:id="rId13"/>
     <p:sldLayoutId id="2147483670" r:id="rId14"/>
     <p:sldLayoutId id="2147483657" r:id="rId15"/>
-    <p:sldLayoutId id="2147483658" r:id="rId16"/>
-    <p:sldLayoutId id="2147483659" r:id="rId17"/>
-    <p:sldLayoutId id="2147483665" r:id="rId18"/>
-    <p:sldLayoutId id="2147483667" r:id="rId19"/>
-    <p:sldLayoutId id="2147483666" r:id="rId20"/>
-    <p:sldLayoutId id="2147483664" r:id="rId21"/>
+    <p:sldLayoutId id="2147483675" r:id="rId16"/>
+    <p:sldLayoutId id="2147483658" r:id="rId17"/>
+    <p:sldLayoutId id="2147483659" r:id="rId18"/>
+    <p:sldLayoutId id="2147483665" r:id="rId19"/>
+    <p:sldLayoutId id="2147483667" r:id="rId20"/>
+    <p:sldLayoutId id="2147483666" r:id="rId21"/>
+    <p:sldLayoutId id="2147483664" r:id="rId22"/>
   </p:sldLayoutIdLst>
   <p:txStyles>
     <p:titleStyle>
